--- a/Sem-1/Subjects/S2-23_SSZG519_Data Structures and Algorithms Design/Lectures CH/L2/L2_Elementary Data Structures.pptx
+++ b/Sem-1/Subjects/S2-23_SSZG519_Data Structures and Algorithms Design/Lectures CH/L2/L2_Elementary Data Structures.pptx
@@ -5,7 +5,7 @@
     <p:sldMasterId id="2147483648" r:id="rId1"/>
   </p:sldMasterIdLst>
   <p:notesMasterIdLst>
-    <p:notesMasterId r:id="rId80"/>
+    <p:notesMasterId r:id="rId82"/>
   </p:notesMasterIdLst>
   <p:sldIdLst>
     <p:sldId id="260" r:id="rId2"/>
@@ -77,15 +77,17 @@
     <p:sldId id="355" r:id="rId68"/>
     <p:sldId id="356" r:id="rId69"/>
     <p:sldId id="357" r:id="rId70"/>
-    <p:sldId id="358" r:id="rId71"/>
-    <p:sldId id="359" r:id="rId72"/>
-    <p:sldId id="360" r:id="rId73"/>
-    <p:sldId id="361" r:id="rId74"/>
-    <p:sldId id="362" r:id="rId75"/>
-    <p:sldId id="262" r:id="rId76"/>
-    <p:sldId id="303" r:id="rId77"/>
-    <p:sldId id="285" r:id="rId78"/>
-    <p:sldId id="286" r:id="rId79"/>
+    <p:sldId id="364" r:id="rId71"/>
+    <p:sldId id="358" r:id="rId72"/>
+    <p:sldId id="359" r:id="rId73"/>
+    <p:sldId id="360" r:id="rId74"/>
+    <p:sldId id="365" r:id="rId75"/>
+    <p:sldId id="361" r:id="rId76"/>
+    <p:sldId id="362" r:id="rId77"/>
+    <p:sldId id="262" r:id="rId78"/>
+    <p:sldId id="303" r:id="rId79"/>
+    <p:sldId id="285" r:id="rId80"/>
+    <p:sldId id="286" r:id="rId81"/>
   </p:sldIdLst>
   <p:sldSz cx="9144000" cy="6858000" type="screen4x3"/>
   <p:notesSz cx="6858000" cy="9144000"/>
@@ -342,7 +344,7 @@
               <a:pPr>
                 <a:defRPr/>
               </a:pPr>
-              <a:t>10-02-2024</a:t>
+              <a:t>15-03-2024</a:t>
             </a:fld>
             <a:endParaRPr lang="en-IN"/>
           </a:p>
@@ -9605,7 +9607,7 @@
               <a:pPr>
                 <a:defRPr/>
               </a:pPr>
-              <a:t>10-Feb-24</a:t>
+              <a:t>15-03-2024</a:t>
             </a:fld>
             <a:endParaRPr lang="en-US"/>
           </a:p>
@@ -34388,14 +34390,14 @@
               </a:spcAft>
             </a:pPr>
             <a:r>
-              <a:rPr lang="en-US" altLang="en-US" dirty="0" err="1">
+              <a:rPr lang="en-US" altLang="en-US" sz="1600" dirty="0" err="1">
                 <a:latin typeface="Times New Roman" panose="02020603050405020304" pitchFamily="18" charset="0"/>
                 <a:cs typeface="Times New Roman" panose="02020603050405020304" pitchFamily="18" charset="0"/>
               </a:rPr>
               <a:t>insertatany</a:t>
             </a:r>
             <a:r>
-              <a:rPr lang="en-US" altLang="en-US" dirty="0">
+              <a:rPr lang="en-US" altLang="en-US" sz="1600" dirty="0">
                 <a:latin typeface="Times New Roman" panose="02020603050405020304" pitchFamily="18" charset="0"/>
                 <a:cs typeface="Times New Roman" panose="02020603050405020304" pitchFamily="18" charset="0"/>
               </a:rPr>
@@ -34407,107 +34409,32 @@
               <a:spcAft>
                 <a:spcPct val="0"/>
               </a:spcAft>
+              <a:buFont typeface="Arial" pitchFamily="34" charset="0"/>
               <a:buAutoNum type="arabicPeriod"/>
             </a:pPr>
             <a:r>
-              <a:rPr lang="en-US" altLang="en-US" dirty="0" err="1">
-                <a:latin typeface="Times New Roman" panose="02020603050405020304" pitchFamily="18" charset="0"/>
-                <a:cs typeface="Times New Roman" panose="02020603050405020304" pitchFamily="18" charset="0"/>
-              </a:rPr>
-              <a:t>newnode</a:t>
-            </a:r>
-            <a:r>
-              <a:rPr lang="en-US" altLang="en-US" dirty="0">
+              <a:rPr lang="en-US" altLang="en-US" sz="1600" dirty="0" err="1">
+                <a:latin typeface="Times New Roman" panose="02020603050405020304" pitchFamily="18" charset="0"/>
+                <a:cs typeface="Times New Roman" panose="02020603050405020304" pitchFamily="18" charset="0"/>
+              </a:rPr>
+              <a:t>ptr</a:t>
+            </a:r>
+            <a:r>
+              <a:rPr lang="en-US" altLang="en-US" sz="1600" dirty="0">
                 <a:latin typeface="Times New Roman" panose="02020603050405020304" pitchFamily="18" charset="0"/>
                 <a:cs typeface="Times New Roman" panose="02020603050405020304" pitchFamily="18" charset="0"/>
               </a:rPr>
               <a:t> </a:t>
             </a:r>
             <a:r>
-              <a:rPr lang="en-US" altLang="en-US" dirty="0">
-                <a:latin typeface="Times New Roman" panose="02020603050405020304" pitchFamily="18" charset="0"/>
-                <a:cs typeface="Times New Roman" panose="02020603050405020304" pitchFamily="18" charset="0"/>
-                <a:sym typeface="Wingdings" panose="05000000000000000000" pitchFamily="2" charset="2"/>
-              </a:rPr>
-              <a:t> </a:t>
-            </a:r>
-            <a:r>
-              <a:rPr lang="en-US" altLang="en-US" dirty="0" err="1">
-                <a:latin typeface="Times New Roman" panose="02020603050405020304" pitchFamily="18" charset="0"/>
-                <a:cs typeface="Times New Roman" panose="02020603050405020304" pitchFamily="18" charset="0"/>
-                <a:sym typeface="Wingdings" panose="05000000000000000000" pitchFamily="2" charset="2"/>
-              </a:rPr>
-              <a:t>Getnode</a:t>
-            </a:r>
-            <a:r>
-              <a:rPr lang="en-US" altLang="en-US" dirty="0">
-                <a:latin typeface="Times New Roman" panose="02020603050405020304" pitchFamily="18" charset="0"/>
-                <a:cs typeface="Times New Roman" panose="02020603050405020304" pitchFamily="18" charset="0"/>
-                <a:sym typeface="Wingdings" panose="05000000000000000000" pitchFamily="2" charset="2"/>
-              </a:rPr>
-              <a:t>( )</a:t>
-            </a:r>
-          </a:p>
-          <a:p>
-            <a:pPr marL="514350" indent="-457200" algn="just" fontAlgn="base">
-              <a:spcAft>
-                <a:spcPct val="0"/>
-              </a:spcAft>
-              <a:buAutoNum type="arabicPeriod"/>
-            </a:pPr>
-            <a:r>
-              <a:rPr lang="en-US" altLang="en-US" dirty="0" err="1">
-                <a:latin typeface="Times New Roman" panose="02020603050405020304" pitchFamily="18" charset="0"/>
-                <a:cs typeface="Times New Roman" panose="02020603050405020304" pitchFamily="18" charset="0"/>
-              </a:rPr>
-              <a:t>newnode.data</a:t>
-            </a:r>
-            <a:r>
-              <a:rPr lang="en-US" altLang="en-US" dirty="0">
-                <a:latin typeface="Times New Roman" panose="02020603050405020304" pitchFamily="18" charset="0"/>
-                <a:cs typeface="Times New Roman" panose="02020603050405020304" pitchFamily="18" charset="0"/>
-              </a:rPr>
-              <a:t> </a:t>
-            </a:r>
-            <a:r>
-              <a:rPr lang="en-US" altLang="en-US" dirty="0">
-                <a:latin typeface="Times New Roman" panose="02020603050405020304" pitchFamily="18" charset="0"/>
-                <a:cs typeface="Times New Roman" panose="02020603050405020304" pitchFamily="18" charset="0"/>
-                <a:sym typeface="Wingdings" panose="05000000000000000000" pitchFamily="2" charset="2"/>
-              </a:rPr>
-              <a:t> o</a:t>
-            </a:r>
-          </a:p>
-          <a:p>
-            <a:pPr marL="514350" indent="-457200" algn="just" fontAlgn="base">
-              <a:spcAft>
-                <a:spcPct val="0"/>
-              </a:spcAft>
-              <a:buAutoNum type="arabicPeriod"/>
-            </a:pPr>
-            <a:r>
-              <a:rPr lang="en-US" altLang="en-US" dirty="0" err="1">
-                <a:latin typeface="Times New Roman" panose="02020603050405020304" pitchFamily="18" charset="0"/>
-                <a:cs typeface="Times New Roman" panose="02020603050405020304" pitchFamily="18" charset="0"/>
-              </a:rPr>
-              <a:t>ptr</a:t>
-            </a:r>
-            <a:r>
-              <a:rPr lang="en-US" altLang="en-US" dirty="0">
-                <a:latin typeface="Times New Roman" panose="02020603050405020304" pitchFamily="18" charset="0"/>
-                <a:cs typeface="Times New Roman" panose="02020603050405020304" pitchFamily="18" charset="0"/>
-              </a:rPr>
-              <a:t> </a:t>
-            </a:r>
-            <a:r>
-              <a:rPr lang="en-US" altLang="en-US" dirty="0">
+              <a:rPr lang="en-US" altLang="en-US" sz="1600" dirty="0">
                 <a:latin typeface="Times New Roman" panose="02020603050405020304" pitchFamily="18" charset="0"/>
                 <a:cs typeface="Times New Roman" panose="02020603050405020304" pitchFamily="18" charset="0"/>
                 <a:sym typeface="Wingdings" panose="05000000000000000000" pitchFamily="2" charset="2"/>
               </a:rPr>
               <a:t> header</a:t>
             </a:r>
-            <a:endParaRPr lang="en-US" altLang="en-US" dirty="0">
+            <a:endParaRPr lang="en-US" altLang="en-US" sz="1600" dirty="0">
               <a:latin typeface="Times New Roman" panose="02020603050405020304" pitchFamily="18" charset="0"/>
               <a:cs typeface="Times New Roman" panose="02020603050405020304" pitchFamily="18" charset="0"/>
             </a:endParaRPr>
@@ -34520,32 +34447,39 @@
               <a:buAutoNum type="arabicPeriod"/>
             </a:pPr>
             <a:r>
-              <a:rPr lang="en-US" altLang="en-US" b="1" dirty="0">
-                <a:latin typeface="Times New Roman" panose="02020603050405020304" pitchFamily="18" charset="0"/>
-                <a:cs typeface="Times New Roman" panose="02020603050405020304" pitchFamily="18" charset="0"/>
-              </a:rPr>
-              <a:t>while </a:t>
-            </a:r>
-            <a:r>
-              <a:rPr lang="en-US" altLang="en-US" dirty="0" err="1">
-                <a:latin typeface="Times New Roman" panose="02020603050405020304" pitchFamily="18" charset="0"/>
-                <a:cs typeface="Times New Roman" panose="02020603050405020304" pitchFamily="18" charset="0"/>
-              </a:rPr>
-              <a:t>ptr.data</a:t>
-            </a:r>
-            <a:r>
-              <a:rPr lang="en-US" altLang="en-US" dirty="0">
-                <a:latin typeface="Times New Roman" panose="02020603050405020304" pitchFamily="18" charset="0"/>
-                <a:cs typeface="Times New Roman" panose="02020603050405020304" pitchFamily="18" charset="0"/>
-              </a:rPr>
-              <a:t> ≠ key </a:t>
-            </a:r>
-            <a:r>
-              <a:rPr lang="en-US" altLang="en-US" b="1" dirty="0">
-                <a:latin typeface="Times New Roman" panose="02020603050405020304" pitchFamily="18" charset="0"/>
-                <a:cs typeface="Times New Roman" panose="02020603050405020304" pitchFamily="18" charset="0"/>
-              </a:rPr>
-              <a:t>do</a:t>
+              <a:rPr lang="en-US" altLang="en-US" sz="1600" b="1" dirty="0">
+                <a:latin typeface="Times New Roman" panose="02020603050405020304" pitchFamily="18" charset="0"/>
+                <a:cs typeface="Times New Roman" panose="02020603050405020304" pitchFamily="18" charset="0"/>
+              </a:rPr>
+              <a:t>if</a:t>
+            </a:r>
+            <a:r>
+              <a:rPr lang="en-US" altLang="en-US" sz="1600" dirty="0">
+                <a:latin typeface="Times New Roman" panose="02020603050405020304" pitchFamily="18" charset="0"/>
+                <a:cs typeface="Times New Roman" panose="02020603050405020304" pitchFamily="18" charset="0"/>
+              </a:rPr>
+              <a:t> </a:t>
+            </a:r>
+            <a:r>
+              <a:rPr lang="en-US" altLang="en-US" sz="1600" dirty="0" err="1">
+                <a:latin typeface="Times New Roman" panose="02020603050405020304" pitchFamily="18" charset="0"/>
+                <a:cs typeface="Times New Roman" panose="02020603050405020304" pitchFamily="18" charset="0"/>
+              </a:rPr>
+              <a:t>ptr</a:t>
+            </a:r>
+            <a:r>
+              <a:rPr lang="en-US" altLang="en-US" sz="1600" dirty="0">
+                <a:latin typeface="Times New Roman" panose="02020603050405020304" pitchFamily="18" charset="0"/>
+                <a:cs typeface="Times New Roman" panose="02020603050405020304" pitchFamily="18" charset="0"/>
+              </a:rPr>
+              <a:t> = NULL </a:t>
+            </a:r>
+            <a:r>
+              <a:rPr lang="en-US" altLang="en-US" sz="1600" b="1" dirty="0">
+                <a:latin typeface="Times New Roman" panose="02020603050405020304" pitchFamily="18" charset="0"/>
+                <a:cs typeface="Times New Roman" panose="02020603050405020304" pitchFamily="18" charset="0"/>
+              </a:rPr>
+              <a:t>then</a:t>
             </a:r>
           </a:p>
           <a:p>
@@ -34557,21 +34491,132 @@
               <a:buAutoNum type="alphaLcPeriod"/>
             </a:pPr>
             <a:r>
-              <a:rPr lang="en-US" altLang="en-US" sz="2400" dirty="0" err="1">
+              <a:rPr lang="en-US" altLang="en-US" dirty="0">
+                <a:latin typeface="Times New Roman" panose="02020603050405020304" pitchFamily="18" charset="0"/>
+                <a:cs typeface="Times New Roman" panose="02020603050405020304" pitchFamily="18" charset="0"/>
+                <a:sym typeface="Wingdings" panose="05000000000000000000" pitchFamily="2" charset="2"/>
+              </a:rPr>
+              <a:t>Print “List Empty”</a:t>
+            </a:r>
+          </a:p>
+          <a:p>
+            <a:pPr marL="914400" lvl="1" indent="-457200" algn="just" fontAlgn="base">
+              <a:spcAft>
+                <a:spcPct val="0"/>
+              </a:spcAft>
+              <a:buFont typeface="+mj-lt"/>
+              <a:buAutoNum type="alphaLcPeriod"/>
+            </a:pPr>
+            <a:r>
+              <a:rPr lang="en-US" altLang="en-US" dirty="0">
+                <a:latin typeface="Times New Roman" panose="02020603050405020304" pitchFamily="18" charset="0"/>
+                <a:cs typeface="Times New Roman" panose="02020603050405020304" pitchFamily="18" charset="0"/>
+                <a:sym typeface="Wingdings" panose="05000000000000000000" pitchFamily="2" charset="2"/>
+              </a:rPr>
+              <a:t>Exit</a:t>
+            </a:r>
+          </a:p>
+          <a:p>
+            <a:pPr marL="514350" indent="-457200" algn="just" fontAlgn="base">
+              <a:spcAft>
+                <a:spcPct val="0"/>
+              </a:spcAft>
+              <a:buAutoNum type="arabicPeriod"/>
+            </a:pPr>
+            <a:r>
+              <a:rPr lang="en-US" altLang="en-US" sz="1600" b="1" dirty="0">
+                <a:latin typeface="Times New Roman" panose="02020603050405020304" pitchFamily="18" charset="0"/>
+                <a:cs typeface="Times New Roman" panose="02020603050405020304" pitchFamily="18" charset="0"/>
+              </a:rPr>
+              <a:t>while </a:t>
+            </a:r>
+            <a:r>
+              <a:rPr lang="en-US" altLang="en-US" sz="1600" dirty="0" err="1">
                 <a:latin typeface="Times New Roman" panose="02020603050405020304" pitchFamily="18" charset="0"/>
                 <a:cs typeface="Times New Roman" panose="02020603050405020304" pitchFamily="18" charset="0"/>
               </a:rPr>
               <a:t>ptr</a:t>
             </a:r>
             <a:r>
-              <a:rPr lang="en-US" altLang="en-US" sz="2400" dirty="0">
+              <a:rPr lang="en-US" altLang="en-US" sz="1600" dirty="0">
+                <a:latin typeface="Times New Roman" panose="02020603050405020304" pitchFamily="18" charset="0"/>
+                <a:cs typeface="Times New Roman" panose="02020603050405020304" pitchFamily="18" charset="0"/>
+              </a:rPr>
+              <a:t> ≠ NULL </a:t>
+            </a:r>
+            <a:r>
+              <a:rPr lang="en-US" altLang="en-US" sz="1600" b="1" dirty="0">
+                <a:latin typeface="Times New Roman" panose="02020603050405020304" pitchFamily="18" charset="0"/>
+                <a:cs typeface="Times New Roman" panose="02020603050405020304" pitchFamily="18" charset="0"/>
+              </a:rPr>
+              <a:t>do</a:t>
+            </a:r>
+          </a:p>
+          <a:p>
+            <a:pPr marL="914400" lvl="1" indent="-457200" algn="just" fontAlgn="base">
+              <a:spcAft>
+                <a:spcPct val="0"/>
+              </a:spcAft>
+              <a:buFont typeface="+mj-lt"/>
+              <a:buAutoNum type="alphaLcPeriod"/>
+            </a:pPr>
+            <a:r>
+              <a:rPr lang="en-US" altLang="en-US" b="1" dirty="0">
+                <a:latin typeface="Times New Roman" panose="02020603050405020304" pitchFamily="18" charset="0"/>
+                <a:cs typeface="Times New Roman" panose="02020603050405020304" pitchFamily="18" charset="0"/>
+              </a:rPr>
+              <a:t>if</a:t>
+            </a:r>
+            <a:r>
+              <a:rPr lang="en-US" altLang="en-US" dirty="0">
                 <a:latin typeface="Times New Roman" panose="02020603050405020304" pitchFamily="18" charset="0"/>
                 <a:cs typeface="Times New Roman" panose="02020603050405020304" pitchFamily="18" charset="0"/>
               </a:rPr>
               <a:t> </a:t>
             </a:r>
             <a:r>
-              <a:rPr lang="en-US" altLang="en-US" sz="2400" dirty="0">
+              <a:rPr lang="en-US" altLang="en-US" dirty="0" err="1">
+                <a:latin typeface="Times New Roman" panose="02020603050405020304" pitchFamily="18" charset="0"/>
+                <a:cs typeface="Times New Roman" panose="02020603050405020304" pitchFamily="18" charset="0"/>
+              </a:rPr>
+              <a:t>ptr.data</a:t>
+            </a:r>
+            <a:r>
+              <a:rPr lang="en-US" altLang="en-US" dirty="0">
+                <a:latin typeface="Times New Roman" panose="02020603050405020304" pitchFamily="18" charset="0"/>
+                <a:cs typeface="Times New Roman" panose="02020603050405020304" pitchFamily="18" charset="0"/>
+              </a:rPr>
+              <a:t> = key </a:t>
+            </a:r>
+            <a:r>
+              <a:rPr lang="en-US" altLang="en-US" b="1" dirty="0">
+                <a:latin typeface="Times New Roman" panose="02020603050405020304" pitchFamily="18" charset="0"/>
+                <a:cs typeface="Times New Roman" panose="02020603050405020304" pitchFamily="18" charset="0"/>
+              </a:rPr>
+              <a:t>then</a:t>
+            </a:r>
+          </a:p>
+          <a:p>
+            <a:pPr lvl="2" indent="-285750" algn="just">
+              <a:buFont typeface="+mj-lt"/>
+              <a:buAutoNum type="romanLcPeriod"/>
+            </a:pPr>
+            <a:r>
+              <a:rPr lang="en-US" altLang="en-US" sz="1600" dirty="0" err="1">
+                <a:latin typeface="Times New Roman" panose="02020603050405020304" pitchFamily="18" charset="0"/>
+                <a:cs typeface="Times New Roman" panose="02020603050405020304" pitchFamily="18" charset="0"/>
+              </a:rPr>
+              <a:t>newnode</a:t>
+            </a:r>
+            <a:r>
+              <a:rPr lang="en-US" altLang="en-US" sz="1600" dirty="0">
+                <a:latin typeface="Times New Roman" panose="02020603050405020304" pitchFamily="18" charset="0"/>
+                <a:cs typeface="Times New Roman" panose="02020603050405020304" pitchFamily="18" charset="0"/>
+              </a:rPr>
+              <a:t> </a:t>
+            </a:r>
+            <a:r>
+              <a:rPr lang="en-US" altLang="en-US" sz="1600" dirty="0">
                 <a:latin typeface="Times New Roman" panose="02020603050405020304" pitchFamily="18" charset="0"/>
                 <a:cs typeface="Times New Roman" panose="02020603050405020304" pitchFamily="18" charset="0"/>
                 <a:sym typeface="Wingdings" panose="05000000000000000000" pitchFamily="2" charset="2"/>
@@ -34579,57 +34624,117 @@
               <a:t> </a:t>
             </a:r>
             <a:r>
-              <a:rPr lang="en-US" altLang="en-US" sz="2400" dirty="0" err="1">
+              <a:rPr lang="en-US" altLang="en-US" sz="1600" dirty="0" err="1">
+                <a:latin typeface="Times New Roman" panose="02020603050405020304" pitchFamily="18" charset="0"/>
+                <a:cs typeface="Times New Roman" panose="02020603050405020304" pitchFamily="18" charset="0"/>
+                <a:sym typeface="Wingdings" panose="05000000000000000000" pitchFamily="2" charset="2"/>
+              </a:rPr>
+              <a:t>Getnode</a:t>
+            </a:r>
+            <a:r>
+              <a:rPr lang="en-US" altLang="en-US" sz="1600" dirty="0">
+                <a:latin typeface="Times New Roman" panose="02020603050405020304" pitchFamily="18" charset="0"/>
+                <a:cs typeface="Times New Roman" panose="02020603050405020304" pitchFamily="18" charset="0"/>
+                <a:sym typeface="Wingdings" panose="05000000000000000000" pitchFamily="2" charset="2"/>
+              </a:rPr>
+              <a:t>( )</a:t>
+            </a:r>
+          </a:p>
+          <a:p>
+            <a:pPr lvl="2" indent="-285750" algn="just">
+              <a:buFont typeface="+mj-lt"/>
+              <a:buAutoNum type="romanLcPeriod"/>
+            </a:pPr>
+            <a:r>
+              <a:rPr lang="en-US" altLang="en-US" sz="1600" dirty="0" err="1">
+                <a:latin typeface="Times New Roman" panose="02020603050405020304" pitchFamily="18" charset="0"/>
+                <a:cs typeface="Times New Roman" panose="02020603050405020304" pitchFamily="18" charset="0"/>
+              </a:rPr>
+              <a:t>newnode.data</a:t>
+            </a:r>
+            <a:r>
+              <a:rPr lang="en-US" altLang="en-US" sz="1600" dirty="0">
+                <a:latin typeface="Times New Roman" panose="02020603050405020304" pitchFamily="18" charset="0"/>
+                <a:cs typeface="Times New Roman" panose="02020603050405020304" pitchFamily="18" charset="0"/>
+              </a:rPr>
+              <a:t> </a:t>
+            </a:r>
+            <a:r>
+              <a:rPr lang="en-US" altLang="en-US" sz="1600" dirty="0">
+                <a:latin typeface="Times New Roman" panose="02020603050405020304" pitchFamily="18" charset="0"/>
+                <a:cs typeface="Times New Roman" panose="02020603050405020304" pitchFamily="18" charset="0"/>
+                <a:sym typeface="Wingdings" panose="05000000000000000000" pitchFamily="2" charset="2"/>
+              </a:rPr>
+              <a:t> o</a:t>
+            </a:r>
+          </a:p>
+          <a:p>
+            <a:pPr marL="1314450" lvl="2" indent="-457200" algn="just">
+              <a:buFont typeface="+mj-lt"/>
+              <a:buAutoNum type="romanLcPeriod"/>
+            </a:pPr>
+            <a:r>
+              <a:rPr lang="en-US" altLang="en-US" sz="1600" dirty="0" err="1">
+                <a:latin typeface="Times New Roman" panose="02020603050405020304" pitchFamily="18" charset="0"/>
+                <a:cs typeface="Times New Roman" panose="02020603050405020304" pitchFamily="18" charset="0"/>
+                <a:sym typeface="Wingdings" panose="05000000000000000000" pitchFamily="2" charset="2"/>
+              </a:rPr>
+              <a:t>newnode.next</a:t>
+            </a:r>
+            <a:r>
+              <a:rPr lang="en-US" altLang="en-US" sz="1600" dirty="0">
+                <a:latin typeface="Times New Roman" panose="02020603050405020304" pitchFamily="18" charset="0"/>
+                <a:cs typeface="Times New Roman" panose="02020603050405020304" pitchFamily="18" charset="0"/>
+                <a:sym typeface="Wingdings" panose="05000000000000000000" pitchFamily="2" charset="2"/>
+              </a:rPr>
+              <a:t>  </a:t>
+            </a:r>
+            <a:r>
+              <a:rPr lang="en-US" altLang="en-US" sz="1600" dirty="0" err="1">
                 <a:latin typeface="Times New Roman" panose="02020603050405020304" pitchFamily="18" charset="0"/>
                 <a:cs typeface="Times New Roman" panose="02020603050405020304" pitchFamily="18" charset="0"/>
                 <a:sym typeface="Wingdings" panose="05000000000000000000" pitchFamily="2" charset="2"/>
               </a:rPr>
               <a:t>ptr.next</a:t>
             </a:r>
-            <a:endParaRPr lang="en-US" altLang="en-US" sz="2400" dirty="0">
+            <a:endParaRPr lang="en-US" altLang="en-US" sz="1600" dirty="0">
               <a:latin typeface="Times New Roman" panose="02020603050405020304" pitchFamily="18" charset="0"/>
               <a:cs typeface="Times New Roman" panose="02020603050405020304" pitchFamily="18" charset="0"/>
               <a:sym typeface="Wingdings" panose="05000000000000000000" pitchFamily="2" charset="2"/>
             </a:endParaRPr>
           </a:p>
           <a:p>
-            <a:pPr marL="514350" indent="-457200" algn="just" fontAlgn="base">
-              <a:spcAft>
-                <a:spcPct val="0"/>
-              </a:spcAft>
-              <a:buAutoNum type="arabicPeriod"/>
-            </a:pPr>
-            <a:r>
-              <a:rPr lang="en-US" altLang="en-US" dirty="0" err="1">
-                <a:latin typeface="Times New Roman" panose="02020603050405020304" pitchFamily="18" charset="0"/>
-                <a:cs typeface="Times New Roman" panose="02020603050405020304" pitchFamily="18" charset="0"/>
-                <a:sym typeface="Wingdings" panose="05000000000000000000" pitchFamily="2" charset="2"/>
-              </a:rPr>
-              <a:t>newnode.next</a:t>
-            </a:r>
-            <a:r>
-              <a:rPr lang="en-US" altLang="en-US" dirty="0">
-                <a:latin typeface="Times New Roman" panose="02020603050405020304" pitchFamily="18" charset="0"/>
-                <a:cs typeface="Times New Roman" panose="02020603050405020304" pitchFamily="18" charset="0"/>
-                <a:sym typeface="Wingdings" panose="05000000000000000000" pitchFamily="2" charset="2"/>
-              </a:rPr>
-              <a:t>  </a:t>
-            </a:r>
-            <a:r>
-              <a:rPr lang="en-US" altLang="en-US" dirty="0" err="1">
-                <a:latin typeface="Times New Roman" panose="02020603050405020304" pitchFamily="18" charset="0"/>
-                <a:cs typeface="Times New Roman" panose="02020603050405020304" pitchFamily="18" charset="0"/>
-                <a:sym typeface="Wingdings" panose="05000000000000000000" pitchFamily="2" charset="2"/>
-              </a:rPr>
-              <a:t>ptr.next</a:t>
-            </a:r>
-            <a:endParaRPr lang="en-US" altLang="en-US" dirty="0">
+            <a:pPr marL="1314450" lvl="2" indent="-457200" algn="just">
+              <a:buAutoNum type="romanLcPeriod"/>
+            </a:pPr>
+            <a:r>
+              <a:rPr lang="en-US" altLang="en-US" sz="1600" dirty="0" err="1">
+                <a:latin typeface="Times New Roman" panose="02020603050405020304" pitchFamily="18" charset="0"/>
+                <a:cs typeface="Times New Roman" panose="02020603050405020304" pitchFamily="18" charset="0"/>
+                <a:sym typeface="Wingdings" panose="05000000000000000000" pitchFamily="2" charset="2"/>
+              </a:rPr>
+              <a:t>ptr.nextnewnode</a:t>
+            </a:r>
+            <a:endParaRPr lang="en-US" altLang="en-US" sz="1600" dirty="0">
               <a:latin typeface="Times New Roman" panose="02020603050405020304" pitchFamily="18" charset="0"/>
               <a:cs typeface="Times New Roman" panose="02020603050405020304" pitchFamily="18" charset="0"/>
               <a:sym typeface="Wingdings" panose="05000000000000000000" pitchFamily="2" charset="2"/>
             </a:endParaRPr>
           </a:p>
           <a:p>
+            <a:pPr marL="1314450" lvl="2" indent="-457200" algn="just">
+              <a:buAutoNum type="romanLcPeriod"/>
+            </a:pPr>
+            <a:r>
+              <a:rPr lang="en-US" altLang="en-US" sz="1600" b="1" dirty="0">
+                <a:latin typeface="Times New Roman" panose="02020603050405020304" pitchFamily="18" charset="0"/>
+                <a:cs typeface="Times New Roman" panose="02020603050405020304" pitchFamily="18" charset="0"/>
+                <a:sym typeface="Wingdings" panose="05000000000000000000" pitchFamily="2" charset="2"/>
+              </a:rPr>
+              <a:t>Return</a:t>
+            </a:r>
+          </a:p>
+          <a:p>
             <a:pPr marL="514350" indent="-457200" algn="just" fontAlgn="base">
               <a:spcAft>
                 <a:spcPct val="0"/>
@@ -34637,14 +34742,30 @@
               <a:buAutoNum type="arabicPeriod"/>
             </a:pPr>
             <a:r>
-              <a:rPr lang="en-US" altLang="en-US" dirty="0" err="1">
-                <a:latin typeface="Times New Roman" panose="02020603050405020304" pitchFamily="18" charset="0"/>
-                <a:cs typeface="Times New Roman" panose="02020603050405020304" pitchFamily="18" charset="0"/>
-                <a:sym typeface="Wingdings" panose="05000000000000000000" pitchFamily="2" charset="2"/>
-              </a:rPr>
-              <a:t>ptr.nextnewnode</a:t>
-            </a:r>
-            <a:endParaRPr lang="en-US" altLang="en-US" dirty="0">
+              <a:rPr lang="en-US" altLang="en-US" sz="1600" dirty="0">
+                <a:latin typeface="Times New Roman" panose="02020603050405020304" pitchFamily="18" charset="0"/>
+                <a:cs typeface="Times New Roman" panose="02020603050405020304" pitchFamily="18" charset="0"/>
+                <a:sym typeface="Wingdings" panose="05000000000000000000" pitchFamily="2" charset="2"/>
+              </a:rPr>
+              <a:t>Print “Data not found”</a:t>
+            </a:r>
+          </a:p>
+          <a:p>
+            <a:pPr marL="514350" indent="-457200" algn="just" fontAlgn="base">
+              <a:spcAft>
+                <a:spcPct val="0"/>
+              </a:spcAft>
+              <a:buAutoNum type="arabicPeriod"/>
+            </a:pPr>
+            <a:r>
+              <a:rPr lang="en-US" altLang="en-US" sz="1600" b="1" dirty="0">
+                <a:latin typeface="Times New Roman" panose="02020603050405020304" pitchFamily="18" charset="0"/>
+                <a:cs typeface="Times New Roman" panose="02020603050405020304" pitchFamily="18" charset="0"/>
+                <a:sym typeface="Wingdings" panose="05000000000000000000" pitchFamily="2" charset="2"/>
+              </a:rPr>
+              <a:t>Return</a:t>
+            </a:r>
+            <a:endParaRPr lang="en-US" altLang="en-US" sz="1600" dirty="0">
               <a:latin typeface="Times New Roman" panose="02020603050405020304" pitchFamily="18" charset="0"/>
               <a:cs typeface="Times New Roman" panose="02020603050405020304" pitchFamily="18" charset="0"/>
               <a:sym typeface="Wingdings" panose="05000000000000000000" pitchFamily="2" charset="2"/>
@@ -35117,14 +35238,14 @@
               </a:spcAft>
             </a:pPr>
             <a:r>
-              <a:rPr lang="en-US" altLang="en-US" dirty="0" err="1">
+              <a:rPr lang="en-US" altLang="en-US" sz="1600" dirty="0" err="1">
                 <a:latin typeface="Times New Roman" panose="02020603050405020304" pitchFamily="18" charset="0"/>
                 <a:cs typeface="Times New Roman" panose="02020603050405020304" pitchFamily="18" charset="0"/>
               </a:rPr>
               <a:t>deleteatlast</a:t>
             </a:r>
             <a:r>
-              <a:rPr lang="en-US" altLang="en-US" dirty="0">
+              <a:rPr lang="en-US" altLang="en-US" sz="1600" dirty="0">
                 <a:latin typeface="Times New Roman" panose="02020603050405020304" pitchFamily="18" charset="0"/>
                 <a:cs typeface="Times New Roman" panose="02020603050405020304" pitchFamily="18" charset="0"/>
               </a:rPr>
@@ -35139,28 +35260,28 @@
               <a:buAutoNum type="arabicPeriod"/>
             </a:pPr>
             <a:r>
-              <a:rPr lang="en-US" altLang="en-US" dirty="0" err="1">
+              <a:rPr lang="en-US" altLang="en-US" sz="1600" dirty="0" err="1">
                 <a:latin typeface="Times New Roman" panose="02020603050405020304" pitchFamily="18" charset="0"/>
                 <a:cs typeface="Times New Roman" panose="02020603050405020304" pitchFamily="18" charset="0"/>
               </a:rPr>
               <a:t>ptr</a:t>
             </a:r>
             <a:r>
-              <a:rPr lang="en-US" altLang="en-US" dirty="0">
+              <a:rPr lang="en-US" altLang="en-US" sz="1600" dirty="0">
                 <a:latin typeface="Times New Roman" panose="02020603050405020304" pitchFamily="18" charset="0"/>
                 <a:cs typeface="Times New Roman" panose="02020603050405020304" pitchFamily="18" charset="0"/>
               </a:rPr>
               <a:t> </a:t>
             </a:r>
             <a:r>
-              <a:rPr lang="en-US" altLang="en-US" dirty="0">
+              <a:rPr lang="en-US" altLang="en-US" sz="1600" dirty="0">
                 <a:latin typeface="Times New Roman" panose="02020603050405020304" pitchFamily="18" charset="0"/>
                 <a:cs typeface="Times New Roman" panose="02020603050405020304" pitchFamily="18" charset="0"/>
                 <a:sym typeface="Wingdings" panose="05000000000000000000" pitchFamily="2" charset="2"/>
               </a:rPr>
               <a:t> header</a:t>
             </a:r>
-            <a:endParaRPr lang="en-US" altLang="en-US" dirty="0">
+            <a:endParaRPr lang="en-US" altLang="en-US" sz="1600" dirty="0">
               <a:latin typeface="Times New Roman" panose="02020603050405020304" pitchFamily="18" charset="0"/>
               <a:cs typeface="Times New Roman" panose="02020603050405020304" pitchFamily="18" charset="0"/>
             </a:endParaRPr>
@@ -35173,35 +35294,35 @@
               <a:buAutoNum type="arabicPeriod"/>
             </a:pPr>
             <a:r>
-              <a:rPr lang="en-US" altLang="en-US" b="1" dirty="0">
+              <a:rPr lang="en-US" altLang="en-US" sz="1600" b="1" dirty="0">
                 <a:latin typeface="Times New Roman" panose="02020603050405020304" pitchFamily="18" charset="0"/>
                 <a:cs typeface="Times New Roman" panose="02020603050405020304" pitchFamily="18" charset="0"/>
               </a:rPr>
               <a:t>if</a:t>
             </a:r>
             <a:r>
-              <a:rPr lang="en-US" altLang="en-US" dirty="0">
+              <a:rPr lang="en-US" altLang="en-US" sz="1600" dirty="0">
                 <a:latin typeface="Times New Roman" panose="02020603050405020304" pitchFamily="18" charset="0"/>
                 <a:cs typeface="Times New Roman" panose="02020603050405020304" pitchFamily="18" charset="0"/>
               </a:rPr>
               <a:t> </a:t>
             </a:r>
             <a:r>
-              <a:rPr lang="en-US" altLang="en-US" dirty="0" err="1">
+              <a:rPr lang="en-US" altLang="en-US" sz="1600" dirty="0" err="1">
                 <a:latin typeface="Times New Roman" panose="02020603050405020304" pitchFamily="18" charset="0"/>
                 <a:cs typeface="Times New Roman" panose="02020603050405020304" pitchFamily="18" charset="0"/>
               </a:rPr>
               <a:t>ptr</a:t>
             </a:r>
             <a:r>
-              <a:rPr lang="en-US" altLang="en-US" dirty="0">
+              <a:rPr lang="en-US" altLang="en-US" sz="1600" dirty="0">
                 <a:latin typeface="Times New Roman" panose="02020603050405020304" pitchFamily="18" charset="0"/>
                 <a:cs typeface="Times New Roman" panose="02020603050405020304" pitchFamily="18" charset="0"/>
               </a:rPr>
               <a:t> = NULL </a:t>
             </a:r>
             <a:r>
-              <a:rPr lang="en-US" altLang="en-US" b="1" dirty="0">
+              <a:rPr lang="en-US" altLang="en-US" sz="1600" b="1" dirty="0">
                 <a:latin typeface="Times New Roman" panose="02020603050405020304" pitchFamily="18" charset="0"/>
                 <a:cs typeface="Times New Roman" panose="02020603050405020304" pitchFamily="18" charset="0"/>
               </a:rPr>
@@ -35217,7 +35338,7 @@
               <a:buAutoNum type="alphaLcPeriod"/>
             </a:pPr>
             <a:r>
-              <a:rPr lang="en-US" altLang="en-US" sz="2400" dirty="0">
+              <a:rPr lang="en-US" altLang="en-US" dirty="0">
                 <a:latin typeface="Times New Roman" panose="02020603050405020304" pitchFamily="18" charset="0"/>
                 <a:cs typeface="Times New Roman" panose="02020603050405020304" pitchFamily="18" charset="0"/>
                 <a:sym typeface="Wingdings" panose="05000000000000000000" pitchFamily="2" charset="2"/>
@@ -35234,7 +35355,7 @@
               <a:buAutoNum type="alphaLcPeriod"/>
             </a:pPr>
             <a:r>
-              <a:rPr lang="en-US" altLang="en-US" sz="2400" dirty="0">
+              <a:rPr lang="en-US" altLang="en-US" dirty="0">
                 <a:latin typeface="Times New Roman" panose="02020603050405020304" pitchFamily="18" charset="0"/>
                 <a:cs typeface="Times New Roman" panose="02020603050405020304" pitchFamily="18" charset="0"/>
                 <a:sym typeface="Wingdings" panose="05000000000000000000" pitchFamily="2" charset="2"/>
@@ -35250,44 +35371,40 @@
               <a:buAutoNum type="arabicPeriod"/>
             </a:pPr>
             <a:r>
-              <a:rPr lang="en-US" altLang="en-US" b="1" dirty="0">
-                <a:latin typeface="Times New Roman" panose="02020603050405020304" pitchFamily="18" charset="0"/>
-                <a:cs typeface="Times New Roman" panose="02020603050405020304" pitchFamily="18" charset="0"/>
-              </a:rPr>
-              <a:t>while </a:t>
-            </a:r>
-            <a:r>
-              <a:rPr lang="en-US" altLang="en-US" dirty="0">
-                <a:latin typeface="Times New Roman" panose="02020603050405020304" pitchFamily="18" charset="0"/>
-                <a:cs typeface="Times New Roman" panose="02020603050405020304" pitchFamily="18" charset="0"/>
-              </a:rPr>
-              <a:t>(</a:t>
-            </a:r>
-            <a:r>
-              <a:rPr lang="en-US" altLang="en-US" dirty="0" err="1">
+              <a:rPr lang="en-US" altLang="en-US" sz="1600" b="1" dirty="0">
+                <a:latin typeface="Times New Roman" panose="02020603050405020304" pitchFamily="18" charset="0"/>
+                <a:cs typeface="Times New Roman" panose="02020603050405020304" pitchFamily="18" charset="0"/>
+              </a:rPr>
+              <a:t>if</a:t>
+            </a:r>
+            <a:r>
+              <a:rPr lang="en-US" altLang="en-US" sz="1600" dirty="0">
+                <a:latin typeface="Times New Roman" panose="02020603050405020304" pitchFamily="18" charset="0"/>
+                <a:cs typeface="Times New Roman" panose="02020603050405020304" pitchFamily="18" charset="0"/>
+              </a:rPr>
+              <a:t> </a:t>
+            </a:r>
+            <a:r>
+              <a:rPr lang="en-US" altLang="en-US" sz="1600" dirty="0" err="1">
                 <a:latin typeface="Times New Roman" panose="02020603050405020304" pitchFamily="18" charset="0"/>
                 <a:cs typeface="Times New Roman" panose="02020603050405020304" pitchFamily="18" charset="0"/>
               </a:rPr>
               <a:t>ptr.next</a:t>
             </a:r>
             <a:r>
-              <a:rPr lang="en-US" altLang="en-US" dirty="0">
-                <a:latin typeface="Times New Roman" panose="02020603050405020304" pitchFamily="18" charset="0"/>
-                <a:cs typeface="Times New Roman" panose="02020603050405020304" pitchFamily="18" charset="0"/>
-              </a:rPr>
-              <a:t>).next ≠ NULL </a:t>
-            </a:r>
-            <a:r>
-              <a:rPr lang="en-US" altLang="en-US" b="1" dirty="0">
-                <a:latin typeface="Times New Roman" panose="02020603050405020304" pitchFamily="18" charset="0"/>
-                <a:cs typeface="Times New Roman" panose="02020603050405020304" pitchFamily="18" charset="0"/>
-              </a:rPr>
-              <a:t>do</a:t>
-            </a:r>
-            <a:endParaRPr lang="en-US" altLang="en-US" dirty="0">
-              <a:latin typeface="Times New Roman" panose="02020603050405020304" pitchFamily="18" charset="0"/>
-              <a:cs typeface="Times New Roman" panose="02020603050405020304" pitchFamily="18" charset="0"/>
-            </a:endParaRPr>
+              <a:rPr lang="en-US" altLang="en-US" sz="1600" dirty="0">
+                <a:latin typeface="Times New Roman" panose="02020603050405020304" pitchFamily="18" charset="0"/>
+                <a:cs typeface="Times New Roman" panose="02020603050405020304" pitchFamily="18" charset="0"/>
+              </a:rPr>
+              <a:t> = NULL </a:t>
+            </a:r>
+            <a:r>
+              <a:rPr lang="en-US" altLang="en-US" sz="1600" b="1" dirty="0">
+                <a:latin typeface="Times New Roman" panose="02020603050405020304" pitchFamily="18" charset="0"/>
+                <a:cs typeface="Times New Roman" panose="02020603050405020304" pitchFamily="18" charset="0"/>
+              </a:rPr>
+              <a:t>then</a:t>
+            </a:r>
           </a:p>
           <a:p>
             <a:pPr marL="914400" lvl="1" indent="-457200" algn="just" fontAlgn="base">
@@ -35298,34 +35415,12 @@
               <a:buAutoNum type="alphaLcPeriod"/>
             </a:pPr>
             <a:r>
-              <a:rPr lang="en-US" altLang="en-US" sz="2400" dirty="0" err="1">
-                <a:latin typeface="Times New Roman" panose="02020603050405020304" pitchFamily="18" charset="0"/>
-                <a:cs typeface="Times New Roman" panose="02020603050405020304" pitchFamily="18" charset="0"/>
-              </a:rPr>
-              <a:t>ptr</a:t>
-            </a:r>
-            <a:r>
-              <a:rPr lang="en-US" altLang="en-US" sz="2400" dirty="0">
-                <a:latin typeface="Times New Roman" panose="02020603050405020304" pitchFamily="18" charset="0"/>
-                <a:cs typeface="Times New Roman" panose="02020603050405020304" pitchFamily="18" charset="0"/>
-              </a:rPr>
-              <a:t> </a:t>
-            </a:r>
-            <a:r>
-              <a:rPr lang="en-US" altLang="en-US" sz="2400" dirty="0">
-                <a:latin typeface="Times New Roman" panose="02020603050405020304" pitchFamily="18" charset="0"/>
-                <a:cs typeface="Times New Roman" panose="02020603050405020304" pitchFamily="18" charset="0"/>
-                <a:sym typeface="Wingdings" panose="05000000000000000000" pitchFamily="2" charset="2"/>
-              </a:rPr>
-              <a:t> </a:t>
-            </a:r>
-            <a:r>
-              <a:rPr lang="en-US" altLang="en-US" sz="2400" dirty="0" err="1">
-                <a:latin typeface="Times New Roman" panose="02020603050405020304" pitchFamily="18" charset="0"/>
-                <a:cs typeface="Times New Roman" panose="02020603050405020304" pitchFamily="18" charset="0"/>
-                <a:sym typeface="Wingdings" panose="05000000000000000000" pitchFamily="2" charset="2"/>
-              </a:rPr>
-              <a:t>ptr.next</a:t>
+              <a:rPr lang="en-US" altLang="en-US" dirty="0" err="1">
+                <a:latin typeface="Times New Roman" panose="02020603050405020304" pitchFamily="18" charset="0"/>
+                <a:cs typeface="Times New Roman" panose="02020603050405020304" pitchFamily="18" charset="0"/>
+                <a:sym typeface="Wingdings" panose="05000000000000000000" pitchFamily="2" charset="2"/>
+              </a:rPr>
+              <a:t>retvalptr.data</a:t>
             </a:r>
             <a:endParaRPr lang="en-US" altLang="en-US" dirty="0">
               <a:latin typeface="Times New Roman" panose="02020603050405020304" pitchFamily="18" charset="0"/>
@@ -35334,91 +35429,61 @@
             </a:endParaRPr>
           </a:p>
           <a:p>
-            <a:pPr marL="514350" indent="-457200" algn="just" fontAlgn="base">
-              <a:spcAft>
-                <a:spcPct val="0"/>
-              </a:spcAft>
-              <a:buAutoNum type="arabicPeriod"/>
-            </a:pPr>
+            <a:pPr marL="914400" lvl="1" indent="-457200" algn="just" fontAlgn="base">
+              <a:spcAft>
+                <a:spcPct val="0"/>
+              </a:spcAft>
+              <a:buFont typeface="+mj-lt"/>
+              <a:buAutoNum type="alphaLcPeriod"/>
+            </a:pPr>
+            <a:r>
+              <a:rPr lang="en-US" altLang="en-US" dirty="0">
+                <a:latin typeface="Times New Roman" panose="02020603050405020304" pitchFamily="18" charset="0"/>
+                <a:cs typeface="Times New Roman" panose="02020603050405020304" pitchFamily="18" charset="0"/>
+                <a:sym typeface="Wingdings" panose="05000000000000000000" pitchFamily="2" charset="2"/>
+              </a:rPr>
+              <a:t>Free(</a:t>
+            </a:r>
             <a:r>
               <a:rPr lang="en-US" altLang="en-US" dirty="0" err="1">
                 <a:latin typeface="Times New Roman" panose="02020603050405020304" pitchFamily="18" charset="0"/>
                 <a:cs typeface="Times New Roman" panose="02020603050405020304" pitchFamily="18" charset="0"/>
                 <a:sym typeface="Wingdings" panose="05000000000000000000" pitchFamily="2" charset="2"/>
               </a:rPr>
+              <a:t>ptr</a:t>
+            </a:r>
+            <a:r>
+              <a:rPr lang="en-US" altLang="en-US" dirty="0">
+                <a:latin typeface="Times New Roman" panose="02020603050405020304" pitchFamily="18" charset="0"/>
+                <a:cs typeface="Times New Roman" panose="02020603050405020304" pitchFamily="18" charset="0"/>
+                <a:sym typeface="Wingdings" panose="05000000000000000000" pitchFamily="2" charset="2"/>
+              </a:rPr>
+              <a:t>)</a:t>
+            </a:r>
+          </a:p>
+          <a:p>
+            <a:pPr marL="914400" lvl="1" indent="-457200" algn="just" fontAlgn="base">
+              <a:spcAft>
+                <a:spcPct val="0"/>
+              </a:spcAft>
+              <a:buFont typeface="+mj-lt"/>
+              <a:buAutoNum type="alphaLcPeriod"/>
+            </a:pPr>
+            <a:r>
+              <a:rPr lang="en-US" altLang="en-US" dirty="0">
+                <a:latin typeface="Times New Roman" panose="02020603050405020304" pitchFamily="18" charset="0"/>
+                <a:cs typeface="Times New Roman" panose="02020603050405020304" pitchFamily="18" charset="0"/>
+                <a:sym typeface="Wingdings" panose="05000000000000000000" pitchFamily="2" charset="2"/>
+              </a:rPr>
+              <a:t>Return </a:t>
+            </a:r>
+            <a:r>
+              <a:rPr lang="en-US" altLang="en-US" dirty="0" err="1">
+                <a:latin typeface="Times New Roman" panose="02020603050405020304" pitchFamily="18" charset="0"/>
+                <a:cs typeface="Times New Roman" panose="02020603050405020304" pitchFamily="18" charset="0"/>
+                <a:sym typeface="Wingdings" panose="05000000000000000000" pitchFamily="2" charset="2"/>
+              </a:rPr>
               <a:t>retval</a:t>
-            </a:r>
-            <a:r>
-              <a:rPr lang="en-US" altLang="en-US" dirty="0">
-                <a:latin typeface="Times New Roman" panose="02020603050405020304" pitchFamily="18" charset="0"/>
-                <a:cs typeface="Times New Roman" panose="02020603050405020304" pitchFamily="18" charset="0"/>
-                <a:sym typeface="Wingdings" panose="05000000000000000000" pitchFamily="2" charset="2"/>
-              </a:rPr>
-              <a:t>(</a:t>
-            </a:r>
-            <a:r>
-              <a:rPr lang="en-US" altLang="en-US" dirty="0" err="1">
-                <a:latin typeface="Times New Roman" panose="02020603050405020304" pitchFamily="18" charset="0"/>
-                <a:cs typeface="Times New Roman" panose="02020603050405020304" pitchFamily="18" charset="0"/>
-                <a:sym typeface="Wingdings" panose="05000000000000000000" pitchFamily="2" charset="2"/>
-              </a:rPr>
-              <a:t>ptr.next</a:t>
-            </a:r>
-            <a:r>
-              <a:rPr lang="en-US" altLang="en-US" dirty="0">
-                <a:latin typeface="Times New Roman" panose="02020603050405020304" pitchFamily="18" charset="0"/>
-                <a:cs typeface="Times New Roman" panose="02020603050405020304" pitchFamily="18" charset="0"/>
-                <a:sym typeface="Wingdings" panose="05000000000000000000" pitchFamily="2" charset="2"/>
-              </a:rPr>
-              <a:t>).data</a:t>
-            </a:r>
-          </a:p>
-          <a:p>
-            <a:pPr marL="514350" indent="-457200" algn="just" fontAlgn="base">
-              <a:spcAft>
-                <a:spcPct val="0"/>
-              </a:spcAft>
-              <a:buAutoNum type="arabicPeriod"/>
-            </a:pPr>
-            <a:r>
-              <a:rPr lang="en-US" altLang="en-US" dirty="0">
-                <a:latin typeface="Times New Roman" panose="02020603050405020304" pitchFamily="18" charset="0"/>
-                <a:cs typeface="Times New Roman" panose="02020603050405020304" pitchFamily="18" charset="0"/>
-                <a:sym typeface="Wingdings" panose="05000000000000000000" pitchFamily="2" charset="2"/>
-              </a:rPr>
-              <a:t>Free(</a:t>
-            </a:r>
-            <a:r>
-              <a:rPr lang="en-US" altLang="en-US" dirty="0" err="1">
-                <a:latin typeface="Times New Roman" panose="02020603050405020304" pitchFamily="18" charset="0"/>
-                <a:cs typeface="Times New Roman" panose="02020603050405020304" pitchFamily="18" charset="0"/>
-                <a:sym typeface="Wingdings" panose="05000000000000000000" pitchFamily="2" charset="2"/>
-              </a:rPr>
-              <a:t>ptr.next</a:t>
-            </a:r>
-            <a:r>
-              <a:rPr lang="en-US" altLang="en-US" dirty="0">
-                <a:latin typeface="Times New Roman" panose="02020603050405020304" pitchFamily="18" charset="0"/>
-                <a:cs typeface="Times New Roman" panose="02020603050405020304" pitchFamily="18" charset="0"/>
-                <a:sym typeface="Wingdings" panose="05000000000000000000" pitchFamily="2" charset="2"/>
-              </a:rPr>
-              <a:t>)</a:t>
-            </a:r>
-          </a:p>
-          <a:p>
-            <a:pPr marL="514350" indent="-457200" algn="just" fontAlgn="base">
-              <a:spcAft>
-                <a:spcPct val="0"/>
-              </a:spcAft>
-              <a:buAutoNum type="arabicPeriod"/>
-            </a:pPr>
-            <a:r>
-              <a:rPr lang="en-US" altLang="en-US" dirty="0" err="1">
-                <a:latin typeface="Times New Roman" panose="02020603050405020304" pitchFamily="18" charset="0"/>
-                <a:cs typeface="Times New Roman" panose="02020603050405020304" pitchFamily="18" charset="0"/>
-                <a:sym typeface="Wingdings" panose="05000000000000000000" pitchFamily="2" charset="2"/>
-              </a:rPr>
-              <a:t>ptr.nextNULL</a:t>
             </a:r>
             <a:endParaRPr lang="en-US" altLang="en-US" dirty="0">
               <a:latin typeface="Times New Roman" panose="02020603050405020304" pitchFamily="18" charset="0"/>
@@ -35434,30 +35499,203 @@
               <a:buAutoNum type="arabicPeriod"/>
             </a:pPr>
             <a:r>
-              <a:rPr lang="en-US" altLang="en-US" b="1" dirty="0">
-                <a:latin typeface="Times New Roman" panose="02020603050405020304" pitchFamily="18" charset="0"/>
-                <a:cs typeface="Times New Roman" panose="02020603050405020304" pitchFamily="18" charset="0"/>
-                <a:sym typeface="Wingdings" panose="05000000000000000000" pitchFamily="2" charset="2"/>
-              </a:rPr>
-              <a:t>return</a:t>
+              <a:rPr lang="en-US" altLang="en-US" sz="1600" b="1" dirty="0">
+                <a:latin typeface="Times New Roman" panose="02020603050405020304" pitchFamily="18" charset="0"/>
+                <a:cs typeface="Times New Roman" panose="02020603050405020304" pitchFamily="18" charset="0"/>
+              </a:rPr>
+              <a:t>while </a:t>
+            </a:r>
+            <a:r>
+              <a:rPr lang="en-US" altLang="en-US" sz="1600" dirty="0">
+                <a:latin typeface="Times New Roman" panose="02020603050405020304" pitchFamily="18" charset="0"/>
+                <a:cs typeface="Times New Roman" panose="02020603050405020304" pitchFamily="18" charset="0"/>
+              </a:rPr>
+              <a:t>(</a:t>
+            </a:r>
+            <a:r>
+              <a:rPr lang="en-US" altLang="en-US" sz="1600" dirty="0" err="1">
+                <a:latin typeface="Times New Roman" panose="02020603050405020304" pitchFamily="18" charset="0"/>
+                <a:cs typeface="Times New Roman" panose="02020603050405020304" pitchFamily="18" charset="0"/>
+              </a:rPr>
+              <a:t>ptr.next</a:t>
+            </a:r>
+            <a:r>
+              <a:rPr lang="en-US" altLang="en-US" sz="1600" dirty="0">
+                <a:latin typeface="Times New Roman" panose="02020603050405020304" pitchFamily="18" charset="0"/>
+                <a:cs typeface="Times New Roman" panose="02020603050405020304" pitchFamily="18" charset="0"/>
+              </a:rPr>
+              <a:t>).next ≠ NULL </a:t>
+            </a:r>
+            <a:r>
+              <a:rPr lang="en-US" altLang="en-US" sz="1600" b="1" dirty="0">
+                <a:latin typeface="Times New Roman" panose="02020603050405020304" pitchFamily="18" charset="0"/>
+                <a:cs typeface="Times New Roman" panose="02020603050405020304" pitchFamily="18" charset="0"/>
+              </a:rPr>
+              <a:t>do</a:t>
+            </a:r>
+            <a:endParaRPr lang="en-US" altLang="en-US" sz="1600" dirty="0">
+              <a:latin typeface="Times New Roman" panose="02020603050405020304" pitchFamily="18" charset="0"/>
+              <a:cs typeface="Times New Roman" panose="02020603050405020304" pitchFamily="18" charset="0"/>
+            </a:endParaRPr>
+          </a:p>
+          <a:p>
+            <a:pPr marL="914400" lvl="1" indent="-457200" algn="just" fontAlgn="base">
+              <a:spcAft>
+                <a:spcPct val="0"/>
+              </a:spcAft>
+              <a:buFont typeface="+mj-lt"/>
+              <a:buAutoNum type="alphaLcPeriod"/>
+            </a:pPr>
+            <a:r>
+              <a:rPr lang="en-US" altLang="en-US" dirty="0" err="1">
+                <a:latin typeface="Times New Roman" panose="02020603050405020304" pitchFamily="18" charset="0"/>
+                <a:cs typeface="Times New Roman" panose="02020603050405020304" pitchFamily="18" charset="0"/>
+              </a:rPr>
+              <a:t>ptr</a:t>
             </a:r>
             <a:r>
               <a:rPr lang="en-US" altLang="en-US" dirty="0">
                 <a:latin typeface="Times New Roman" panose="02020603050405020304" pitchFamily="18" charset="0"/>
                 <a:cs typeface="Times New Roman" panose="02020603050405020304" pitchFamily="18" charset="0"/>
-                <a:sym typeface="Wingdings" panose="05000000000000000000" pitchFamily="2" charset="2"/>
               </a:rPr>
               <a:t> </a:t>
             </a:r>
             <a:r>
+              <a:rPr lang="en-US" altLang="en-US" dirty="0">
+                <a:latin typeface="Times New Roman" panose="02020603050405020304" pitchFamily="18" charset="0"/>
+                <a:cs typeface="Times New Roman" panose="02020603050405020304" pitchFamily="18" charset="0"/>
+                <a:sym typeface="Wingdings" panose="05000000000000000000" pitchFamily="2" charset="2"/>
+              </a:rPr>
+              <a:t> </a:t>
+            </a:r>
+            <a:r>
               <a:rPr lang="en-US" altLang="en-US" dirty="0" err="1">
                 <a:latin typeface="Times New Roman" panose="02020603050405020304" pitchFamily="18" charset="0"/>
                 <a:cs typeface="Times New Roman" panose="02020603050405020304" pitchFamily="18" charset="0"/>
                 <a:sym typeface="Wingdings" panose="05000000000000000000" pitchFamily="2" charset="2"/>
               </a:rPr>
+              <a:t>ptr.next</a:t>
+            </a:r>
+            <a:endParaRPr lang="en-US" altLang="en-US" dirty="0">
+              <a:latin typeface="Times New Roman" panose="02020603050405020304" pitchFamily="18" charset="0"/>
+              <a:cs typeface="Times New Roman" panose="02020603050405020304" pitchFamily="18" charset="0"/>
+              <a:sym typeface="Wingdings" panose="05000000000000000000" pitchFamily="2" charset="2"/>
+            </a:endParaRPr>
+          </a:p>
+          <a:p>
+            <a:pPr marL="514350" indent="-457200" algn="just" fontAlgn="base">
+              <a:spcAft>
+                <a:spcPct val="0"/>
+              </a:spcAft>
+              <a:buAutoNum type="arabicPeriod"/>
+            </a:pPr>
+            <a:r>
+              <a:rPr lang="en-US" altLang="en-US" sz="1600" dirty="0">
+                <a:latin typeface="Times New Roman" panose="02020603050405020304" pitchFamily="18" charset="0"/>
+                <a:cs typeface="Times New Roman" panose="02020603050405020304" pitchFamily="18" charset="0"/>
+                <a:sym typeface="Wingdings" panose="05000000000000000000" pitchFamily="2" charset="2"/>
+              </a:rPr>
+              <a:t>ptr1  </a:t>
+            </a:r>
+            <a:r>
+              <a:rPr lang="en-US" altLang="en-US" sz="1600" dirty="0" err="1">
+                <a:latin typeface="Times New Roman" panose="02020603050405020304" pitchFamily="18" charset="0"/>
+                <a:cs typeface="Times New Roman" panose="02020603050405020304" pitchFamily="18" charset="0"/>
+                <a:sym typeface="Wingdings" panose="05000000000000000000" pitchFamily="2" charset="2"/>
+              </a:rPr>
+              <a:t>ptr.next</a:t>
+            </a:r>
+            <a:endParaRPr lang="en-US" altLang="en-US" sz="1600" dirty="0">
+              <a:latin typeface="Times New Roman" panose="02020603050405020304" pitchFamily="18" charset="0"/>
+              <a:cs typeface="Times New Roman" panose="02020603050405020304" pitchFamily="18" charset="0"/>
+              <a:sym typeface="Wingdings" panose="05000000000000000000" pitchFamily="2" charset="2"/>
+            </a:endParaRPr>
+          </a:p>
+          <a:p>
+            <a:pPr marL="514350" indent="-457200" algn="just" fontAlgn="base">
+              <a:spcAft>
+                <a:spcPct val="0"/>
+              </a:spcAft>
+              <a:buAutoNum type="arabicPeriod"/>
+            </a:pPr>
+            <a:r>
+              <a:rPr lang="en-US" altLang="en-US" sz="1600" dirty="0">
+                <a:latin typeface="Times New Roman" panose="02020603050405020304" pitchFamily="18" charset="0"/>
+                <a:cs typeface="Times New Roman" panose="02020603050405020304" pitchFamily="18" charset="0"/>
+                <a:sym typeface="Wingdings" panose="05000000000000000000" pitchFamily="2" charset="2"/>
+              </a:rPr>
+              <a:t>retvalptr1.data</a:t>
+            </a:r>
+          </a:p>
+          <a:p>
+            <a:pPr marL="514350" indent="-457200" algn="just" fontAlgn="base">
+              <a:spcAft>
+                <a:spcPct val="0"/>
+              </a:spcAft>
+              <a:buAutoNum type="arabicPeriod"/>
+            </a:pPr>
+            <a:r>
+              <a:rPr lang="en-US" altLang="en-US" sz="1600" dirty="0">
+                <a:latin typeface="Times New Roman" panose="02020603050405020304" pitchFamily="18" charset="0"/>
+                <a:cs typeface="Times New Roman" panose="02020603050405020304" pitchFamily="18" charset="0"/>
+                <a:sym typeface="Wingdings" panose="05000000000000000000" pitchFamily="2" charset="2"/>
+              </a:rPr>
+              <a:t>Free(ptr1)</a:t>
+            </a:r>
+          </a:p>
+          <a:p>
+            <a:pPr marL="514350" indent="-457200" algn="just" fontAlgn="base">
+              <a:spcAft>
+                <a:spcPct val="0"/>
+              </a:spcAft>
+              <a:buAutoNum type="arabicPeriod"/>
+            </a:pPr>
+            <a:r>
+              <a:rPr lang="en-US" altLang="en-US" sz="1600" dirty="0" err="1">
+                <a:latin typeface="Times New Roman" panose="02020603050405020304" pitchFamily="18" charset="0"/>
+                <a:cs typeface="Times New Roman" panose="02020603050405020304" pitchFamily="18" charset="0"/>
+                <a:sym typeface="Wingdings" panose="05000000000000000000" pitchFamily="2" charset="2"/>
+              </a:rPr>
+              <a:t>ptr.nextNULL</a:t>
+            </a:r>
+            <a:endParaRPr lang="en-US" altLang="en-US" sz="1600" dirty="0">
+              <a:latin typeface="Times New Roman" panose="02020603050405020304" pitchFamily="18" charset="0"/>
+              <a:cs typeface="Times New Roman" panose="02020603050405020304" pitchFamily="18" charset="0"/>
+              <a:sym typeface="Wingdings" panose="05000000000000000000" pitchFamily="2" charset="2"/>
+            </a:endParaRPr>
+          </a:p>
+          <a:p>
+            <a:pPr marL="514350" indent="-457200" algn="just" fontAlgn="base">
+              <a:spcAft>
+                <a:spcPct val="0"/>
+              </a:spcAft>
+              <a:buAutoNum type="arabicPeriod"/>
+            </a:pPr>
+            <a:r>
+              <a:rPr lang="en-US" altLang="en-US" sz="1600" b="1" dirty="0">
+                <a:latin typeface="Times New Roman" panose="02020603050405020304" pitchFamily="18" charset="0"/>
+                <a:cs typeface="Times New Roman" panose="02020603050405020304" pitchFamily="18" charset="0"/>
+                <a:sym typeface="Wingdings" panose="05000000000000000000" pitchFamily="2" charset="2"/>
+              </a:rPr>
+              <a:t>Return</a:t>
+            </a:r>
+            <a:r>
+              <a:rPr lang="en-US" altLang="en-US" sz="1600" dirty="0">
+                <a:latin typeface="Times New Roman" panose="02020603050405020304" pitchFamily="18" charset="0"/>
+                <a:cs typeface="Times New Roman" panose="02020603050405020304" pitchFamily="18" charset="0"/>
+                <a:sym typeface="Wingdings" panose="05000000000000000000" pitchFamily="2" charset="2"/>
+              </a:rPr>
+              <a:t> </a:t>
+            </a:r>
+            <a:r>
+              <a:rPr lang="en-US" altLang="en-US" sz="1600" dirty="0" err="1">
+                <a:latin typeface="Times New Roman" panose="02020603050405020304" pitchFamily="18" charset="0"/>
+                <a:cs typeface="Times New Roman" panose="02020603050405020304" pitchFamily="18" charset="0"/>
+                <a:sym typeface="Wingdings" panose="05000000000000000000" pitchFamily="2" charset="2"/>
+              </a:rPr>
               <a:t>retval</a:t>
             </a:r>
-            <a:endParaRPr lang="en-US" altLang="en-US" dirty="0">
+            <a:endParaRPr lang="en-US" altLang="en-US" sz="1600" dirty="0">
               <a:latin typeface="Times New Roman" panose="02020603050405020304" pitchFamily="18" charset="0"/>
               <a:cs typeface="Times New Roman" panose="02020603050405020304" pitchFamily="18" charset="0"/>
               <a:sym typeface="Wingdings" panose="05000000000000000000" pitchFamily="2" charset="2"/>
@@ -35565,14 +35803,14 @@
               </a:spcAft>
             </a:pPr>
             <a:r>
-              <a:rPr lang="en-US" altLang="en-US" dirty="0" err="1">
+              <a:rPr lang="en-US" altLang="en-US" sz="1200" dirty="0" err="1">
                 <a:latin typeface="Times New Roman" panose="02020603050405020304" pitchFamily="18" charset="0"/>
                 <a:cs typeface="Times New Roman" panose="02020603050405020304" pitchFamily="18" charset="0"/>
               </a:rPr>
               <a:t>deleteatany</a:t>
             </a:r>
             <a:r>
-              <a:rPr lang="en-US" altLang="en-US" dirty="0">
+              <a:rPr lang="en-US" altLang="en-US" sz="1200" dirty="0">
                 <a:latin typeface="Times New Roman" panose="02020603050405020304" pitchFamily="18" charset="0"/>
                 <a:cs typeface="Times New Roman" panose="02020603050405020304" pitchFamily="18" charset="0"/>
               </a:rPr>
@@ -35587,28 +35825,28 @@
               <a:buAutoNum type="arabicPeriod"/>
             </a:pPr>
             <a:r>
-              <a:rPr lang="en-US" altLang="en-US" dirty="0" err="1">
-                <a:latin typeface="Times New Roman" panose="02020603050405020304" pitchFamily="18" charset="0"/>
-                <a:cs typeface="Times New Roman" panose="02020603050405020304" pitchFamily="18" charset="0"/>
-              </a:rPr>
-              <a:t>ptr</a:t>
-            </a:r>
-            <a:r>
-              <a:rPr lang="en-US" altLang="en-US" dirty="0">
+              <a:rPr lang="en-US" altLang="en-US" sz="1200" dirty="0" err="1">
+                <a:latin typeface="Times New Roman" panose="02020603050405020304" pitchFamily="18" charset="0"/>
+                <a:cs typeface="Times New Roman" panose="02020603050405020304" pitchFamily="18" charset="0"/>
+              </a:rPr>
+              <a:t>prev</a:t>
+            </a:r>
+            <a:r>
+              <a:rPr lang="en-US" altLang="en-US" sz="1200" dirty="0">
                 <a:latin typeface="Times New Roman" panose="02020603050405020304" pitchFamily="18" charset="0"/>
                 <a:cs typeface="Times New Roman" panose="02020603050405020304" pitchFamily="18" charset="0"/>
               </a:rPr>
               <a:t> </a:t>
             </a:r>
             <a:r>
-              <a:rPr lang="en-US" altLang="en-US" dirty="0">
+              <a:rPr lang="en-US" altLang="en-US" sz="1200" dirty="0">
                 <a:latin typeface="Times New Roman" panose="02020603050405020304" pitchFamily="18" charset="0"/>
                 <a:cs typeface="Times New Roman" panose="02020603050405020304" pitchFamily="18" charset="0"/>
                 <a:sym typeface="Wingdings" panose="05000000000000000000" pitchFamily="2" charset="2"/>
               </a:rPr>
               <a:t> header</a:t>
             </a:r>
-            <a:endParaRPr lang="en-US" altLang="en-US" dirty="0">
+            <a:endParaRPr lang="en-US" altLang="en-US" sz="1200" dirty="0">
               <a:latin typeface="Times New Roman" panose="02020603050405020304" pitchFamily="18" charset="0"/>
               <a:cs typeface="Times New Roman" panose="02020603050405020304" pitchFamily="18" charset="0"/>
             </a:endParaRPr>
@@ -35621,35 +35859,35 @@
               <a:buAutoNum type="arabicPeriod"/>
             </a:pPr>
             <a:r>
-              <a:rPr lang="en-US" altLang="en-US" b="1" dirty="0">
+              <a:rPr lang="en-US" altLang="en-US" sz="1200" b="1" dirty="0">
                 <a:latin typeface="Times New Roman" panose="02020603050405020304" pitchFamily="18" charset="0"/>
                 <a:cs typeface="Times New Roman" panose="02020603050405020304" pitchFamily="18" charset="0"/>
               </a:rPr>
               <a:t>if</a:t>
             </a:r>
             <a:r>
-              <a:rPr lang="en-US" altLang="en-US" dirty="0">
+              <a:rPr lang="en-US" altLang="en-US" sz="1200" dirty="0">
                 <a:latin typeface="Times New Roman" panose="02020603050405020304" pitchFamily="18" charset="0"/>
                 <a:cs typeface="Times New Roman" panose="02020603050405020304" pitchFamily="18" charset="0"/>
               </a:rPr>
               <a:t> </a:t>
             </a:r>
             <a:r>
-              <a:rPr lang="en-US" altLang="en-US" dirty="0" err="1">
-                <a:latin typeface="Times New Roman" panose="02020603050405020304" pitchFamily="18" charset="0"/>
-                <a:cs typeface="Times New Roman" panose="02020603050405020304" pitchFamily="18" charset="0"/>
-              </a:rPr>
-              <a:t>ptr</a:t>
-            </a:r>
-            <a:r>
-              <a:rPr lang="en-US" altLang="en-US" dirty="0">
+              <a:rPr lang="en-US" altLang="en-US" sz="1200" dirty="0" err="1">
+                <a:latin typeface="Times New Roman" panose="02020603050405020304" pitchFamily="18" charset="0"/>
+                <a:cs typeface="Times New Roman" panose="02020603050405020304" pitchFamily="18" charset="0"/>
+              </a:rPr>
+              <a:t>prev</a:t>
+            </a:r>
+            <a:r>
+              <a:rPr lang="en-US" altLang="en-US" sz="1200" dirty="0">
                 <a:latin typeface="Times New Roman" panose="02020603050405020304" pitchFamily="18" charset="0"/>
                 <a:cs typeface="Times New Roman" panose="02020603050405020304" pitchFamily="18" charset="0"/>
               </a:rPr>
               <a:t> = NULL </a:t>
             </a:r>
             <a:r>
-              <a:rPr lang="en-US" altLang="en-US" b="1" dirty="0">
+              <a:rPr lang="en-US" altLang="en-US" sz="1200" b="1" dirty="0">
                 <a:latin typeface="Times New Roman" panose="02020603050405020304" pitchFamily="18" charset="0"/>
                 <a:cs typeface="Times New Roman" panose="02020603050405020304" pitchFamily="18" charset="0"/>
               </a:rPr>
@@ -35665,7 +35903,7 @@
               <a:buAutoNum type="alphaLcPeriod"/>
             </a:pPr>
             <a:r>
-              <a:rPr lang="en-US" altLang="en-US" sz="2400" dirty="0">
+              <a:rPr lang="en-US" altLang="en-US" sz="1200" dirty="0">
                 <a:latin typeface="Times New Roman" panose="02020603050405020304" pitchFamily="18" charset="0"/>
                 <a:cs typeface="Times New Roman" panose="02020603050405020304" pitchFamily="18" charset="0"/>
                 <a:sym typeface="Wingdings" panose="05000000000000000000" pitchFamily="2" charset="2"/>
@@ -35682,7 +35920,7 @@
               <a:buAutoNum type="alphaLcPeriod"/>
             </a:pPr>
             <a:r>
-              <a:rPr lang="en-US" altLang="en-US" sz="2400" dirty="0">
+              <a:rPr lang="en-US" altLang="en-US" sz="1200" dirty="0">
                 <a:latin typeface="Times New Roman" panose="02020603050405020304" pitchFamily="18" charset="0"/>
                 <a:cs typeface="Times New Roman" panose="02020603050405020304" pitchFamily="18" charset="0"/>
                 <a:sym typeface="Wingdings" panose="05000000000000000000" pitchFamily="2" charset="2"/>
@@ -35698,44 +35936,40 @@
               <a:buAutoNum type="arabicPeriod"/>
             </a:pPr>
             <a:r>
-              <a:rPr lang="en-US" altLang="en-US" b="1" dirty="0">
-                <a:latin typeface="Times New Roman" panose="02020603050405020304" pitchFamily="18" charset="0"/>
-                <a:cs typeface="Times New Roman" panose="02020603050405020304" pitchFamily="18" charset="0"/>
-              </a:rPr>
-              <a:t>while </a:t>
-            </a:r>
-            <a:r>
-              <a:rPr lang="en-US" altLang="en-US" dirty="0">
-                <a:latin typeface="Times New Roman" panose="02020603050405020304" pitchFamily="18" charset="0"/>
-                <a:cs typeface="Times New Roman" panose="02020603050405020304" pitchFamily="18" charset="0"/>
-              </a:rPr>
-              <a:t>(</a:t>
-            </a:r>
-            <a:r>
-              <a:rPr lang="en-US" altLang="en-US" dirty="0" err="1">
-                <a:latin typeface="Times New Roman" panose="02020603050405020304" pitchFamily="18" charset="0"/>
-                <a:cs typeface="Times New Roman" panose="02020603050405020304" pitchFamily="18" charset="0"/>
-              </a:rPr>
-              <a:t>ptr.next</a:t>
-            </a:r>
-            <a:r>
-              <a:rPr lang="en-US" altLang="en-US" dirty="0">
-                <a:latin typeface="Times New Roman" panose="02020603050405020304" pitchFamily="18" charset="0"/>
-                <a:cs typeface="Times New Roman" panose="02020603050405020304" pitchFamily="18" charset="0"/>
-              </a:rPr>
-              <a:t>).data ≠ Key </a:t>
-            </a:r>
-            <a:r>
-              <a:rPr lang="en-US" altLang="en-US" b="1" dirty="0">
-                <a:latin typeface="Times New Roman" panose="02020603050405020304" pitchFamily="18" charset="0"/>
-                <a:cs typeface="Times New Roman" panose="02020603050405020304" pitchFamily="18" charset="0"/>
-              </a:rPr>
-              <a:t>do</a:t>
-            </a:r>
-            <a:endParaRPr lang="en-US" altLang="en-US" dirty="0">
-              <a:latin typeface="Times New Roman" panose="02020603050405020304" pitchFamily="18" charset="0"/>
-              <a:cs typeface="Times New Roman" panose="02020603050405020304" pitchFamily="18" charset="0"/>
-            </a:endParaRPr>
+              <a:rPr lang="en-US" altLang="en-US" sz="1200" b="1" dirty="0">
+                <a:latin typeface="Times New Roman" panose="02020603050405020304" pitchFamily="18" charset="0"/>
+                <a:cs typeface="Times New Roman" panose="02020603050405020304" pitchFamily="18" charset="0"/>
+              </a:rPr>
+              <a:t>if</a:t>
+            </a:r>
+            <a:r>
+              <a:rPr lang="en-US" altLang="en-US" sz="1200" dirty="0">
+                <a:latin typeface="Times New Roman" panose="02020603050405020304" pitchFamily="18" charset="0"/>
+                <a:cs typeface="Times New Roman" panose="02020603050405020304" pitchFamily="18" charset="0"/>
+              </a:rPr>
+              <a:t> </a:t>
+            </a:r>
+            <a:r>
+              <a:rPr lang="en-US" altLang="en-US" sz="1200" dirty="0" err="1">
+                <a:latin typeface="Times New Roman" panose="02020603050405020304" pitchFamily="18" charset="0"/>
+                <a:cs typeface="Times New Roman" panose="02020603050405020304" pitchFamily="18" charset="0"/>
+              </a:rPr>
+              <a:t>prev.data</a:t>
+            </a:r>
+            <a:r>
+              <a:rPr lang="en-US" altLang="en-US" sz="1200" dirty="0">
+                <a:latin typeface="Times New Roman" panose="02020603050405020304" pitchFamily="18" charset="0"/>
+                <a:cs typeface="Times New Roman" panose="02020603050405020304" pitchFamily="18" charset="0"/>
+              </a:rPr>
+              <a:t> = key </a:t>
+            </a:r>
+            <a:r>
+              <a:rPr lang="en-US" altLang="en-US" sz="1200" b="1" dirty="0">
+                <a:latin typeface="Times New Roman" panose="02020603050405020304" pitchFamily="18" charset="0"/>
+                <a:cs typeface="Times New Roman" panose="02020603050405020304" pitchFamily="18" charset="0"/>
+              </a:rPr>
+              <a:t>then</a:t>
+            </a:r>
           </a:p>
           <a:p>
             <a:pPr marL="914400" lvl="1" indent="-457200" algn="just" fontAlgn="base">
@@ -35746,189 +35980,514 @@
               <a:buAutoNum type="alphaLcPeriod"/>
             </a:pPr>
             <a:r>
-              <a:rPr lang="en-US" altLang="en-US" sz="2400" dirty="0" err="1">
-                <a:latin typeface="Times New Roman" panose="02020603050405020304" pitchFamily="18" charset="0"/>
-                <a:cs typeface="Times New Roman" panose="02020603050405020304" pitchFamily="18" charset="0"/>
-              </a:rPr>
-              <a:t>ptr</a:t>
-            </a:r>
-            <a:r>
-              <a:rPr lang="en-US" altLang="en-US" sz="2400" dirty="0">
-                <a:latin typeface="Times New Roman" panose="02020603050405020304" pitchFamily="18" charset="0"/>
-                <a:cs typeface="Times New Roman" panose="02020603050405020304" pitchFamily="18" charset="0"/>
-              </a:rPr>
-              <a:t> </a:t>
-            </a:r>
-            <a:r>
-              <a:rPr lang="en-US" altLang="en-US" sz="2400" dirty="0">
-                <a:latin typeface="Times New Roman" panose="02020603050405020304" pitchFamily="18" charset="0"/>
-                <a:cs typeface="Times New Roman" panose="02020603050405020304" pitchFamily="18" charset="0"/>
-                <a:sym typeface="Wingdings" panose="05000000000000000000" pitchFamily="2" charset="2"/>
-              </a:rPr>
-              <a:t> </a:t>
-            </a:r>
-            <a:r>
-              <a:rPr lang="en-US" altLang="en-US" sz="2400" dirty="0" err="1">
-                <a:latin typeface="Times New Roman" panose="02020603050405020304" pitchFamily="18" charset="0"/>
-                <a:cs typeface="Times New Roman" panose="02020603050405020304" pitchFamily="18" charset="0"/>
-                <a:sym typeface="Wingdings" panose="05000000000000000000" pitchFamily="2" charset="2"/>
-              </a:rPr>
-              <a:t>ptr.next</a:t>
-            </a:r>
-            <a:endParaRPr lang="en-US" altLang="en-US" dirty="0">
+              <a:rPr lang="en-US" altLang="en-US" sz="1200" dirty="0" err="1">
+                <a:latin typeface="Times New Roman" panose="02020603050405020304" pitchFamily="18" charset="0"/>
+                <a:cs typeface="Times New Roman" panose="02020603050405020304" pitchFamily="18" charset="0"/>
+                <a:sym typeface="Wingdings" panose="05000000000000000000" pitchFamily="2" charset="2"/>
+              </a:rPr>
+              <a:t>retval</a:t>
+            </a:r>
+            <a:r>
+              <a:rPr lang="en-US" altLang="en-US" sz="1200" dirty="0">
+                <a:latin typeface="Times New Roman" panose="02020603050405020304" pitchFamily="18" charset="0"/>
+                <a:cs typeface="Times New Roman" panose="02020603050405020304" pitchFamily="18" charset="0"/>
+                <a:sym typeface="Wingdings" panose="05000000000000000000" pitchFamily="2" charset="2"/>
+              </a:rPr>
+              <a:t>  </a:t>
+            </a:r>
+            <a:r>
+              <a:rPr lang="en-US" altLang="en-US" sz="1200" dirty="0" err="1">
+                <a:latin typeface="Times New Roman" panose="02020603050405020304" pitchFamily="18" charset="0"/>
+                <a:cs typeface="Times New Roman" panose="02020603050405020304" pitchFamily="18" charset="0"/>
+                <a:sym typeface="Wingdings" panose="05000000000000000000" pitchFamily="2" charset="2"/>
+              </a:rPr>
+              <a:t>prev.data</a:t>
+            </a:r>
+            <a:endParaRPr lang="en-US" altLang="en-US" sz="1200" dirty="0">
               <a:latin typeface="Times New Roman" panose="02020603050405020304" pitchFamily="18" charset="0"/>
               <a:cs typeface="Times New Roman" panose="02020603050405020304" pitchFamily="18" charset="0"/>
               <a:sym typeface="Wingdings" panose="05000000000000000000" pitchFamily="2" charset="2"/>
             </a:endParaRPr>
           </a:p>
           <a:p>
-            <a:pPr marL="514350" indent="-457200" algn="just" fontAlgn="base">
-              <a:spcAft>
-                <a:spcPct val="0"/>
-              </a:spcAft>
-              <a:buAutoNum type="arabicPeriod"/>
-            </a:pPr>
-            <a:r>
-              <a:rPr lang="en-US" altLang="en-US" dirty="0" err="1">
-                <a:latin typeface="Times New Roman" panose="02020603050405020304" pitchFamily="18" charset="0"/>
-                <a:cs typeface="Times New Roman" panose="02020603050405020304" pitchFamily="18" charset="0"/>
-                <a:sym typeface="Wingdings" panose="05000000000000000000" pitchFamily="2" charset="2"/>
-              </a:rPr>
-              <a:t>retval</a:t>
-            </a:r>
-            <a:r>
-              <a:rPr lang="en-US" altLang="en-US" dirty="0">
-                <a:latin typeface="Times New Roman" panose="02020603050405020304" pitchFamily="18" charset="0"/>
-                <a:cs typeface="Times New Roman" panose="02020603050405020304" pitchFamily="18" charset="0"/>
-                <a:sym typeface="Wingdings" panose="05000000000000000000" pitchFamily="2" charset="2"/>
-              </a:rPr>
-              <a:t>(</a:t>
-            </a:r>
-            <a:r>
-              <a:rPr lang="en-US" altLang="en-US" dirty="0" err="1">
-                <a:latin typeface="Times New Roman" panose="02020603050405020304" pitchFamily="18" charset="0"/>
-                <a:cs typeface="Times New Roman" panose="02020603050405020304" pitchFamily="18" charset="0"/>
-                <a:sym typeface="Wingdings" panose="05000000000000000000" pitchFamily="2" charset="2"/>
-              </a:rPr>
-              <a:t>ptr.next</a:t>
-            </a:r>
-            <a:r>
-              <a:rPr lang="en-US" altLang="en-US" dirty="0">
-                <a:latin typeface="Times New Roman" panose="02020603050405020304" pitchFamily="18" charset="0"/>
-                <a:cs typeface="Times New Roman" panose="02020603050405020304" pitchFamily="18" charset="0"/>
-                <a:sym typeface="Wingdings" panose="05000000000000000000" pitchFamily="2" charset="2"/>
-              </a:rPr>
-              <a:t>).data</a:t>
-            </a:r>
-          </a:p>
-          <a:p>
-            <a:pPr marL="514350" indent="-457200" algn="just" fontAlgn="base">
-              <a:spcAft>
-                <a:spcPct val="0"/>
-              </a:spcAft>
-              <a:buAutoNum type="arabicPeriod"/>
-            </a:pPr>
-            <a:r>
-              <a:rPr lang="en-US" altLang="en-US" dirty="0" err="1">
-                <a:latin typeface="Times New Roman" panose="02020603050405020304" pitchFamily="18" charset="0"/>
-                <a:cs typeface="Times New Roman" panose="02020603050405020304" pitchFamily="18" charset="0"/>
-                <a:sym typeface="Wingdings" panose="05000000000000000000" pitchFamily="2" charset="2"/>
-              </a:rPr>
-              <a:t>ptr.next</a:t>
-            </a:r>
-            <a:r>
-              <a:rPr lang="en-US" altLang="en-US" dirty="0">
-                <a:latin typeface="Times New Roman" panose="02020603050405020304" pitchFamily="18" charset="0"/>
-                <a:cs typeface="Times New Roman" panose="02020603050405020304" pitchFamily="18" charset="0"/>
-                <a:sym typeface="Wingdings" panose="05000000000000000000" pitchFamily="2" charset="2"/>
-              </a:rPr>
-              <a:t>(</a:t>
-            </a:r>
-            <a:r>
-              <a:rPr lang="en-US" altLang="en-US" dirty="0" err="1">
-                <a:latin typeface="Times New Roman" panose="02020603050405020304" pitchFamily="18" charset="0"/>
-                <a:cs typeface="Times New Roman" panose="02020603050405020304" pitchFamily="18" charset="0"/>
-                <a:sym typeface="Wingdings" panose="05000000000000000000" pitchFamily="2" charset="2"/>
-              </a:rPr>
-              <a:t>ptr.next</a:t>
-            </a:r>
-            <a:r>
-              <a:rPr lang="en-US" altLang="en-US" dirty="0">
-                <a:latin typeface="Times New Roman" panose="02020603050405020304" pitchFamily="18" charset="0"/>
-                <a:cs typeface="Times New Roman" panose="02020603050405020304" pitchFamily="18" charset="0"/>
-                <a:sym typeface="Wingdings" panose="05000000000000000000" pitchFamily="2" charset="2"/>
-              </a:rPr>
-              <a:t>).next</a:t>
-            </a:r>
-          </a:p>
-          <a:p>
-            <a:pPr marL="514350" indent="-457200" algn="just" fontAlgn="base">
-              <a:spcAft>
-                <a:spcPct val="0"/>
-              </a:spcAft>
-              <a:buAutoNum type="arabicPeriod"/>
-            </a:pPr>
-            <a:r>
-              <a:rPr lang="en-US" altLang="en-US" dirty="0">
-                <a:latin typeface="Times New Roman" panose="02020603050405020304" pitchFamily="18" charset="0"/>
-                <a:cs typeface="Times New Roman" panose="02020603050405020304" pitchFamily="18" charset="0"/>
-                <a:sym typeface="Wingdings" panose="05000000000000000000" pitchFamily="2" charset="2"/>
-              </a:rPr>
-              <a:t>Free(</a:t>
-            </a:r>
-            <a:r>
-              <a:rPr lang="en-US" altLang="en-US" dirty="0" err="1">
-                <a:latin typeface="Times New Roman" panose="02020603050405020304" pitchFamily="18" charset="0"/>
-                <a:cs typeface="Times New Roman" panose="02020603050405020304" pitchFamily="18" charset="0"/>
-                <a:sym typeface="Wingdings" panose="05000000000000000000" pitchFamily="2" charset="2"/>
-              </a:rPr>
-              <a:t>ptr.next</a:t>
-            </a:r>
-            <a:r>
-              <a:rPr lang="en-US" altLang="en-US" dirty="0">
-                <a:latin typeface="Times New Roman" panose="02020603050405020304" pitchFamily="18" charset="0"/>
-                <a:cs typeface="Times New Roman" panose="02020603050405020304" pitchFamily="18" charset="0"/>
-                <a:sym typeface="Wingdings" panose="05000000000000000000" pitchFamily="2" charset="2"/>
-              </a:rPr>
-              <a:t>)</a:t>
-            </a:r>
-          </a:p>
-          <a:p>
-            <a:pPr marL="514350" indent="-457200" algn="just" fontAlgn="base">
-              <a:spcAft>
-                <a:spcPct val="0"/>
-              </a:spcAft>
-              <a:buAutoNum type="arabicPeriod"/>
-            </a:pPr>
-            <a:r>
-              <a:rPr lang="en-US" altLang="en-US" b="1" dirty="0">
-                <a:latin typeface="Times New Roman" panose="02020603050405020304" pitchFamily="18" charset="0"/>
-                <a:cs typeface="Times New Roman" panose="02020603050405020304" pitchFamily="18" charset="0"/>
-                <a:sym typeface="Wingdings" panose="05000000000000000000" pitchFamily="2" charset="2"/>
-              </a:rPr>
-              <a:t>return</a:t>
-            </a:r>
-            <a:r>
-              <a:rPr lang="en-US" altLang="en-US" dirty="0">
-                <a:latin typeface="Times New Roman" panose="02020603050405020304" pitchFamily="18" charset="0"/>
-                <a:cs typeface="Times New Roman" panose="02020603050405020304" pitchFamily="18" charset="0"/>
-                <a:sym typeface="Wingdings" panose="05000000000000000000" pitchFamily="2" charset="2"/>
-              </a:rPr>
-              <a:t> </a:t>
-            </a:r>
-            <a:r>
-              <a:rPr lang="en-US" altLang="en-US" dirty="0" err="1">
-                <a:latin typeface="Times New Roman" panose="02020603050405020304" pitchFamily="18" charset="0"/>
-                <a:cs typeface="Times New Roman" panose="02020603050405020304" pitchFamily="18" charset="0"/>
-                <a:sym typeface="Wingdings" panose="05000000000000000000" pitchFamily="2" charset="2"/>
-              </a:rPr>
-              <a:t>retval</a:t>
-            </a:r>
-            <a:endParaRPr lang="en-US" altLang="en-US" dirty="0">
+            <a:pPr marL="914400" lvl="1" indent="-457200" algn="just" fontAlgn="base">
+              <a:spcAft>
+                <a:spcPct val="0"/>
+              </a:spcAft>
+              <a:buFont typeface="+mj-lt"/>
+              <a:buAutoNum type="alphaLcPeriod"/>
+            </a:pPr>
+            <a:r>
+              <a:rPr lang="en-US" altLang="en-US" sz="1200" dirty="0">
+                <a:latin typeface="Times New Roman" panose="02020603050405020304" pitchFamily="18" charset="0"/>
+                <a:cs typeface="Times New Roman" panose="02020603050405020304" pitchFamily="18" charset="0"/>
+                <a:sym typeface="Wingdings" panose="05000000000000000000" pitchFamily="2" charset="2"/>
+              </a:rPr>
+              <a:t>header  </a:t>
+            </a:r>
+            <a:r>
+              <a:rPr lang="en-US" altLang="en-US" sz="1200" dirty="0" err="1">
+                <a:latin typeface="Times New Roman" panose="02020603050405020304" pitchFamily="18" charset="0"/>
+                <a:cs typeface="Times New Roman" panose="02020603050405020304" pitchFamily="18" charset="0"/>
+                <a:sym typeface="Wingdings" panose="05000000000000000000" pitchFamily="2" charset="2"/>
+              </a:rPr>
+              <a:t>prev.next</a:t>
+            </a:r>
+            <a:endParaRPr lang="en-US" altLang="en-US" sz="1200" dirty="0">
               <a:latin typeface="Times New Roman" panose="02020603050405020304" pitchFamily="18" charset="0"/>
               <a:cs typeface="Times New Roman" panose="02020603050405020304" pitchFamily="18" charset="0"/>
               <a:sym typeface="Wingdings" panose="05000000000000000000" pitchFamily="2" charset="2"/>
             </a:endParaRPr>
+          </a:p>
+          <a:p>
+            <a:pPr marL="914400" lvl="1" indent="-457200" algn="just" fontAlgn="base">
+              <a:spcAft>
+                <a:spcPct val="0"/>
+              </a:spcAft>
+              <a:buFont typeface="+mj-lt"/>
+              <a:buAutoNum type="alphaLcPeriod"/>
+            </a:pPr>
+            <a:r>
+              <a:rPr lang="en-US" altLang="en-US" sz="1200" dirty="0">
+                <a:latin typeface="Times New Roman" panose="02020603050405020304" pitchFamily="18" charset="0"/>
+                <a:cs typeface="Times New Roman" panose="02020603050405020304" pitchFamily="18" charset="0"/>
+                <a:sym typeface="Wingdings" panose="05000000000000000000" pitchFamily="2" charset="2"/>
+              </a:rPr>
+              <a:t>Free(</a:t>
+            </a:r>
+            <a:r>
+              <a:rPr lang="en-US" altLang="en-US" sz="1200" dirty="0" err="1">
+                <a:latin typeface="Times New Roman" panose="02020603050405020304" pitchFamily="18" charset="0"/>
+                <a:cs typeface="Times New Roman" panose="02020603050405020304" pitchFamily="18" charset="0"/>
+                <a:sym typeface="Wingdings" panose="05000000000000000000" pitchFamily="2" charset="2"/>
+              </a:rPr>
+              <a:t>prev</a:t>
+            </a:r>
+            <a:r>
+              <a:rPr lang="en-US" altLang="en-US" sz="1200" dirty="0">
+                <a:latin typeface="Times New Roman" panose="02020603050405020304" pitchFamily="18" charset="0"/>
+                <a:cs typeface="Times New Roman" panose="02020603050405020304" pitchFamily="18" charset="0"/>
+                <a:sym typeface="Wingdings" panose="05000000000000000000" pitchFamily="2" charset="2"/>
+              </a:rPr>
+              <a:t>)</a:t>
+            </a:r>
+          </a:p>
+          <a:p>
+            <a:pPr marL="914400" lvl="1" indent="-457200" algn="just" fontAlgn="base">
+              <a:spcAft>
+                <a:spcPct val="0"/>
+              </a:spcAft>
+              <a:buFont typeface="+mj-lt"/>
+              <a:buAutoNum type="alphaLcPeriod"/>
+            </a:pPr>
+            <a:r>
+              <a:rPr lang="en-US" altLang="en-US" sz="1200" b="1" dirty="0">
+                <a:latin typeface="Times New Roman" panose="02020603050405020304" pitchFamily="18" charset="0"/>
+                <a:cs typeface="Times New Roman" panose="02020603050405020304" pitchFamily="18" charset="0"/>
+                <a:sym typeface="Wingdings" panose="05000000000000000000" pitchFamily="2" charset="2"/>
+              </a:rPr>
+              <a:t>Return</a:t>
+            </a:r>
+            <a:r>
+              <a:rPr lang="en-US" altLang="en-US" sz="1200" dirty="0">
+                <a:latin typeface="Times New Roman" panose="02020603050405020304" pitchFamily="18" charset="0"/>
+                <a:cs typeface="Times New Roman" panose="02020603050405020304" pitchFamily="18" charset="0"/>
+                <a:sym typeface="Wingdings" panose="05000000000000000000" pitchFamily="2" charset="2"/>
+              </a:rPr>
+              <a:t> </a:t>
+            </a:r>
+            <a:r>
+              <a:rPr lang="en-US" altLang="en-US" sz="1200" dirty="0" err="1">
+                <a:latin typeface="Times New Roman" panose="02020603050405020304" pitchFamily="18" charset="0"/>
+                <a:cs typeface="Times New Roman" panose="02020603050405020304" pitchFamily="18" charset="0"/>
+                <a:sym typeface="Wingdings" panose="05000000000000000000" pitchFamily="2" charset="2"/>
+              </a:rPr>
+              <a:t>retval</a:t>
+            </a:r>
+            <a:endParaRPr lang="en-US" altLang="en-US" sz="1200" b="1" dirty="0">
+              <a:latin typeface="Times New Roman" panose="02020603050405020304" pitchFamily="18" charset="0"/>
+              <a:cs typeface="Times New Roman" panose="02020603050405020304" pitchFamily="18" charset="0"/>
+            </a:endParaRPr>
+          </a:p>
+          <a:p>
+            <a:pPr marL="514350" indent="-457200" algn="just" fontAlgn="base">
+              <a:spcAft>
+                <a:spcPct val="0"/>
+              </a:spcAft>
+              <a:buAutoNum type="arabicPeriod"/>
+            </a:pPr>
+            <a:r>
+              <a:rPr lang="en-US" altLang="en-US" sz="1200" dirty="0" err="1">
+                <a:latin typeface="Times New Roman" panose="02020603050405020304" pitchFamily="18" charset="0"/>
+                <a:cs typeface="Times New Roman" panose="02020603050405020304" pitchFamily="18" charset="0"/>
+              </a:rPr>
+              <a:t>curr</a:t>
+            </a:r>
+            <a:r>
+              <a:rPr lang="en-US" altLang="en-US" sz="1200" dirty="0">
+                <a:latin typeface="Times New Roman" panose="02020603050405020304" pitchFamily="18" charset="0"/>
+                <a:cs typeface="Times New Roman" panose="02020603050405020304" pitchFamily="18" charset="0"/>
+              </a:rPr>
+              <a:t> </a:t>
+            </a:r>
+            <a:r>
+              <a:rPr lang="en-US" altLang="en-US" sz="1200" dirty="0">
+                <a:latin typeface="Times New Roman" panose="02020603050405020304" pitchFamily="18" charset="0"/>
+                <a:cs typeface="Times New Roman" panose="02020603050405020304" pitchFamily="18" charset="0"/>
+                <a:sym typeface="Wingdings" panose="05000000000000000000" pitchFamily="2" charset="2"/>
+              </a:rPr>
+              <a:t> </a:t>
+            </a:r>
+            <a:r>
+              <a:rPr lang="en-US" altLang="en-US" sz="1200" dirty="0" err="1">
+                <a:latin typeface="Times New Roman" panose="02020603050405020304" pitchFamily="18" charset="0"/>
+                <a:cs typeface="Times New Roman" panose="02020603050405020304" pitchFamily="18" charset="0"/>
+                <a:sym typeface="Wingdings" panose="05000000000000000000" pitchFamily="2" charset="2"/>
+              </a:rPr>
+              <a:t>prev.next</a:t>
+            </a:r>
+            <a:endParaRPr lang="en-US" altLang="en-US" sz="1200" dirty="0">
+              <a:latin typeface="Times New Roman" panose="02020603050405020304" pitchFamily="18" charset="0"/>
+              <a:cs typeface="Times New Roman" panose="02020603050405020304" pitchFamily="18" charset="0"/>
+            </a:endParaRPr>
+          </a:p>
+          <a:p>
+            <a:pPr marL="514350" indent="-457200" algn="just" fontAlgn="base">
+              <a:spcAft>
+                <a:spcPct val="0"/>
+              </a:spcAft>
+              <a:buAutoNum type="arabicPeriod"/>
+            </a:pPr>
+            <a:r>
+              <a:rPr lang="en-US" altLang="en-US" sz="1200" b="1" dirty="0">
+                <a:latin typeface="Times New Roman" panose="02020603050405020304" pitchFamily="18" charset="0"/>
+                <a:cs typeface="Times New Roman" panose="02020603050405020304" pitchFamily="18" charset="0"/>
+              </a:rPr>
+              <a:t>while </a:t>
+            </a:r>
+            <a:r>
+              <a:rPr lang="en-US" altLang="en-US" sz="1200" dirty="0" err="1">
+                <a:latin typeface="Times New Roman" panose="02020603050405020304" pitchFamily="18" charset="0"/>
+                <a:cs typeface="Times New Roman" panose="02020603050405020304" pitchFamily="18" charset="0"/>
+              </a:rPr>
+              <a:t>curr</a:t>
+            </a:r>
+            <a:r>
+              <a:rPr lang="en-US" altLang="en-US" sz="1200" dirty="0">
+                <a:latin typeface="Times New Roman" panose="02020603050405020304" pitchFamily="18" charset="0"/>
+                <a:cs typeface="Times New Roman" panose="02020603050405020304" pitchFamily="18" charset="0"/>
+              </a:rPr>
+              <a:t> ≠ NULL </a:t>
+            </a:r>
+            <a:r>
+              <a:rPr lang="en-US" altLang="en-US" sz="1200" b="1" dirty="0">
+                <a:latin typeface="Times New Roman" panose="02020603050405020304" pitchFamily="18" charset="0"/>
+                <a:cs typeface="Times New Roman" panose="02020603050405020304" pitchFamily="18" charset="0"/>
+              </a:rPr>
+              <a:t>do</a:t>
+            </a:r>
+            <a:endParaRPr lang="en-US" altLang="en-US" sz="1200" dirty="0">
+              <a:latin typeface="Times New Roman" panose="02020603050405020304" pitchFamily="18" charset="0"/>
+              <a:cs typeface="Times New Roman" panose="02020603050405020304" pitchFamily="18" charset="0"/>
+            </a:endParaRPr>
+          </a:p>
+          <a:p>
+            <a:pPr marL="914400" lvl="1" indent="-457200" algn="just" fontAlgn="base">
+              <a:spcAft>
+                <a:spcPct val="0"/>
+              </a:spcAft>
+              <a:buFont typeface="+mj-lt"/>
+              <a:buAutoNum type="alphaLcPeriod"/>
+            </a:pPr>
+            <a:r>
+              <a:rPr lang="en-US" altLang="en-US" sz="1200" b="1" dirty="0">
+                <a:latin typeface="Times New Roman" panose="02020603050405020304" pitchFamily="18" charset="0"/>
+                <a:cs typeface="Times New Roman" panose="02020603050405020304" pitchFamily="18" charset="0"/>
+              </a:rPr>
+              <a:t>if</a:t>
+            </a:r>
+            <a:r>
+              <a:rPr lang="en-US" altLang="en-US" sz="1200" dirty="0">
+                <a:latin typeface="Times New Roman" panose="02020603050405020304" pitchFamily="18" charset="0"/>
+                <a:cs typeface="Times New Roman" panose="02020603050405020304" pitchFamily="18" charset="0"/>
+              </a:rPr>
+              <a:t> </a:t>
+            </a:r>
+            <a:r>
+              <a:rPr lang="en-US" altLang="en-US" sz="1200" dirty="0" err="1">
+                <a:latin typeface="Times New Roman" panose="02020603050405020304" pitchFamily="18" charset="0"/>
+                <a:cs typeface="Times New Roman" panose="02020603050405020304" pitchFamily="18" charset="0"/>
+              </a:rPr>
+              <a:t>curr.data</a:t>
+            </a:r>
+            <a:r>
+              <a:rPr lang="en-US" altLang="en-US" sz="1200" dirty="0">
+                <a:latin typeface="Times New Roman" panose="02020603050405020304" pitchFamily="18" charset="0"/>
+                <a:cs typeface="Times New Roman" panose="02020603050405020304" pitchFamily="18" charset="0"/>
+              </a:rPr>
+              <a:t> = key then</a:t>
+            </a:r>
+          </a:p>
+          <a:p>
+            <a:pPr marL="1371600" lvl="2" indent="-514350" algn="just">
+              <a:buFont typeface="+mj-lt"/>
+              <a:buAutoNum type="romanLcPeriod"/>
+            </a:pPr>
+            <a:r>
+              <a:rPr lang="en-US" altLang="en-US" sz="1200" dirty="0" err="1">
+                <a:latin typeface="Times New Roman" panose="02020603050405020304" pitchFamily="18" charset="0"/>
+                <a:cs typeface="Times New Roman" panose="02020603050405020304" pitchFamily="18" charset="0"/>
+              </a:rPr>
+              <a:t>retval</a:t>
+            </a:r>
+            <a:r>
+              <a:rPr lang="en-US" altLang="en-US" sz="1200" dirty="0">
+                <a:latin typeface="Times New Roman" panose="02020603050405020304" pitchFamily="18" charset="0"/>
+                <a:cs typeface="Times New Roman" panose="02020603050405020304" pitchFamily="18" charset="0"/>
+              </a:rPr>
+              <a:t> </a:t>
+            </a:r>
+            <a:r>
+              <a:rPr lang="en-US" altLang="en-US" sz="1200" dirty="0">
+                <a:latin typeface="Times New Roman" panose="02020603050405020304" pitchFamily="18" charset="0"/>
+                <a:cs typeface="Times New Roman" panose="02020603050405020304" pitchFamily="18" charset="0"/>
+                <a:sym typeface="Wingdings" panose="05000000000000000000" pitchFamily="2" charset="2"/>
+              </a:rPr>
+              <a:t> </a:t>
+            </a:r>
+            <a:r>
+              <a:rPr lang="en-US" altLang="en-US" sz="1200" dirty="0" err="1">
+                <a:latin typeface="Times New Roman" panose="02020603050405020304" pitchFamily="18" charset="0"/>
+                <a:cs typeface="Times New Roman" panose="02020603050405020304" pitchFamily="18" charset="0"/>
+                <a:sym typeface="Wingdings" panose="05000000000000000000" pitchFamily="2" charset="2"/>
+              </a:rPr>
+              <a:t>curr.data</a:t>
+            </a:r>
+            <a:endParaRPr lang="en-US" altLang="en-US" sz="1200" dirty="0">
+              <a:latin typeface="Times New Roman" panose="02020603050405020304" pitchFamily="18" charset="0"/>
+              <a:cs typeface="Times New Roman" panose="02020603050405020304" pitchFamily="18" charset="0"/>
+            </a:endParaRPr>
+          </a:p>
+          <a:p>
+            <a:pPr marL="1371600" lvl="2" indent="-514350" algn="just">
+              <a:buFont typeface="+mj-lt"/>
+              <a:buAutoNum type="romanLcPeriod"/>
+            </a:pPr>
+            <a:r>
+              <a:rPr lang="en-US" altLang="en-US" sz="1200" dirty="0" err="1">
+                <a:latin typeface="Times New Roman" panose="02020603050405020304" pitchFamily="18" charset="0"/>
+                <a:cs typeface="Times New Roman" panose="02020603050405020304" pitchFamily="18" charset="0"/>
+              </a:rPr>
+              <a:t>prev.next</a:t>
+            </a:r>
+            <a:r>
+              <a:rPr lang="en-US" altLang="en-US" sz="1200" dirty="0">
+                <a:latin typeface="Times New Roman" panose="02020603050405020304" pitchFamily="18" charset="0"/>
+                <a:cs typeface="Times New Roman" panose="02020603050405020304" pitchFamily="18" charset="0"/>
+              </a:rPr>
+              <a:t> </a:t>
+            </a:r>
+            <a:r>
+              <a:rPr lang="en-US" altLang="en-US" sz="1200" dirty="0">
+                <a:latin typeface="Times New Roman" panose="02020603050405020304" pitchFamily="18" charset="0"/>
+                <a:cs typeface="Times New Roman" panose="02020603050405020304" pitchFamily="18" charset="0"/>
+                <a:sym typeface="Wingdings" panose="05000000000000000000" pitchFamily="2" charset="2"/>
+              </a:rPr>
+              <a:t> </a:t>
+            </a:r>
+            <a:r>
+              <a:rPr lang="en-US" altLang="en-US" sz="1200" dirty="0" err="1">
+                <a:latin typeface="Times New Roman" panose="02020603050405020304" pitchFamily="18" charset="0"/>
+                <a:cs typeface="Times New Roman" panose="02020603050405020304" pitchFamily="18" charset="0"/>
+                <a:sym typeface="Wingdings" panose="05000000000000000000" pitchFamily="2" charset="2"/>
+              </a:rPr>
+              <a:t>curr.next</a:t>
+            </a:r>
+            <a:endParaRPr lang="en-US" altLang="en-US" sz="1200" dirty="0">
+              <a:latin typeface="Times New Roman" panose="02020603050405020304" pitchFamily="18" charset="0"/>
+              <a:cs typeface="Times New Roman" panose="02020603050405020304" pitchFamily="18" charset="0"/>
+              <a:sym typeface="Wingdings" panose="05000000000000000000" pitchFamily="2" charset="2"/>
+            </a:endParaRPr>
+          </a:p>
+          <a:p>
+            <a:pPr marL="1371600" lvl="2" indent="-514350" algn="just">
+              <a:buFont typeface="+mj-lt"/>
+              <a:buAutoNum type="romanLcPeriod"/>
+            </a:pPr>
+            <a:r>
+              <a:rPr lang="en-US" altLang="en-US" sz="1200" dirty="0">
+                <a:latin typeface="Times New Roman" panose="02020603050405020304" pitchFamily="18" charset="0"/>
+                <a:cs typeface="Times New Roman" panose="02020603050405020304" pitchFamily="18" charset="0"/>
+              </a:rPr>
+              <a:t>Free(</a:t>
+            </a:r>
+            <a:r>
+              <a:rPr lang="en-US" altLang="en-US" sz="1200" dirty="0" err="1">
+                <a:latin typeface="Times New Roman" panose="02020603050405020304" pitchFamily="18" charset="0"/>
+                <a:cs typeface="Times New Roman" panose="02020603050405020304" pitchFamily="18" charset="0"/>
+              </a:rPr>
+              <a:t>curr</a:t>
+            </a:r>
+            <a:r>
+              <a:rPr lang="en-US" altLang="en-US" sz="1200" dirty="0">
+                <a:latin typeface="Times New Roman" panose="02020603050405020304" pitchFamily="18" charset="0"/>
+                <a:cs typeface="Times New Roman" panose="02020603050405020304" pitchFamily="18" charset="0"/>
+              </a:rPr>
+              <a:t>)</a:t>
+            </a:r>
+          </a:p>
+          <a:p>
+            <a:pPr marL="1371600" lvl="2" indent="-514350" algn="just">
+              <a:buFont typeface="+mj-lt"/>
+              <a:buAutoNum type="romanLcPeriod"/>
+            </a:pPr>
+            <a:r>
+              <a:rPr lang="en-US" altLang="en-US" sz="1200" b="1" dirty="0">
+                <a:latin typeface="Times New Roman" panose="02020603050405020304" pitchFamily="18" charset="0"/>
+                <a:cs typeface="Times New Roman" panose="02020603050405020304" pitchFamily="18" charset="0"/>
+              </a:rPr>
+              <a:t>Return</a:t>
+            </a:r>
+            <a:r>
+              <a:rPr lang="en-US" altLang="en-US" sz="1200" dirty="0">
+                <a:latin typeface="Times New Roman" panose="02020603050405020304" pitchFamily="18" charset="0"/>
+                <a:cs typeface="Times New Roman" panose="02020603050405020304" pitchFamily="18" charset="0"/>
+              </a:rPr>
+              <a:t> </a:t>
+            </a:r>
+            <a:r>
+              <a:rPr lang="en-US" altLang="en-US" sz="1200" dirty="0" err="1">
+                <a:latin typeface="Times New Roman" panose="02020603050405020304" pitchFamily="18" charset="0"/>
+                <a:cs typeface="Times New Roman" panose="02020603050405020304" pitchFamily="18" charset="0"/>
+              </a:rPr>
+              <a:t>retval</a:t>
+            </a:r>
+            <a:endParaRPr lang="en-US" altLang="en-US" sz="1200" dirty="0">
+              <a:latin typeface="Times New Roman" panose="02020603050405020304" pitchFamily="18" charset="0"/>
+              <a:cs typeface="Times New Roman" panose="02020603050405020304" pitchFamily="18" charset="0"/>
+            </a:endParaRPr>
+          </a:p>
+          <a:p>
+            <a:pPr marL="914400" lvl="1" indent="-457200" algn="just" fontAlgn="base">
+              <a:spcAft>
+                <a:spcPct val="0"/>
+              </a:spcAft>
+              <a:buFont typeface="+mj-lt"/>
+              <a:buAutoNum type="alphaLcPeriod"/>
+            </a:pPr>
+            <a:r>
+              <a:rPr lang="en-US" altLang="en-US" sz="1200" dirty="0" err="1">
+                <a:latin typeface="Times New Roman" panose="02020603050405020304" pitchFamily="18" charset="0"/>
+                <a:cs typeface="Times New Roman" panose="02020603050405020304" pitchFamily="18" charset="0"/>
+              </a:rPr>
+              <a:t>prev</a:t>
+            </a:r>
+            <a:r>
+              <a:rPr lang="en-US" altLang="en-US" sz="1200" dirty="0">
+                <a:latin typeface="Times New Roman" panose="02020603050405020304" pitchFamily="18" charset="0"/>
+                <a:cs typeface="Times New Roman" panose="02020603050405020304" pitchFamily="18" charset="0"/>
+              </a:rPr>
+              <a:t> </a:t>
+            </a:r>
+            <a:r>
+              <a:rPr lang="en-US" altLang="en-US" sz="1200" dirty="0">
+                <a:latin typeface="Times New Roman" panose="02020603050405020304" pitchFamily="18" charset="0"/>
+                <a:cs typeface="Times New Roman" panose="02020603050405020304" pitchFamily="18" charset="0"/>
+                <a:sym typeface="Wingdings" panose="05000000000000000000" pitchFamily="2" charset="2"/>
+              </a:rPr>
+              <a:t> </a:t>
+            </a:r>
+            <a:r>
+              <a:rPr lang="en-US" altLang="en-US" sz="1200" dirty="0" err="1">
+                <a:latin typeface="Times New Roman" panose="02020603050405020304" pitchFamily="18" charset="0"/>
+                <a:cs typeface="Times New Roman" panose="02020603050405020304" pitchFamily="18" charset="0"/>
+                <a:sym typeface="Wingdings" panose="05000000000000000000" pitchFamily="2" charset="2"/>
+              </a:rPr>
+              <a:t>curr</a:t>
+            </a:r>
+            <a:endParaRPr lang="en-US" altLang="en-US" sz="1200" dirty="0">
+              <a:latin typeface="Times New Roman" panose="02020603050405020304" pitchFamily="18" charset="0"/>
+              <a:cs typeface="Times New Roman" panose="02020603050405020304" pitchFamily="18" charset="0"/>
+              <a:sym typeface="Wingdings" panose="05000000000000000000" pitchFamily="2" charset="2"/>
+            </a:endParaRPr>
+          </a:p>
+          <a:p>
+            <a:pPr marL="914400" lvl="1" indent="-457200" algn="just" fontAlgn="base">
+              <a:spcAft>
+                <a:spcPct val="0"/>
+              </a:spcAft>
+              <a:buFont typeface="+mj-lt"/>
+              <a:buAutoNum type="alphaLcPeriod"/>
+            </a:pPr>
+            <a:r>
+              <a:rPr lang="en-US" altLang="en-US" sz="1200" dirty="0" err="1">
+                <a:latin typeface="Times New Roman" panose="02020603050405020304" pitchFamily="18" charset="0"/>
+                <a:cs typeface="Times New Roman" panose="02020603050405020304" pitchFamily="18" charset="0"/>
+                <a:sym typeface="Wingdings" panose="05000000000000000000" pitchFamily="2" charset="2"/>
+              </a:rPr>
+              <a:t>curr</a:t>
+            </a:r>
+            <a:r>
+              <a:rPr lang="en-US" altLang="en-US" sz="1200" dirty="0">
+                <a:latin typeface="Times New Roman" panose="02020603050405020304" pitchFamily="18" charset="0"/>
+                <a:cs typeface="Times New Roman" panose="02020603050405020304" pitchFamily="18" charset="0"/>
+                <a:sym typeface="Wingdings" panose="05000000000000000000" pitchFamily="2" charset="2"/>
+              </a:rPr>
+              <a:t>  </a:t>
+            </a:r>
+            <a:r>
+              <a:rPr lang="en-US" altLang="en-US" sz="1200" dirty="0" err="1">
+                <a:latin typeface="Times New Roman" panose="02020603050405020304" pitchFamily="18" charset="0"/>
+                <a:cs typeface="Times New Roman" panose="02020603050405020304" pitchFamily="18" charset="0"/>
+                <a:sym typeface="Wingdings" panose="05000000000000000000" pitchFamily="2" charset="2"/>
+              </a:rPr>
+              <a:t>curr.next</a:t>
+            </a:r>
+            <a:endParaRPr lang="en-US" altLang="en-US" sz="1200" dirty="0">
+              <a:latin typeface="Times New Roman" panose="02020603050405020304" pitchFamily="18" charset="0"/>
+              <a:cs typeface="Times New Roman" panose="02020603050405020304" pitchFamily="18" charset="0"/>
+              <a:sym typeface="Wingdings" panose="05000000000000000000" pitchFamily="2" charset="2"/>
+            </a:endParaRPr>
+          </a:p>
+          <a:p>
+            <a:pPr marL="514350" indent="-457200" algn="just" fontAlgn="base">
+              <a:spcAft>
+                <a:spcPct val="0"/>
+              </a:spcAft>
+              <a:buAutoNum type="arabicPeriod"/>
+            </a:pPr>
+            <a:r>
+              <a:rPr lang="en-US" altLang="en-US" sz="1200" dirty="0">
+                <a:latin typeface="Times New Roman" panose="02020603050405020304" pitchFamily="18" charset="0"/>
+                <a:cs typeface="Times New Roman" panose="02020603050405020304" pitchFamily="18" charset="0"/>
+                <a:sym typeface="Wingdings" panose="05000000000000000000" pitchFamily="2" charset="2"/>
+              </a:rPr>
+              <a:t>Print “Data not found”</a:t>
+            </a:r>
+          </a:p>
+          <a:p>
+            <a:pPr marL="514350" indent="-457200" algn="just" fontAlgn="base">
+              <a:spcAft>
+                <a:spcPct val="0"/>
+              </a:spcAft>
+              <a:buAutoNum type="arabicPeriod"/>
+            </a:pPr>
+            <a:r>
+              <a:rPr lang="en-US" altLang="en-US" sz="1200" b="1" dirty="0">
+                <a:latin typeface="Times New Roman" panose="02020603050405020304" pitchFamily="18" charset="0"/>
+                <a:cs typeface="Times New Roman" panose="02020603050405020304" pitchFamily="18" charset="0"/>
+                <a:sym typeface="Wingdings" panose="05000000000000000000" pitchFamily="2" charset="2"/>
+              </a:rPr>
+              <a:t>Return</a:t>
+            </a:r>
+            <a:r>
+              <a:rPr lang="en-US" altLang="en-US" sz="1200" dirty="0">
+                <a:latin typeface="Times New Roman" panose="02020603050405020304" pitchFamily="18" charset="0"/>
+                <a:cs typeface="Times New Roman" panose="02020603050405020304" pitchFamily="18" charset="0"/>
+                <a:sym typeface="Wingdings" panose="05000000000000000000" pitchFamily="2" charset="2"/>
+              </a:rPr>
+              <a:t> NULL</a:t>
+            </a:r>
           </a:p>
         </p:txBody>
       </p:sp>
@@ -39534,7 +40093,13 @@
   <p:cSld>
     <p:spTree>
       <p:nvGrpSpPr>
-        <p:cNvPr id="1" name=""/>
+        <p:cNvPr id="1" name="">
+          <a:extLst>
+            <a:ext uri="{FF2B5EF4-FFF2-40B4-BE49-F238E27FC236}">
+              <a16:creationId xmlns:a16="http://schemas.microsoft.com/office/drawing/2014/main" id="{4AC3774E-EF02-4FE8-C804-0AA49F913511}"/>
+            </a:ext>
+          </a:extLst>
+        </p:cNvPr>
         <p:cNvGrpSpPr/>
         <p:nvPr/>
       </p:nvGrpSpPr>
@@ -39551,7 +40116,7 @@
           <p:cNvPr id="17410" name="Content Placeholder 2">
             <a:extLst>
               <a:ext uri="{FF2B5EF4-FFF2-40B4-BE49-F238E27FC236}">
-                <a16:creationId xmlns:a16="http://schemas.microsoft.com/office/drawing/2014/main" id="{BEF8A033-9BEB-425D-8BD4-26A7E2ED7B49}"/>
+                <a16:creationId xmlns:a16="http://schemas.microsoft.com/office/drawing/2014/main" id="{0E2B98C4-4240-D3B4-67DE-73774A5589F2}"/>
               </a:ext>
             </a:extLst>
           </p:cNvPr>
@@ -39578,18 +40143,18 @@
               </a:spcAft>
             </a:pPr>
             <a:r>
-              <a:rPr lang="en-US" altLang="en-US" dirty="0" err="1">
-                <a:latin typeface="Times New Roman" panose="02020603050405020304" pitchFamily="18" charset="0"/>
-                <a:cs typeface="Times New Roman" panose="02020603050405020304" pitchFamily="18" charset="0"/>
-              </a:rPr>
-              <a:t>deleteatfirst</a:t>
-            </a:r>
-            <a:r>
-              <a:rPr lang="en-US" altLang="en-US" dirty="0">
-                <a:latin typeface="Times New Roman" panose="02020603050405020304" pitchFamily="18" charset="0"/>
-                <a:cs typeface="Times New Roman" panose="02020603050405020304" pitchFamily="18" charset="0"/>
-              </a:rPr>
-              <a:t>(): Delete object at the starting of the linked list.</a:t>
+              <a:rPr lang="en-US" altLang="en-US" sz="1600" dirty="0" err="1">
+                <a:latin typeface="Times New Roman" panose="02020603050405020304" pitchFamily="18" charset="0"/>
+                <a:cs typeface="Times New Roman" panose="02020603050405020304" pitchFamily="18" charset="0"/>
+              </a:rPr>
+              <a:t>insertatany</a:t>
+            </a:r>
+            <a:r>
+              <a:rPr lang="en-US" altLang="en-US" sz="1600" dirty="0">
+                <a:latin typeface="Times New Roman" panose="02020603050405020304" pitchFamily="18" charset="0"/>
+                <a:cs typeface="Times New Roman" panose="02020603050405020304" pitchFamily="18" charset="0"/>
+              </a:rPr>
+              <a:t>(Object o, Object key): Insert object o at the key position of the linked list.</a:t>
             </a:r>
           </a:p>
           <a:p>
@@ -39597,31 +40162,32 @@
               <a:spcAft>
                 <a:spcPct val="0"/>
               </a:spcAft>
+              <a:buFont typeface="Arial" pitchFamily="34" charset="0"/>
               <a:buAutoNum type="arabicPeriod"/>
             </a:pPr>
             <a:r>
-              <a:rPr lang="en-US" altLang="en-US" dirty="0" err="1">
+              <a:rPr lang="en-US" altLang="en-US" sz="1600" dirty="0" err="1">
                 <a:latin typeface="Times New Roman" panose="02020603050405020304" pitchFamily="18" charset="0"/>
                 <a:cs typeface="Times New Roman" panose="02020603050405020304" pitchFamily="18" charset="0"/>
               </a:rPr>
               <a:t>ptr</a:t>
             </a:r>
             <a:r>
-              <a:rPr lang="en-US" altLang="en-US" dirty="0">
+              <a:rPr lang="en-US" altLang="en-US" sz="1600" dirty="0">
                 <a:latin typeface="Times New Roman" panose="02020603050405020304" pitchFamily="18" charset="0"/>
                 <a:cs typeface="Times New Roman" panose="02020603050405020304" pitchFamily="18" charset="0"/>
               </a:rPr>
               <a:t> </a:t>
             </a:r>
             <a:r>
-              <a:rPr lang="en-US" altLang="en-US" dirty="0">
+              <a:rPr lang="en-US" altLang="en-US" sz="1600" dirty="0">
                 <a:latin typeface="Times New Roman" panose="02020603050405020304" pitchFamily="18" charset="0"/>
                 <a:cs typeface="Times New Roman" panose="02020603050405020304" pitchFamily="18" charset="0"/>
                 <a:sym typeface="Wingdings" panose="05000000000000000000" pitchFamily="2" charset="2"/>
               </a:rPr>
               <a:t> header</a:t>
             </a:r>
-            <a:endParaRPr lang="en-US" altLang="en-US" dirty="0">
+            <a:endParaRPr lang="en-US" altLang="en-US" sz="1600" dirty="0">
               <a:latin typeface="Times New Roman" panose="02020603050405020304" pitchFamily="18" charset="0"/>
               <a:cs typeface="Times New Roman" panose="02020603050405020304" pitchFamily="18" charset="0"/>
             </a:endParaRPr>
@@ -39634,35 +40200,35 @@
               <a:buAutoNum type="arabicPeriod"/>
             </a:pPr>
             <a:r>
-              <a:rPr lang="en-US" altLang="en-US" b="1" dirty="0">
+              <a:rPr lang="en-US" altLang="en-US" sz="1600" b="1" dirty="0">
                 <a:latin typeface="Times New Roman" panose="02020603050405020304" pitchFamily="18" charset="0"/>
                 <a:cs typeface="Times New Roman" panose="02020603050405020304" pitchFamily="18" charset="0"/>
               </a:rPr>
               <a:t>if</a:t>
             </a:r>
             <a:r>
-              <a:rPr lang="en-US" altLang="en-US" dirty="0">
+              <a:rPr lang="en-US" altLang="en-US" sz="1600" dirty="0">
                 <a:latin typeface="Times New Roman" panose="02020603050405020304" pitchFamily="18" charset="0"/>
                 <a:cs typeface="Times New Roman" panose="02020603050405020304" pitchFamily="18" charset="0"/>
               </a:rPr>
               <a:t> </a:t>
             </a:r>
             <a:r>
-              <a:rPr lang="en-US" altLang="en-US" dirty="0" err="1">
+              <a:rPr lang="en-US" altLang="en-US" sz="1600" dirty="0" err="1">
                 <a:latin typeface="Times New Roman" panose="02020603050405020304" pitchFamily="18" charset="0"/>
                 <a:cs typeface="Times New Roman" panose="02020603050405020304" pitchFamily="18" charset="0"/>
               </a:rPr>
               <a:t>ptr</a:t>
             </a:r>
             <a:r>
-              <a:rPr lang="en-US" altLang="en-US" dirty="0">
+              <a:rPr lang="en-US" altLang="en-US" sz="1600" dirty="0">
                 <a:latin typeface="Times New Roman" panose="02020603050405020304" pitchFamily="18" charset="0"/>
                 <a:cs typeface="Times New Roman" panose="02020603050405020304" pitchFamily="18" charset="0"/>
               </a:rPr>
               <a:t> = NULL </a:t>
             </a:r>
             <a:r>
-              <a:rPr lang="en-US" altLang="en-US" b="1" dirty="0">
+              <a:rPr lang="en-US" altLang="en-US" sz="1600" b="1" dirty="0">
                 <a:latin typeface="Times New Roman" panose="02020603050405020304" pitchFamily="18" charset="0"/>
                 <a:cs typeface="Times New Roman" panose="02020603050405020304" pitchFamily="18" charset="0"/>
               </a:rPr>
@@ -39678,7 +40244,7 @@
               <a:buAutoNum type="alphaLcPeriod"/>
             </a:pPr>
             <a:r>
-              <a:rPr lang="en-US" altLang="en-US" sz="2400" dirty="0">
+              <a:rPr lang="en-US" altLang="en-US" dirty="0">
                 <a:latin typeface="Times New Roman" panose="02020603050405020304" pitchFamily="18" charset="0"/>
                 <a:cs typeface="Times New Roman" panose="02020603050405020304" pitchFamily="18" charset="0"/>
                 <a:sym typeface="Wingdings" panose="05000000000000000000" pitchFamily="2" charset="2"/>
@@ -39695,7 +40261,7 @@
               <a:buAutoNum type="alphaLcPeriod"/>
             </a:pPr>
             <a:r>
-              <a:rPr lang="en-US" altLang="en-US" sz="2400" dirty="0">
+              <a:rPr lang="en-US" altLang="en-US" dirty="0">
                 <a:latin typeface="Times New Roman" panose="02020603050405020304" pitchFamily="18" charset="0"/>
                 <a:cs typeface="Times New Roman" panose="02020603050405020304" pitchFamily="18" charset="0"/>
                 <a:sym typeface="Wingdings" panose="05000000000000000000" pitchFamily="2" charset="2"/>
@@ -39711,78 +40277,262 @@
               <a:buAutoNum type="arabicPeriod"/>
             </a:pPr>
             <a:r>
+              <a:rPr lang="en-US" altLang="en-US" sz="1600" b="1" dirty="0">
+                <a:latin typeface="Times New Roman" panose="02020603050405020304" pitchFamily="18" charset="0"/>
+                <a:cs typeface="Times New Roman" panose="02020603050405020304" pitchFamily="18" charset="0"/>
+              </a:rPr>
+              <a:t>while </a:t>
+            </a:r>
+            <a:r>
+              <a:rPr lang="en-US" altLang="en-US" sz="1600" dirty="0" err="1">
+                <a:latin typeface="Times New Roman" panose="02020603050405020304" pitchFamily="18" charset="0"/>
+                <a:cs typeface="Times New Roman" panose="02020603050405020304" pitchFamily="18" charset="0"/>
+              </a:rPr>
+              <a:t>ptr</a:t>
+            </a:r>
+            <a:r>
+              <a:rPr lang="en-US" altLang="en-US" sz="1600" dirty="0">
+                <a:latin typeface="Times New Roman" panose="02020603050405020304" pitchFamily="18" charset="0"/>
+                <a:cs typeface="Times New Roman" panose="02020603050405020304" pitchFamily="18" charset="0"/>
+              </a:rPr>
+              <a:t> ≠ NULL </a:t>
+            </a:r>
+            <a:r>
+              <a:rPr lang="en-US" altLang="en-US" sz="1600" b="1" dirty="0">
+                <a:latin typeface="Times New Roman" panose="02020603050405020304" pitchFamily="18" charset="0"/>
+                <a:cs typeface="Times New Roman" panose="02020603050405020304" pitchFamily="18" charset="0"/>
+              </a:rPr>
+              <a:t>do</a:t>
+            </a:r>
+          </a:p>
+          <a:p>
+            <a:pPr marL="914400" lvl="1" indent="-457200" algn="just" fontAlgn="base">
+              <a:spcAft>
+                <a:spcPct val="0"/>
+              </a:spcAft>
+              <a:buFont typeface="+mj-lt"/>
+              <a:buAutoNum type="alphaLcPeriod"/>
+            </a:pPr>
+            <a:r>
+              <a:rPr lang="en-US" altLang="en-US" b="1" dirty="0">
+                <a:latin typeface="Times New Roman" panose="02020603050405020304" pitchFamily="18" charset="0"/>
+                <a:cs typeface="Times New Roman" panose="02020603050405020304" pitchFamily="18" charset="0"/>
+              </a:rPr>
+              <a:t>if</a:t>
+            </a:r>
+            <a:r>
+              <a:rPr lang="en-US" altLang="en-US" dirty="0">
+                <a:latin typeface="Times New Roman" panose="02020603050405020304" pitchFamily="18" charset="0"/>
+                <a:cs typeface="Times New Roman" panose="02020603050405020304" pitchFamily="18" charset="0"/>
+              </a:rPr>
+              <a:t> </a:t>
+            </a:r>
+            <a:r>
               <a:rPr lang="en-US" altLang="en-US" dirty="0" err="1">
                 <a:latin typeface="Times New Roman" panose="02020603050405020304" pitchFamily="18" charset="0"/>
                 <a:cs typeface="Times New Roman" panose="02020603050405020304" pitchFamily="18" charset="0"/>
-                <a:sym typeface="Wingdings" panose="05000000000000000000" pitchFamily="2" charset="2"/>
-              </a:rPr>
-              <a:t>retvalue</a:t>
+              </a:rPr>
+              <a:t>ptr.data</a:t>
             </a:r>
             <a:r>
               <a:rPr lang="en-US" altLang="en-US" dirty="0">
                 <a:latin typeface="Times New Roman" panose="02020603050405020304" pitchFamily="18" charset="0"/>
                 <a:cs typeface="Times New Roman" panose="02020603050405020304" pitchFamily="18" charset="0"/>
+              </a:rPr>
+              <a:t> = key </a:t>
+            </a:r>
+            <a:r>
+              <a:rPr lang="en-US" altLang="en-US" b="1" dirty="0">
+                <a:latin typeface="Times New Roman" panose="02020603050405020304" pitchFamily="18" charset="0"/>
+                <a:cs typeface="Times New Roman" panose="02020603050405020304" pitchFamily="18" charset="0"/>
+              </a:rPr>
+              <a:t>then</a:t>
+            </a:r>
+          </a:p>
+          <a:p>
+            <a:pPr lvl="2" indent="-285750" algn="just">
+              <a:buFont typeface="+mj-lt"/>
+              <a:buAutoNum type="romanLcPeriod"/>
+            </a:pPr>
+            <a:r>
+              <a:rPr lang="en-US" altLang="en-US" sz="1600" dirty="0" err="1">
+                <a:latin typeface="Times New Roman" panose="02020603050405020304" pitchFamily="18" charset="0"/>
+                <a:cs typeface="Times New Roman" panose="02020603050405020304" pitchFamily="18" charset="0"/>
+              </a:rPr>
+              <a:t>newnode</a:t>
+            </a:r>
+            <a:r>
+              <a:rPr lang="en-US" altLang="en-US" sz="1600" dirty="0">
+                <a:latin typeface="Times New Roman" panose="02020603050405020304" pitchFamily="18" charset="0"/>
+                <a:cs typeface="Times New Roman" panose="02020603050405020304" pitchFamily="18" charset="0"/>
+              </a:rPr>
+              <a:t> </a:t>
+            </a:r>
+            <a:r>
+              <a:rPr lang="en-US" altLang="en-US" sz="1600" dirty="0">
+                <a:latin typeface="Times New Roman" panose="02020603050405020304" pitchFamily="18" charset="0"/>
+                <a:cs typeface="Times New Roman" panose="02020603050405020304" pitchFamily="18" charset="0"/>
+                <a:sym typeface="Wingdings" panose="05000000000000000000" pitchFamily="2" charset="2"/>
+              </a:rPr>
+              <a:t> </a:t>
+            </a:r>
+            <a:r>
+              <a:rPr lang="en-US" altLang="en-US" sz="1600" dirty="0" err="1">
+                <a:latin typeface="Times New Roman" panose="02020603050405020304" pitchFamily="18" charset="0"/>
+                <a:cs typeface="Times New Roman" panose="02020603050405020304" pitchFamily="18" charset="0"/>
+                <a:sym typeface="Wingdings" panose="05000000000000000000" pitchFamily="2" charset="2"/>
+              </a:rPr>
+              <a:t>Getnode</a:t>
+            </a:r>
+            <a:r>
+              <a:rPr lang="en-US" altLang="en-US" sz="1600" dirty="0">
+                <a:latin typeface="Times New Roman" panose="02020603050405020304" pitchFamily="18" charset="0"/>
+                <a:cs typeface="Times New Roman" panose="02020603050405020304" pitchFamily="18" charset="0"/>
+                <a:sym typeface="Wingdings" panose="05000000000000000000" pitchFamily="2" charset="2"/>
+              </a:rPr>
+              <a:t>( )</a:t>
+            </a:r>
+          </a:p>
+          <a:p>
+            <a:pPr lvl="2" indent="-285750" algn="just">
+              <a:buFont typeface="+mj-lt"/>
+              <a:buAutoNum type="romanLcPeriod"/>
+            </a:pPr>
+            <a:r>
+              <a:rPr lang="en-US" altLang="en-US" sz="1600" dirty="0" err="1">
+                <a:latin typeface="Times New Roman" panose="02020603050405020304" pitchFamily="18" charset="0"/>
+                <a:cs typeface="Times New Roman" panose="02020603050405020304" pitchFamily="18" charset="0"/>
+              </a:rPr>
+              <a:t>newnode.data</a:t>
+            </a:r>
+            <a:r>
+              <a:rPr lang="en-US" altLang="en-US" sz="1600" dirty="0">
+                <a:latin typeface="Times New Roman" panose="02020603050405020304" pitchFamily="18" charset="0"/>
+                <a:cs typeface="Times New Roman" panose="02020603050405020304" pitchFamily="18" charset="0"/>
+              </a:rPr>
+              <a:t> </a:t>
+            </a:r>
+            <a:r>
+              <a:rPr lang="en-US" altLang="en-US" sz="1600" dirty="0">
+                <a:latin typeface="Times New Roman" panose="02020603050405020304" pitchFamily="18" charset="0"/>
+                <a:cs typeface="Times New Roman" panose="02020603050405020304" pitchFamily="18" charset="0"/>
+                <a:sym typeface="Wingdings" panose="05000000000000000000" pitchFamily="2" charset="2"/>
+              </a:rPr>
+              <a:t> o</a:t>
+            </a:r>
+          </a:p>
+          <a:p>
+            <a:pPr marL="1314450" lvl="2" indent="-457200" algn="just">
+              <a:buFont typeface="+mj-lt"/>
+              <a:buAutoNum type="romanLcPeriod"/>
+            </a:pPr>
+            <a:r>
+              <a:rPr lang="en-US" altLang="en-US" sz="1600" dirty="0" err="1">
+                <a:latin typeface="Times New Roman" panose="02020603050405020304" pitchFamily="18" charset="0"/>
+                <a:cs typeface="Times New Roman" panose="02020603050405020304" pitchFamily="18" charset="0"/>
+                <a:sym typeface="Wingdings" panose="05000000000000000000" pitchFamily="2" charset="2"/>
+              </a:rPr>
+              <a:t>newnode.next</a:t>
+            </a:r>
+            <a:r>
+              <a:rPr lang="en-US" altLang="en-US" sz="1600" dirty="0">
+                <a:latin typeface="Times New Roman" panose="02020603050405020304" pitchFamily="18" charset="0"/>
+                <a:cs typeface="Times New Roman" panose="02020603050405020304" pitchFamily="18" charset="0"/>
                 <a:sym typeface="Wingdings" panose="05000000000000000000" pitchFamily="2" charset="2"/>
               </a:rPr>
               <a:t>  </a:t>
             </a:r>
             <a:r>
-              <a:rPr lang="en-US" altLang="en-US" dirty="0" err="1">
-                <a:latin typeface="Times New Roman" panose="02020603050405020304" pitchFamily="18" charset="0"/>
-                <a:cs typeface="Times New Roman" panose="02020603050405020304" pitchFamily="18" charset="0"/>
-                <a:sym typeface="Wingdings" panose="05000000000000000000" pitchFamily="2" charset="2"/>
-              </a:rPr>
-              <a:t>ptr.data</a:t>
-            </a:r>
-            <a:endParaRPr lang="en-US" altLang="en-US" dirty="0">
+              <a:rPr lang="en-US" altLang="en-US" sz="1600" dirty="0" err="1">
+                <a:latin typeface="Times New Roman" panose="02020603050405020304" pitchFamily="18" charset="0"/>
+                <a:cs typeface="Times New Roman" panose="02020603050405020304" pitchFamily="18" charset="0"/>
+                <a:sym typeface="Wingdings" panose="05000000000000000000" pitchFamily="2" charset="2"/>
+              </a:rPr>
+              <a:t>ptr.next</a:t>
+            </a:r>
+            <a:endParaRPr lang="en-US" altLang="en-US" sz="1600" dirty="0">
               <a:latin typeface="Times New Roman" panose="02020603050405020304" pitchFamily="18" charset="0"/>
               <a:cs typeface="Times New Roman" panose="02020603050405020304" pitchFamily="18" charset="0"/>
               <a:sym typeface="Wingdings" panose="05000000000000000000" pitchFamily="2" charset="2"/>
             </a:endParaRPr>
           </a:p>
           <a:p>
-            <a:pPr marL="514350" indent="-457200" algn="just" fontAlgn="base">
-              <a:spcAft>
-                <a:spcPct val="0"/>
-              </a:spcAft>
-              <a:buAutoNum type="arabicPeriod"/>
-            </a:pPr>
-            <a:r>
-              <a:rPr lang="en-US" altLang="en-US" dirty="0" err="1">
-                <a:latin typeface="Times New Roman" panose="02020603050405020304" pitchFamily="18" charset="0"/>
-                <a:cs typeface="Times New Roman" panose="02020603050405020304" pitchFamily="18" charset="0"/>
-                <a:sym typeface="Wingdings" panose="05000000000000000000" pitchFamily="2" charset="2"/>
-              </a:rPr>
-              <a:t>headerptr.next</a:t>
-            </a:r>
-            <a:endParaRPr lang="en-US" altLang="en-US" dirty="0">
+            <a:pPr marL="1314450" lvl="2" indent="-457200" algn="just">
+              <a:buFont typeface="+mj-lt"/>
+              <a:buAutoNum type="romanLcPeriod"/>
+            </a:pPr>
+            <a:r>
+              <a:rPr lang="en-US" altLang="en-US" sz="1600" dirty="0" err="1">
+                <a:latin typeface="Times New Roman" panose="02020603050405020304" pitchFamily="18" charset="0"/>
+                <a:cs typeface="Times New Roman" panose="02020603050405020304" pitchFamily="18" charset="0"/>
+                <a:sym typeface="Wingdings" panose="05000000000000000000" pitchFamily="2" charset="2"/>
+              </a:rPr>
+              <a:t>newnode.prevptr</a:t>
+            </a:r>
+            <a:endParaRPr lang="en-US" altLang="en-US" sz="1600" dirty="0">
               <a:latin typeface="Times New Roman" panose="02020603050405020304" pitchFamily="18" charset="0"/>
               <a:cs typeface="Times New Roman" panose="02020603050405020304" pitchFamily="18" charset="0"/>
               <a:sym typeface="Wingdings" panose="05000000000000000000" pitchFamily="2" charset="2"/>
             </a:endParaRPr>
           </a:p>
           <a:p>
-            <a:pPr marL="514350" indent="-457200" algn="just" fontAlgn="base">
-              <a:spcAft>
-                <a:spcPct val="0"/>
-              </a:spcAft>
-              <a:buAutoNum type="arabicPeriod"/>
-            </a:pPr>
-            <a:r>
-              <a:rPr lang="en-US" altLang="en-US" dirty="0" err="1">
-                <a:latin typeface="Times New Roman" panose="02020603050405020304" pitchFamily="18" charset="0"/>
-                <a:cs typeface="Times New Roman" panose="02020603050405020304" pitchFamily="18" charset="0"/>
-                <a:sym typeface="Wingdings" panose="05000000000000000000" pitchFamily="2" charset="2"/>
-              </a:rPr>
-              <a:t>header.prevNULL</a:t>
-            </a:r>
-            <a:endParaRPr lang="en-US" altLang="en-US" dirty="0">
+            <a:pPr marL="1314450" lvl="2" indent="-457200" algn="just">
+              <a:buAutoNum type="romanLcPeriod"/>
+            </a:pPr>
+            <a:r>
+              <a:rPr lang="en-US" altLang="en-US" sz="1600" dirty="0" err="1">
+                <a:latin typeface="Times New Roman" panose="02020603050405020304" pitchFamily="18" charset="0"/>
+                <a:cs typeface="Times New Roman" panose="02020603050405020304" pitchFamily="18" charset="0"/>
+                <a:sym typeface="Wingdings" panose="05000000000000000000" pitchFamily="2" charset="2"/>
+              </a:rPr>
+              <a:t>ptr.nextnewnode</a:t>
+            </a:r>
+            <a:endParaRPr lang="en-US" altLang="en-US" sz="1600" dirty="0">
               <a:latin typeface="Times New Roman" panose="02020603050405020304" pitchFamily="18" charset="0"/>
               <a:cs typeface="Times New Roman" panose="02020603050405020304" pitchFamily="18" charset="0"/>
               <a:sym typeface="Wingdings" panose="05000000000000000000" pitchFamily="2" charset="2"/>
             </a:endParaRPr>
           </a:p>
           <a:p>
+            <a:pPr marL="1314450" lvl="2" indent="-457200" algn="just">
+              <a:buAutoNum type="romanLcPeriod"/>
+            </a:pPr>
+            <a:r>
+              <a:rPr lang="en-US" altLang="en-US" sz="1600" dirty="0">
+                <a:latin typeface="Times New Roman" panose="02020603050405020304" pitchFamily="18" charset="0"/>
+                <a:cs typeface="Times New Roman" panose="02020603050405020304" pitchFamily="18" charset="0"/>
+                <a:sym typeface="Wingdings" panose="05000000000000000000" pitchFamily="2" charset="2"/>
+              </a:rPr>
+              <a:t>ptr1ptr.next</a:t>
+            </a:r>
+          </a:p>
+          <a:p>
+            <a:pPr marL="1314450" lvl="2" indent="-457200" algn="just">
+              <a:buAutoNum type="romanLcPeriod"/>
+            </a:pPr>
+            <a:r>
+              <a:rPr lang="en-US" altLang="en-US" sz="1600" dirty="0">
+                <a:latin typeface="Times New Roman" panose="02020603050405020304" pitchFamily="18" charset="0"/>
+                <a:cs typeface="Times New Roman" panose="02020603050405020304" pitchFamily="18" charset="0"/>
+                <a:sym typeface="Wingdings" panose="05000000000000000000" pitchFamily="2" charset="2"/>
+              </a:rPr>
+              <a:t>ptr1.prevnewnode</a:t>
+            </a:r>
+          </a:p>
+          <a:p>
+            <a:pPr marL="1314450" lvl="2" indent="-457200" algn="just">
+              <a:buAutoNum type="romanLcPeriod"/>
+            </a:pPr>
+            <a:r>
+              <a:rPr lang="en-US" altLang="en-US" sz="1600" b="1" dirty="0">
+                <a:latin typeface="Times New Roman" panose="02020603050405020304" pitchFamily="18" charset="0"/>
+                <a:cs typeface="Times New Roman" panose="02020603050405020304" pitchFamily="18" charset="0"/>
+                <a:sym typeface="Wingdings" panose="05000000000000000000" pitchFamily="2" charset="2"/>
+              </a:rPr>
+              <a:t>Return</a:t>
+            </a:r>
+          </a:p>
+          <a:p>
             <a:pPr marL="514350" indent="-457200" algn="just" fontAlgn="base">
               <a:spcAft>
                 <a:spcPct val="0"/>
@@ -39790,28 +40540,12 @@
               <a:buAutoNum type="arabicPeriod"/>
             </a:pPr>
             <a:r>
-              <a:rPr lang="en-US" altLang="en-US" dirty="0">
-                <a:latin typeface="Times New Roman" panose="02020603050405020304" pitchFamily="18" charset="0"/>
-                <a:cs typeface="Times New Roman" panose="02020603050405020304" pitchFamily="18" charset="0"/>
-                <a:sym typeface="Wingdings" panose="05000000000000000000" pitchFamily="2" charset="2"/>
-              </a:rPr>
-              <a:t>Free(</a:t>
-            </a:r>
-            <a:r>
-              <a:rPr lang="en-US" altLang="en-US" dirty="0" err="1">
-                <a:latin typeface="Times New Roman" panose="02020603050405020304" pitchFamily="18" charset="0"/>
-                <a:cs typeface="Times New Roman" panose="02020603050405020304" pitchFamily="18" charset="0"/>
-                <a:sym typeface="Wingdings" panose="05000000000000000000" pitchFamily="2" charset="2"/>
-              </a:rPr>
-              <a:t>ptr</a:t>
-            </a:r>
-            <a:r>
-              <a:rPr lang="en-US" altLang="en-US" dirty="0">
-                <a:latin typeface="Times New Roman" panose="02020603050405020304" pitchFamily="18" charset="0"/>
-                <a:cs typeface="Times New Roman" panose="02020603050405020304" pitchFamily="18" charset="0"/>
-                <a:sym typeface="Wingdings" panose="05000000000000000000" pitchFamily="2" charset="2"/>
-              </a:rPr>
-              <a:t>)</a:t>
+              <a:rPr lang="en-US" altLang="en-US" sz="1600" dirty="0">
+                <a:latin typeface="Times New Roman" panose="02020603050405020304" pitchFamily="18" charset="0"/>
+                <a:cs typeface="Times New Roman" panose="02020603050405020304" pitchFamily="18" charset="0"/>
+                <a:sym typeface="Wingdings" panose="05000000000000000000" pitchFamily="2" charset="2"/>
+              </a:rPr>
+              <a:t>Print “Data not found”</a:t>
             </a:r>
           </a:p>
           <a:p>
@@ -39822,44 +40556,17 @@
               <a:buAutoNum type="arabicPeriod"/>
             </a:pPr>
             <a:r>
-              <a:rPr lang="en-US" altLang="en-US" b="1" dirty="0">
-                <a:latin typeface="Times New Roman" panose="02020603050405020304" pitchFamily="18" charset="0"/>
-                <a:cs typeface="Times New Roman" panose="02020603050405020304" pitchFamily="18" charset="0"/>
-                <a:sym typeface="Wingdings" panose="05000000000000000000" pitchFamily="2" charset="2"/>
-              </a:rPr>
-              <a:t>return</a:t>
-            </a:r>
-            <a:r>
-              <a:rPr lang="en-US" altLang="en-US" dirty="0">
-                <a:latin typeface="Times New Roman" panose="02020603050405020304" pitchFamily="18" charset="0"/>
-                <a:cs typeface="Times New Roman" panose="02020603050405020304" pitchFamily="18" charset="0"/>
-                <a:sym typeface="Wingdings" panose="05000000000000000000" pitchFamily="2" charset="2"/>
-              </a:rPr>
-              <a:t> </a:t>
-            </a:r>
-            <a:r>
-              <a:rPr lang="en-US" altLang="en-US" dirty="0" err="1">
-                <a:latin typeface="Times New Roman" panose="02020603050405020304" pitchFamily="18" charset="0"/>
-                <a:cs typeface="Times New Roman" panose="02020603050405020304" pitchFamily="18" charset="0"/>
-                <a:sym typeface="Wingdings" panose="05000000000000000000" pitchFamily="2" charset="2"/>
-              </a:rPr>
-              <a:t>retval</a:t>
-            </a:r>
-            <a:endParaRPr lang="en-US" altLang="en-US" dirty="0">
+              <a:rPr lang="en-US" altLang="en-US" sz="1600" b="1" dirty="0">
+                <a:latin typeface="Times New Roman" panose="02020603050405020304" pitchFamily="18" charset="0"/>
+                <a:cs typeface="Times New Roman" panose="02020603050405020304" pitchFamily="18" charset="0"/>
+                <a:sym typeface="Wingdings" panose="05000000000000000000" pitchFamily="2" charset="2"/>
+              </a:rPr>
+              <a:t>Return</a:t>
+            </a:r>
+            <a:endParaRPr lang="en-US" altLang="en-US" sz="1600" dirty="0">
               <a:latin typeface="Times New Roman" panose="02020603050405020304" pitchFamily="18" charset="0"/>
               <a:cs typeface="Times New Roman" panose="02020603050405020304" pitchFamily="18" charset="0"/>
               <a:sym typeface="Wingdings" panose="05000000000000000000" pitchFamily="2" charset="2"/>
-            </a:endParaRPr>
-          </a:p>
-          <a:p>
-            <a:pPr marL="57150" indent="0" algn="just" fontAlgn="base">
-              <a:spcAft>
-                <a:spcPct val="0"/>
-              </a:spcAft>
-            </a:pPr>
-            <a:endParaRPr lang="en-US" altLang="en-US" dirty="0">
-              <a:latin typeface="Times New Roman" panose="02020603050405020304" pitchFamily="18" charset="0"/>
-              <a:cs typeface="Times New Roman" panose="02020603050405020304" pitchFamily="18" charset="0"/>
             </a:endParaRPr>
           </a:p>
         </p:txBody>
@@ -39869,7 +40576,7 @@
           <p:cNvPr id="4" name="Content Placeholder 3">
             <a:extLst>
               <a:ext uri="{FF2B5EF4-FFF2-40B4-BE49-F238E27FC236}">
-                <a16:creationId xmlns:a16="http://schemas.microsoft.com/office/drawing/2014/main" id="{34B17C67-4D7A-4EF2-AC38-E8D5F700E17C}"/>
+                <a16:creationId xmlns:a16="http://schemas.microsoft.com/office/drawing/2014/main" id="{6FD036E3-A314-89B0-B8EE-6E6D9EF28950}"/>
               </a:ext>
             </a:extLst>
           </p:cNvPr>
@@ -39905,7 +40612,7 @@
     </p:spTree>
     <p:extLst>
       <p:ext uri="{BB962C8B-B14F-4D97-AF65-F5344CB8AC3E}">
-        <p14:creationId xmlns:p14="http://schemas.microsoft.com/office/powerpoint/2010/main" val="3578766705"/>
+        <p14:creationId xmlns:p14="http://schemas.microsoft.com/office/powerpoint/2010/main" val="1058741679"/>
       </p:ext>
     </p:extLst>
   </p:cSld>
@@ -39968,14 +40675,14 @@
                 <a:latin typeface="Times New Roman" panose="02020603050405020304" pitchFamily="18" charset="0"/>
                 <a:cs typeface="Times New Roman" panose="02020603050405020304" pitchFamily="18" charset="0"/>
               </a:rPr>
-              <a:t>deleteatlast</a:t>
+              <a:t>deleteatfirst</a:t>
             </a:r>
             <a:r>
               <a:rPr lang="en-US" altLang="en-US" dirty="0">
                 <a:latin typeface="Times New Roman" panose="02020603050405020304" pitchFamily="18" charset="0"/>
                 <a:cs typeface="Times New Roman" panose="02020603050405020304" pitchFamily="18" charset="0"/>
               </a:rPr>
-              <a:t>(): Delete object at the last of the linked list.</a:t>
+              <a:t>(): Delete object at the starting of the linked list.</a:t>
             </a:r>
           </a:p>
           <a:p>
@@ -40097,75 +40804,28 @@
               <a:buAutoNum type="arabicPeriod"/>
             </a:pPr>
             <a:r>
-              <a:rPr lang="en-US" altLang="en-US" b="1" dirty="0">
-                <a:latin typeface="Times New Roman" panose="02020603050405020304" pitchFamily="18" charset="0"/>
-                <a:cs typeface="Times New Roman" panose="02020603050405020304" pitchFamily="18" charset="0"/>
-              </a:rPr>
-              <a:t>while </a:t>
-            </a:r>
-            <a:r>
               <a:rPr lang="en-US" altLang="en-US" dirty="0" err="1">
                 <a:latin typeface="Times New Roman" panose="02020603050405020304" pitchFamily="18" charset="0"/>
                 <a:cs typeface="Times New Roman" panose="02020603050405020304" pitchFamily="18" charset="0"/>
-              </a:rPr>
-              <a:t>ptr.next</a:t>
+                <a:sym typeface="Wingdings" panose="05000000000000000000" pitchFamily="2" charset="2"/>
+              </a:rPr>
+              <a:t>retvalue</a:t>
             </a:r>
             <a:r>
               <a:rPr lang="en-US" altLang="en-US" dirty="0">
                 <a:latin typeface="Times New Roman" panose="02020603050405020304" pitchFamily="18" charset="0"/>
                 <a:cs typeface="Times New Roman" panose="02020603050405020304" pitchFamily="18" charset="0"/>
-              </a:rPr>
-              <a:t> ≠ NULL </a:t>
-            </a:r>
-            <a:r>
-              <a:rPr lang="en-US" altLang="en-US" b="1" dirty="0">
-                <a:latin typeface="Times New Roman" panose="02020603050405020304" pitchFamily="18" charset="0"/>
-                <a:cs typeface="Times New Roman" panose="02020603050405020304" pitchFamily="18" charset="0"/>
-              </a:rPr>
-              <a:t>do</a:t>
-            </a:r>
-            <a:endParaRPr lang="en-US" altLang="en-US" dirty="0">
-              <a:latin typeface="Times New Roman" panose="02020603050405020304" pitchFamily="18" charset="0"/>
-              <a:cs typeface="Times New Roman" panose="02020603050405020304" pitchFamily="18" charset="0"/>
-            </a:endParaRPr>
-          </a:p>
-          <a:p>
-            <a:pPr marL="914400" lvl="1" indent="-457200" algn="just" fontAlgn="base">
-              <a:spcAft>
-                <a:spcPct val="0"/>
-              </a:spcAft>
-              <a:buFont typeface="+mj-lt"/>
-              <a:buAutoNum type="alphaLcPeriod"/>
-            </a:pPr>
-            <a:r>
-              <a:rPr lang="en-US" altLang="en-US" sz="2400" dirty="0" err="1">
-                <a:latin typeface="Times New Roman" panose="02020603050405020304" pitchFamily="18" charset="0"/>
-                <a:cs typeface="Times New Roman" panose="02020603050405020304" pitchFamily="18" charset="0"/>
-              </a:rPr>
-              <a:t>ptr</a:t>
-            </a:r>
-            <a:r>
-              <a:rPr lang="en-US" altLang="en-US" sz="2400" dirty="0">
-                <a:latin typeface="Times New Roman" panose="02020603050405020304" pitchFamily="18" charset="0"/>
-                <a:cs typeface="Times New Roman" panose="02020603050405020304" pitchFamily="18" charset="0"/>
-              </a:rPr>
-              <a:t> </a:t>
-            </a:r>
-            <a:r>
-              <a:rPr lang="en-US" altLang="en-US" sz="2400" dirty="0">
-                <a:latin typeface="Times New Roman" panose="02020603050405020304" pitchFamily="18" charset="0"/>
-                <a:cs typeface="Times New Roman" panose="02020603050405020304" pitchFamily="18" charset="0"/>
-                <a:sym typeface="Wingdings" panose="05000000000000000000" pitchFamily="2" charset="2"/>
-              </a:rPr>
-              <a:t> </a:t>
-            </a:r>
-            <a:r>
-              <a:rPr lang="en-US" altLang="en-US" sz="2400" dirty="0" err="1">
-                <a:latin typeface="Times New Roman" panose="02020603050405020304" pitchFamily="18" charset="0"/>
-                <a:cs typeface="Times New Roman" panose="02020603050405020304" pitchFamily="18" charset="0"/>
-                <a:sym typeface="Wingdings" panose="05000000000000000000" pitchFamily="2" charset="2"/>
-              </a:rPr>
-              <a:t>ptr.next</a:t>
+                <a:sym typeface="Wingdings" panose="05000000000000000000" pitchFamily="2" charset="2"/>
+              </a:rPr>
+              <a:t>  </a:t>
+            </a:r>
+            <a:r>
+              <a:rPr lang="en-US" altLang="en-US" dirty="0" err="1">
+                <a:latin typeface="Times New Roman" panose="02020603050405020304" pitchFamily="18" charset="0"/>
+                <a:cs typeface="Times New Roman" panose="02020603050405020304" pitchFamily="18" charset="0"/>
+                <a:sym typeface="Wingdings" panose="05000000000000000000" pitchFamily="2" charset="2"/>
+              </a:rPr>
+              <a:t>ptr.data</a:t>
             </a:r>
             <a:endParaRPr lang="en-US" altLang="en-US" dirty="0">
               <a:latin typeface="Times New Roman" panose="02020603050405020304" pitchFamily="18" charset="0"/>
@@ -40186,7 +40846,7 @@
                 <a:cs typeface="Times New Roman" panose="02020603050405020304" pitchFamily="18" charset="0"/>
                 <a:sym typeface="Wingdings" panose="05000000000000000000" pitchFamily="2" charset="2"/>
               </a:rPr>
-              <a:t>retvalptr.data</a:t>
+              <a:t>headerptr.next</a:t>
             </a:r>
             <a:endParaRPr lang="en-US" altLang="en-US" dirty="0">
               <a:latin typeface="Times New Roman" panose="02020603050405020304" pitchFamily="18" charset="0"/>
@@ -40202,36 +40862,12 @@
               <a:buAutoNum type="arabicPeriod"/>
             </a:pPr>
             <a:r>
-              <a:rPr lang="en-US" altLang="en-US" dirty="0">
-                <a:latin typeface="Times New Roman" panose="02020603050405020304" pitchFamily="18" charset="0"/>
-                <a:cs typeface="Times New Roman" panose="02020603050405020304" pitchFamily="18" charset="0"/>
-                <a:sym typeface="Wingdings" panose="05000000000000000000" pitchFamily="2" charset="2"/>
-              </a:rPr>
-              <a:t>(</a:t>
-            </a:r>
-            <a:r>
               <a:rPr lang="en-US" altLang="en-US" dirty="0" err="1">
                 <a:latin typeface="Times New Roman" panose="02020603050405020304" pitchFamily="18" charset="0"/>
                 <a:cs typeface="Times New Roman" panose="02020603050405020304" pitchFamily="18" charset="0"/>
                 <a:sym typeface="Wingdings" panose="05000000000000000000" pitchFamily="2" charset="2"/>
               </a:rPr>
-              <a:t>ptr.prev</a:t>
-            </a:r>
-            <a:r>
-              <a:rPr lang="en-US" altLang="en-US" dirty="0">
-                <a:latin typeface="Times New Roman" panose="02020603050405020304" pitchFamily="18" charset="0"/>
-                <a:cs typeface="Times New Roman" panose="02020603050405020304" pitchFamily="18" charset="0"/>
-                <a:sym typeface="Wingdings" panose="05000000000000000000" pitchFamily="2" charset="2"/>
-              </a:rPr>
-              <a:t>).</a:t>
-            </a:r>
-            <a:r>
-              <a:rPr lang="en-US" altLang="en-US" dirty="0" err="1">
-                <a:latin typeface="Times New Roman" panose="02020603050405020304" pitchFamily="18" charset="0"/>
-                <a:cs typeface="Times New Roman" panose="02020603050405020304" pitchFamily="18" charset="0"/>
-                <a:sym typeface="Wingdings" panose="05000000000000000000" pitchFamily="2" charset="2"/>
-              </a:rPr>
-              <a:t>nextNULL</a:t>
+              <a:t>header.prevNULL</a:t>
             </a:r>
             <a:endParaRPr lang="en-US" altLang="en-US" dirty="0">
               <a:latin typeface="Times New Roman" panose="02020603050405020304" pitchFamily="18" charset="0"/>
@@ -40306,6 +40942,17 @@
               <a:latin typeface="Times New Roman" panose="02020603050405020304" pitchFamily="18" charset="0"/>
               <a:cs typeface="Times New Roman" panose="02020603050405020304" pitchFamily="18" charset="0"/>
               <a:sym typeface="Wingdings" panose="05000000000000000000" pitchFamily="2" charset="2"/>
+            </a:endParaRPr>
+          </a:p>
+          <a:p>
+            <a:pPr marL="57150" indent="0" algn="just" fontAlgn="base">
+              <a:spcAft>
+                <a:spcPct val="0"/>
+              </a:spcAft>
+            </a:pPr>
+            <a:endParaRPr lang="en-US" altLang="en-US" dirty="0">
+              <a:latin typeface="Times New Roman" panose="02020603050405020304" pitchFamily="18" charset="0"/>
+              <a:cs typeface="Times New Roman" panose="02020603050405020304" pitchFamily="18" charset="0"/>
             </a:endParaRPr>
           </a:p>
         </p:txBody>
@@ -40351,7 +40998,7 @@
     </p:spTree>
     <p:extLst>
       <p:ext uri="{BB962C8B-B14F-4D97-AF65-F5344CB8AC3E}">
-        <p14:creationId xmlns:p14="http://schemas.microsoft.com/office/powerpoint/2010/main" val="3648015549"/>
+        <p14:creationId xmlns:p14="http://schemas.microsoft.com/office/powerpoint/2010/main" val="3578766705"/>
       </p:ext>
     </p:extLst>
   </p:cSld>
@@ -40410,18 +41057,18 @@
               </a:spcAft>
             </a:pPr>
             <a:r>
-              <a:rPr lang="en-US" altLang="en-US" sz="2000" dirty="0" err="1">
-                <a:latin typeface="Times New Roman" panose="02020603050405020304" pitchFamily="18" charset="0"/>
-                <a:cs typeface="Times New Roman" panose="02020603050405020304" pitchFamily="18" charset="0"/>
-              </a:rPr>
-              <a:t>deleteatany</a:t>
-            </a:r>
-            <a:r>
-              <a:rPr lang="en-US" altLang="en-US" sz="2000" dirty="0">
-                <a:latin typeface="Times New Roman" panose="02020603050405020304" pitchFamily="18" charset="0"/>
-                <a:cs typeface="Times New Roman" panose="02020603050405020304" pitchFamily="18" charset="0"/>
-              </a:rPr>
-              <a:t>(key): Delete object at the key position of the linked list.</a:t>
+              <a:rPr lang="en-US" altLang="en-US" dirty="0" err="1">
+                <a:latin typeface="Times New Roman" panose="02020603050405020304" pitchFamily="18" charset="0"/>
+                <a:cs typeface="Times New Roman" panose="02020603050405020304" pitchFamily="18" charset="0"/>
+              </a:rPr>
+              <a:t>deleteatlast</a:t>
+            </a:r>
+            <a:r>
+              <a:rPr lang="en-US" altLang="en-US" dirty="0">
+                <a:latin typeface="Times New Roman" panose="02020603050405020304" pitchFamily="18" charset="0"/>
+                <a:cs typeface="Times New Roman" panose="02020603050405020304" pitchFamily="18" charset="0"/>
+              </a:rPr>
+              <a:t>(): Delete object at the last of the linked list.</a:t>
             </a:r>
           </a:p>
           <a:p>
@@ -40432,28 +41079,28 @@
               <a:buAutoNum type="arabicPeriod"/>
             </a:pPr>
             <a:r>
-              <a:rPr lang="en-US" altLang="en-US" sz="2000" dirty="0" err="1">
+              <a:rPr lang="en-US" altLang="en-US" dirty="0" err="1">
                 <a:latin typeface="Times New Roman" panose="02020603050405020304" pitchFamily="18" charset="0"/>
                 <a:cs typeface="Times New Roman" panose="02020603050405020304" pitchFamily="18" charset="0"/>
               </a:rPr>
               <a:t>ptr</a:t>
             </a:r>
             <a:r>
-              <a:rPr lang="en-US" altLang="en-US" sz="2000" dirty="0">
+              <a:rPr lang="en-US" altLang="en-US" dirty="0">
                 <a:latin typeface="Times New Roman" panose="02020603050405020304" pitchFamily="18" charset="0"/>
                 <a:cs typeface="Times New Roman" panose="02020603050405020304" pitchFamily="18" charset="0"/>
               </a:rPr>
               <a:t> </a:t>
             </a:r>
             <a:r>
-              <a:rPr lang="en-US" altLang="en-US" sz="2000" dirty="0">
+              <a:rPr lang="en-US" altLang="en-US" dirty="0">
                 <a:latin typeface="Times New Roman" panose="02020603050405020304" pitchFamily="18" charset="0"/>
                 <a:cs typeface="Times New Roman" panose="02020603050405020304" pitchFamily="18" charset="0"/>
                 <a:sym typeface="Wingdings" panose="05000000000000000000" pitchFamily="2" charset="2"/>
               </a:rPr>
               <a:t> header</a:t>
             </a:r>
-            <a:endParaRPr lang="en-US" altLang="en-US" sz="2000" dirty="0">
+            <a:endParaRPr lang="en-US" altLang="en-US" dirty="0">
               <a:latin typeface="Times New Roman" panose="02020603050405020304" pitchFamily="18" charset="0"/>
               <a:cs typeface="Times New Roman" panose="02020603050405020304" pitchFamily="18" charset="0"/>
             </a:endParaRPr>
@@ -40466,35 +41113,35 @@
               <a:buAutoNum type="arabicPeriod"/>
             </a:pPr>
             <a:r>
-              <a:rPr lang="en-US" altLang="en-US" sz="2000" b="1" dirty="0">
+              <a:rPr lang="en-US" altLang="en-US" b="1" dirty="0">
                 <a:latin typeface="Times New Roman" panose="02020603050405020304" pitchFamily="18" charset="0"/>
                 <a:cs typeface="Times New Roman" panose="02020603050405020304" pitchFamily="18" charset="0"/>
               </a:rPr>
               <a:t>if</a:t>
             </a:r>
             <a:r>
-              <a:rPr lang="en-US" altLang="en-US" sz="2000" dirty="0">
+              <a:rPr lang="en-US" altLang="en-US" dirty="0">
                 <a:latin typeface="Times New Roman" panose="02020603050405020304" pitchFamily="18" charset="0"/>
                 <a:cs typeface="Times New Roman" panose="02020603050405020304" pitchFamily="18" charset="0"/>
               </a:rPr>
               <a:t> </a:t>
             </a:r>
             <a:r>
-              <a:rPr lang="en-US" altLang="en-US" sz="2000" dirty="0" err="1">
+              <a:rPr lang="en-US" altLang="en-US" dirty="0" err="1">
                 <a:latin typeface="Times New Roman" panose="02020603050405020304" pitchFamily="18" charset="0"/>
                 <a:cs typeface="Times New Roman" panose="02020603050405020304" pitchFamily="18" charset="0"/>
               </a:rPr>
               <a:t>ptr</a:t>
             </a:r>
             <a:r>
-              <a:rPr lang="en-US" altLang="en-US" sz="2000" dirty="0">
+              <a:rPr lang="en-US" altLang="en-US" dirty="0">
                 <a:latin typeface="Times New Roman" panose="02020603050405020304" pitchFamily="18" charset="0"/>
                 <a:cs typeface="Times New Roman" panose="02020603050405020304" pitchFamily="18" charset="0"/>
               </a:rPr>
               <a:t> = NULL </a:t>
             </a:r>
             <a:r>
-              <a:rPr lang="en-US" altLang="en-US" sz="2000" b="1" dirty="0">
+              <a:rPr lang="en-US" altLang="en-US" b="1" dirty="0">
                 <a:latin typeface="Times New Roman" panose="02020603050405020304" pitchFamily="18" charset="0"/>
                 <a:cs typeface="Times New Roman" panose="02020603050405020304" pitchFamily="18" charset="0"/>
               </a:rPr>
@@ -40510,7 +41157,7 @@
               <a:buAutoNum type="alphaLcPeriod"/>
             </a:pPr>
             <a:r>
-              <a:rPr lang="en-US" altLang="en-US" sz="2000" dirty="0">
+              <a:rPr lang="en-US" altLang="en-US" sz="2400" dirty="0">
                 <a:latin typeface="Times New Roman" panose="02020603050405020304" pitchFamily="18" charset="0"/>
                 <a:cs typeface="Times New Roman" panose="02020603050405020304" pitchFamily="18" charset="0"/>
                 <a:sym typeface="Wingdings" panose="05000000000000000000" pitchFamily="2" charset="2"/>
@@ -40527,7 +41174,7 @@
               <a:buAutoNum type="alphaLcPeriod"/>
             </a:pPr>
             <a:r>
-              <a:rPr lang="en-US" altLang="en-US" sz="2000" dirty="0">
+              <a:rPr lang="en-US" altLang="en-US" sz="2400" dirty="0">
                 <a:latin typeface="Times New Roman" panose="02020603050405020304" pitchFamily="18" charset="0"/>
                 <a:cs typeface="Times New Roman" panose="02020603050405020304" pitchFamily="18" charset="0"/>
                 <a:sym typeface="Wingdings" panose="05000000000000000000" pitchFamily="2" charset="2"/>
@@ -40543,34 +41190,34 @@
               <a:buAutoNum type="arabicPeriod"/>
             </a:pPr>
             <a:r>
-              <a:rPr lang="en-US" altLang="en-US" sz="2000" b="1" dirty="0">
+              <a:rPr lang="en-US" altLang="en-US" b="1" dirty="0">
                 <a:latin typeface="Times New Roman" panose="02020603050405020304" pitchFamily="18" charset="0"/>
                 <a:cs typeface="Times New Roman" panose="02020603050405020304" pitchFamily="18" charset="0"/>
               </a:rPr>
               <a:t>while </a:t>
             </a:r>
             <a:r>
-              <a:rPr lang="en-US" altLang="en-US" sz="2000" dirty="0" err="1">
-                <a:latin typeface="Times New Roman" panose="02020603050405020304" pitchFamily="18" charset="0"/>
-                <a:cs typeface="Times New Roman" panose="02020603050405020304" pitchFamily="18" charset="0"/>
-              </a:rPr>
-              <a:t>ptr.data</a:t>
-            </a:r>
-            <a:r>
-              <a:rPr lang="en-US" altLang="en-US" sz="2000" dirty="0">
-                <a:latin typeface="Times New Roman" panose="02020603050405020304" pitchFamily="18" charset="0"/>
-                <a:cs typeface="Times New Roman" panose="02020603050405020304" pitchFamily="18" charset="0"/>
-              </a:rPr>
-              <a:t> ≠ Key </a:t>
-            </a:r>
-            <a:r>
-              <a:rPr lang="en-US" altLang="en-US" sz="2000" b="1" dirty="0">
+              <a:rPr lang="en-US" altLang="en-US" dirty="0" err="1">
+                <a:latin typeface="Times New Roman" panose="02020603050405020304" pitchFamily="18" charset="0"/>
+                <a:cs typeface="Times New Roman" panose="02020603050405020304" pitchFamily="18" charset="0"/>
+              </a:rPr>
+              <a:t>ptr.next</a:t>
+            </a:r>
+            <a:r>
+              <a:rPr lang="en-US" altLang="en-US" dirty="0">
+                <a:latin typeface="Times New Roman" panose="02020603050405020304" pitchFamily="18" charset="0"/>
+                <a:cs typeface="Times New Roman" panose="02020603050405020304" pitchFamily="18" charset="0"/>
+              </a:rPr>
+              <a:t> ≠ NULL </a:t>
+            </a:r>
+            <a:r>
+              <a:rPr lang="en-US" altLang="en-US" b="1" dirty="0">
                 <a:latin typeface="Times New Roman" panose="02020603050405020304" pitchFamily="18" charset="0"/>
                 <a:cs typeface="Times New Roman" panose="02020603050405020304" pitchFamily="18" charset="0"/>
               </a:rPr>
               <a:t>do</a:t>
             </a:r>
-            <a:endParaRPr lang="en-US" altLang="en-US" sz="2000" dirty="0">
+            <a:endParaRPr lang="en-US" altLang="en-US" dirty="0">
               <a:latin typeface="Times New Roman" panose="02020603050405020304" pitchFamily="18" charset="0"/>
               <a:cs typeface="Times New Roman" panose="02020603050405020304" pitchFamily="18" charset="0"/>
             </a:endParaRPr>
@@ -40584,21 +41231,21 @@
               <a:buAutoNum type="alphaLcPeriod"/>
             </a:pPr>
             <a:r>
-              <a:rPr lang="en-US" altLang="en-US" sz="2000" dirty="0" err="1">
+              <a:rPr lang="en-US" altLang="en-US" sz="2400" dirty="0" err="1">
                 <a:latin typeface="Times New Roman" panose="02020603050405020304" pitchFamily="18" charset="0"/>
                 <a:cs typeface="Times New Roman" panose="02020603050405020304" pitchFamily="18" charset="0"/>
               </a:rPr>
               <a:t>ptr</a:t>
             </a:r>
             <a:r>
-              <a:rPr lang="en-US" altLang="en-US" sz="2000" dirty="0">
+              <a:rPr lang="en-US" altLang="en-US" sz="2400" dirty="0">
                 <a:latin typeface="Times New Roman" panose="02020603050405020304" pitchFamily="18" charset="0"/>
                 <a:cs typeface="Times New Roman" panose="02020603050405020304" pitchFamily="18" charset="0"/>
               </a:rPr>
               <a:t> </a:t>
             </a:r>
             <a:r>
-              <a:rPr lang="en-US" altLang="en-US" sz="2000" dirty="0">
+              <a:rPr lang="en-US" altLang="en-US" sz="2400" dirty="0">
                 <a:latin typeface="Times New Roman" panose="02020603050405020304" pitchFamily="18" charset="0"/>
                 <a:cs typeface="Times New Roman" panose="02020603050405020304" pitchFamily="18" charset="0"/>
                 <a:sym typeface="Wingdings" panose="05000000000000000000" pitchFamily="2" charset="2"/>
@@ -40606,14 +41253,14 @@
               <a:t> </a:t>
             </a:r>
             <a:r>
-              <a:rPr lang="en-US" altLang="en-US" sz="2000" dirty="0" err="1">
+              <a:rPr lang="en-US" altLang="en-US" sz="2400" dirty="0" err="1">
                 <a:latin typeface="Times New Roman" panose="02020603050405020304" pitchFamily="18" charset="0"/>
                 <a:cs typeface="Times New Roman" panose="02020603050405020304" pitchFamily="18" charset="0"/>
                 <a:sym typeface="Wingdings" panose="05000000000000000000" pitchFamily="2" charset="2"/>
               </a:rPr>
               <a:t>ptr.next</a:t>
             </a:r>
-            <a:endParaRPr lang="en-US" altLang="en-US" sz="2000" dirty="0">
+            <a:endParaRPr lang="en-US" altLang="en-US" dirty="0">
               <a:latin typeface="Times New Roman" panose="02020603050405020304" pitchFamily="18" charset="0"/>
               <a:cs typeface="Times New Roman" panose="02020603050405020304" pitchFamily="18" charset="0"/>
               <a:sym typeface="Wingdings" panose="05000000000000000000" pitchFamily="2" charset="2"/>
@@ -40627,14 +41274,14 @@
               <a:buAutoNum type="arabicPeriod"/>
             </a:pPr>
             <a:r>
-              <a:rPr lang="en-US" altLang="en-US" sz="2000" dirty="0" err="1">
+              <a:rPr lang="en-US" altLang="en-US" dirty="0" err="1">
                 <a:latin typeface="Times New Roman" panose="02020603050405020304" pitchFamily="18" charset="0"/>
                 <a:cs typeface="Times New Roman" panose="02020603050405020304" pitchFamily="18" charset="0"/>
                 <a:sym typeface="Wingdings" panose="05000000000000000000" pitchFamily="2" charset="2"/>
               </a:rPr>
               <a:t>retvalptr.data</a:t>
             </a:r>
-            <a:endParaRPr lang="en-US" altLang="en-US" sz="2000" dirty="0">
+            <a:endParaRPr lang="en-US" altLang="en-US" dirty="0">
               <a:latin typeface="Times New Roman" panose="02020603050405020304" pitchFamily="18" charset="0"/>
               <a:cs typeface="Times New Roman" panose="02020603050405020304" pitchFamily="18" charset="0"/>
               <a:sym typeface="Wingdings" panose="05000000000000000000" pitchFamily="2" charset="2"/>
@@ -40648,7 +41295,7 @@
               <a:buAutoNum type="arabicPeriod"/>
             </a:pPr>
             <a:r>
-              <a:rPr lang="en-US" altLang="en-US" sz="2000" dirty="0">
+              <a:rPr lang="en-US" altLang="en-US" dirty="0">
                 <a:latin typeface="Times New Roman" panose="02020603050405020304" pitchFamily="18" charset="0"/>
                 <a:cs typeface="Times New Roman" panose="02020603050405020304" pitchFamily="18" charset="0"/>
                 <a:sym typeface="Wingdings" panose="05000000000000000000" pitchFamily="2" charset="2"/>
@@ -40656,15 +41303,15 @@
               <a:t>(</a:t>
             </a:r>
             <a:r>
-              <a:rPr lang="en-US" altLang="en-US" sz="2000" dirty="0" err="1">
-                <a:latin typeface="Times New Roman" panose="02020603050405020304" pitchFamily="18" charset="0"/>
-                <a:cs typeface="Times New Roman" panose="02020603050405020304" pitchFamily="18" charset="0"/>
-                <a:sym typeface="Wingdings" panose="05000000000000000000" pitchFamily="2" charset="2"/>
-              </a:rPr>
-              <a:t>ptr.next</a:t>
-            </a:r>
-            <a:r>
-              <a:rPr lang="en-US" altLang="en-US" sz="2000" dirty="0">
+              <a:rPr lang="en-US" altLang="en-US" dirty="0" err="1">
+                <a:latin typeface="Times New Roman" panose="02020603050405020304" pitchFamily="18" charset="0"/>
+                <a:cs typeface="Times New Roman" panose="02020603050405020304" pitchFamily="18" charset="0"/>
+                <a:sym typeface="Wingdings" panose="05000000000000000000" pitchFamily="2" charset="2"/>
+              </a:rPr>
+              <a:t>ptr.prev</a:t>
+            </a:r>
+            <a:r>
+              <a:rPr lang="en-US" altLang="en-US" dirty="0">
                 <a:latin typeface="Times New Roman" panose="02020603050405020304" pitchFamily="18" charset="0"/>
                 <a:cs typeface="Times New Roman" panose="02020603050405020304" pitchFamily="18" charset="0"/>
                 <a:sym typeface="Wingdings" panose="05000000000000000000" pitchFamily="2" charset="2"/>
@@ -40672,14 +41319,14 @@
               <a:t>).</a:t>
             </a:r>
             <a:r>
-              <a:rPr lang="en-US" altLang="en-US" sz="2000" dirty="0" err="1">
-                <a:latin typeface="Times New Roman" panose="02020603050405020304" pitchFamily="18" charset="0"/>
-                <a:cs typeface="Times New Roman" panose="02020603050405020304" pitchFamily="18" charset="0"/>
-                <a:sym typeface="Wingdings" panose="05000000000000000000" pitchFamily="2" charset="2"/>
-              </a:rPr>
-              <a:t>prevptr.prev</a:t>
-            </a:r>
-            <a:endParaRPr lang="en-US" altLang="en-US" sz="2000" dirty="0">
+              <a:rPr lang="en-US" altLang="en-US" dirty="0" err="1">
+                <a:latin typeface="Times New Roman" panose="02020603050405020304" pitchFamily="18" charset="0"/>
+                <a:cs typeface="Times New Roman" panose="02020603050405020304" pitchFamily="18" charset="0"/>
+                <a:sym typeface="Wingdings" panose="05000000000000000000" pitchFamily="2" charset="2"/>
+              </a:rPr>
+              <a:t>nextNULL</a:t>
+            </a:r>
+            <a:endParaRPr lang="en-US" altLang="en-US" dirty="0">
               <a:latin typeface="Times New Roman" panose="02020603050405020304" pitchFamily="18" charset="0"/>
               <a:cs typeface="Times New Roman" panose="02020603050405020304" pitchFamily="18" charset="0"/>
               <a:sym typeface="Wingdings" panose="05000000000000000000" pitchFamily="2" charset="2"/>
@@ -40690,46 +41337,32 @@
               <a:spcAft>
                 <a:spcPct val="0"/>
               </a:spcAft>
-              <a:buFont typeface="Arial" pitchFamily="34" charset="0"/>
               <a:buAutoNum type="arabicPeriod"/>
             </a:pPr>
             <a:r>
-              <a:rPr lang="en-US" altLang="en-US" sz="2000" dirty="0">
-                <a:latin typeface="Times New Roman" panose="02020603050405020304" pitchFamily="18" charset="0"/>
-                <a:cs typeface="Times New Roman" panose="02020603050405020304" pitchFamily="18" charset="0"/>
-                <a:sym typeface="Wingdings" panose="05000000000000000000" pitchFamily="2" charset="2"/>
-              </a:rPr>
-              <a:t>(</a:t>
-            </a:r>
-            <a:r>
-              <a:rPr lang="en-US" altLang="en-US" sz="2000" dirty="0" err="1">
-                <a:latin typeface="Times New Roman" panose="02020603050405020304" pitchFamily="18" charset="0"/>
-                <a:cs typeface="Times New Roman" panose="02020603050405020304" pitchFamily="18" charset="0"/>
-                <a:sym typeface="Wingdings" panose="05000000000000000000" pitchFamily="2" charset="2"/>
-              </a:rPr>
-              <a:t>ptr.prev</a:t>
-            </a:r>
-            <a:r>
-              <a:rPr lang="en-US" altLang="en-US" sz="2000" dirty="0">
-                <a:latin typeface="Times New Roman" panose="02020603050405020304" pitchFamily="18" charset="0"/>
-                <a:cs typeface="Times New Roman" panose="02020603050405020304" pitchFamily="18" charset="0"/>
-                <a:sym typeface="Wingdings" panose="05000000000000000000" pitchFamily="2" charset="2"/>
-              </a:rPr>
-              <a:t>).</a:t>
-            </a:r>
-            <a:r>
-              <a:rPr lang="en-US" altLang="en-US" sz="2000" dirty="0" err="1">
-                <a:latin typeface="Times New Roman" panose="02020603050405020304" pitchFamily="18" charset="0"/>
-                <a:cs typeface="Times New Roman" panose="02020603050405020304" pitchFamily="18" charset="0"/>
-                <a:sym typeface="Wingdings" panose="05000000000000000000" pitchFamily="2" charset="2"/>
-              </a:rPr>
-              <a:t>nextptr.next</a:t>
-            </a:r>
-            <a:endParaRPr lang="en-US" altLang="en-US" sz="2000" dirty="0">
-              <a:latin typeface="Times New Roman" panose="02020603050405020304" pitchFamily="18" charset="0"/>
-              <a:cs typeface="Times New Roman" panose="02020603050405020304" pitchFamily="18" charset="0"/>
-              <a:sym typeface="Wingdings" panose="05000000000000000000" pitchFamily="2" charset="2"/>
-            </a:endParaRPr>
+              <a:rPr lang="en-US" altLang="en-US" dirty="0">
+                <a:latin typeface="Times New Roman" panose="02020603050405020304" pitchFamily="18" charset="0"/>
+                <a:cs typeface="Times New Roman" panose="02020603050405020304" pitchFamily="18" charset="0"/>
+                <a:sym typeface="Wingdings" panose="05000000000000000000" pitchFamily="2" charset="2"/>
+              </a:rPr>
+              <a:t>Free(</a:t>
+            </a:r>
+            <a:r>
+              <a:rPr lang="en-US" altLang="en-US" dirty="0" err="1">
+                <a:latin typeface="Times New Roman" panose="02020603050405020304" pitchFamily="18" charset="0"/>
+                <a:cs typeface="Times New Roman" panose="02020603050405020304" pitchFamily="18" charset="0"/>
+                <a:sym typeface="Wingdings" panose="05000000000000000000" pitchFamily="2" charset="2"/>
+              </a:rPr>
+              <a:t>ptr</a:t>
+            </a:r>
+            <a:r>
+              <a:rPr lang="en-US" altLang="en-US" dirty="0">
+                <a:latin typeface="Times New Roman" panose="02020603050405020304" pitchFamily="18" charset="0"/>
+                <a:cs typeface="Times New Roman" panose="02020603050405020304" pitchFamily="18" charset="0"/>
+                <a:sym typeface="Wingdings" panose="05000000000000000000" pitchFamily="2" charset="2"/>
+              </a:rPr>
+              <a:t>)</a:t>
+            </a:r>
           </a:p>
           <a:p>
             <a:pPr marL="514350" indent="-457200" algn="just" fontAlgn="base">
@@ -40739,39 +41372,7 @@
               <a:buAutoNum type="arabicPeriod"/>
             </a:pPr>
             <a:r>
-              <a:rPr lang="en-US" altLang="en-US" sz="2000" dirty="0">
-                <a:latin typeface="Times New Roman" panose="02020603050405020304" pitchFamily="18" charset="0"/>
-                <a:cs typeface="Times New Roman" panose="02020603050405020304" pitchFamily="18" charset="0"/>
-                <a:sym typeface="Wingdings" panose="05000000000000000000" pitchFamily="2" charset="2"/>
-              </a:rPr>
-              <a:t>Free(</a:t>
-            </a:r>
-            <a:r>
-              <a:rPr lang="en-US" altLang="en-US" sz="2000" dirty="0" err="1">
-                <a:latin typeface="Times New Roman" panose="02020603050405020304" pitchFamily="18" charset="0"/>
-                <a:cs typeface="Times New Roman" panose="02020603050405020304" pitchFamily="18" charset="0"/>
-                <a:sym typeface="Wingdings" panose="05000000000000000000" pitchFamily="2" charset="2"/>
-              </a:rPr>
-              <a:t>ptr</a:t>
-            </a:r>
-            <a:r>
-              <a:rPr lang="en-US" altLang="en-US" sz="2000" dirty="0">
-                <a:latin typeface="Times New Roman" panose="02020603050405020304" pitchFamily="18" charset="0"/>
-                <a:cs typeface="Times New Roman" panose="02020603050405020304" pitchFamily="18" charset="0"/>
-                <a:sym typeface="Wingdings" panose="05000000000000000000" pitchFamily="2" charset="2"/>
-              </a:rPr>
-              <a:t>)</a:t>
-            </a:r>
-          </a:p>
-          <a:p>
-            <a:pPr marL="514350" indent="-457200" algn="just" fontAlgn="base">
-              <a:spcAft>
-                <a:spcPct val="0"/>
-              </a:spcAft>
-              <a:buAutoNum type="arabicPeriod"/>
-            </a:pPr>
-            <a:r>
-              <a:rPr lang="en-US" altLang="en-US" sz="2000" b="1" dirty="0">
+              <a:rPr lang="en-US" altLang="en-US" b="1" dirty="0">
                 <a:latin typeface="Times New Roman" panose="02020603050405020304" pitchFamily="18" charset="0"/>
                 <a:cs typeface="Times New Roman" panose="02020603050405020304" pitchFamily="18" charset="0"/>
                 <a:sym typeface="Wingdings" panose="05000000000000000000" pitchFamily="2" charset="2"/>
@@ -40779,7 +41380,7 @@
               <a:t>return</a:t>
             </a:r>
             <a:r>
-              <a:rPr lang="en-US" altLang="en-US" sz="2000" dirty="0">
+              <a:rPr lang="en-US" altLang="en-US" dirty="0">
                 <a:latin typeface="Times New Roman" panose="02020603050405020304" pitchFamily="18" charset="0"/>
                 <a:cs typeface="Times New Roman" panose="02020603050405020304" pitchFamily="18" charset="0"/>
                 <a:sym typeface="Wingdings" panose="05000000000000000000" pitchFamily="2" charset="2"/>
@@ -40787,14 +41388,14 @@
               <a:t> </a:t>
             </a:r>
             <a:r>
-              <a:rPr lang="en-US" altLang="en-US" sz="2000" dirty="0" err="1">
+              <a:rPr lang="en-US" altLang="en-US" dirty="0" err="1">
                 <a:latin typeface="Times New Roman" panose="02020603050405020304" pitchFamily="18" charset="0"/>
                 <a:cs typeface="Times New Roman" panose="02020603050405020304" pitchFamily="18" charset="0"/>
                 <a:sym typeface="Wingdings" panose="05000000000000000000" pitchFamily="2" charset="2"/>
               </a:rPr>
               <a:t>retval</a:t>
             </a:r>
-            <a:endParaRPr lang="en-US" altLang="en-US" sz="2000" dirty="0">
+            <a:endParaRPr lang="en-US" altLang="en-US" dirty="0">
               <a:latin typeface="Times New Roman" panose="02020603050405020304" pitchFamily="18" charset="0"/>
               <a:cs typeface="Times New Roman" panose="02020603050405020304" pitchFamily="18" charset="0"/>
               <a:sym typeface="Wingdings" panose="05000000000000000000" pitchFamily="2" charset="2"/>
@@ -40843,7 +41444,7 @@
     </p:spTree>
     <p:extLst>
       <p:ext uri="{BB962C8B-B14F-4D97-AF65-F5344CB8AC3E}">
-        <p14:creationId xmlns:p14="http://schemas.microsoft.com/office/powerpoint/2010/main" val="2986274329"/>
+        <p14:creationId xmlns:p14="http://schemas.microsoft.com/office/powerpoint/2010/main" val="3648015549"/>
       </p:ext>
     </p:extLst>
   </p:cSld>
@@ -40902,11 +41503,18 @@
               </a:spcAft>
             </a:pPr>
             <a:r>
-              <a:rPr lang="en-US" altLang="en-US" dirty="0">
-                <a:latin typeface="Times New Roman" panose="02020603050405020304" pitchFamily="18" charset="0"/>
-                <a:cs typeface="Times New Roman" panose="02020603050405020304" pitchFamily="18" charset="0"/>
-              </a:rPr>
-              <a:t>merge(header1,header2,header): Attach linked list2 behind linked list 1</a:t>
+              <a:rPr lang="en-US" altLang="en-US" sz="2000" dirty="0" err="1">
+                <a:latin typeface="Times New Roman" panose="02020603050405020304" pitchFamily="18" charset="0"/>
+                <a:cs typeface="Times New Roman" panose="02020603050405020304" pitchFamily="18" charset="0"/>
+              </a:rPr>
+              <a:t>deleteatany</a:t>
+            </a:r>
+            <a:r>
+              <a:rPr lang="en-US" altLang="en-US" sz="2000" dirty="0">
+                <a:latin typeface="Times New Roman" panose="02020603050405020304" pitchFamily="18" charset="0"/>
+                <a:cs typeface="Times New Roman" panose="02020603050405020304" pitchFamily="18" charset="0"/>
+              </a:rPr>
+              <a:t>(key): Delete object at the key position of the linked list.</a:t>
             </a:r>
           </a:p>
           <a:p>
@@ -40917,28 +41525,28 @@
               <a:buAutoNum type="arabicPeriod"/>
             </a:pPr>
             <a:r>
-              <a:rPr lang="en-US" altLang="en-US" dirty="0" err="1">
+              <a:rPr lang="en-US" altLang="en-US" sz="2000" dirty="0" err="1">
                 <a:latin typeface="Times New Roman" panose="02020603050405020304" pitchFamily="18" charset="0"/>
                 <a:cs typeface="Times New Roman" panose="02020603050405020304" pitchFamily="18" charset="0"/>
               </a:rPr>
               <a:t>ptr</a:t>
             </a:r>
             <a:r>
-              <a:rPr lang="en-US" altLang="en-US" dirty="0">
+              <a:rPr lang="en-US" altLang="en-US" sz="2000" dirty="0">
                 <a:latin typeface="Times New Roman" panose="02020603050405020304" pitchFamily="18" charset="0"/>
                 <a:cs typeface="Times New Roman" panose="02020603050405020304" pitchFamily="18" charset="0"/>
               </a:rPr>
               <a:t> </a:t>
             </a:r>
             <a:r>
-              <a:rPr lang="en-US" altLang="en-US" dirty="0">
-                <a:latin typeface="Times New Roman" panose="02020603050405020304" pitchFamily="18" charset="0"/>
-                <a:cs typeface="Times New Roman" panose="02020603050405020304" pitchFamily="18" charset="0"/>
-                <a:sym typeface="Wingdings" panose="05000000000000000000" pitchFamily="2" charset="2"/>
-              </a:rPr>
-              <a:t> header1</a:t>
-            </a:r>
-            <a:endParaRPr lang="en-US" altLang="en-US" dirty="0">
+              <a:rPr lang="en-US" altLang="en-US" sz="2000" dirty="0">
+                <a:latin typeface="Times New Roman" panose="02020603050405020304" pitchFamily="18" charset="0"/>
+                <a:cs typeface="Times New Roman" panose="02020603050405020304" pitchFamily="18" charset="0"/>
+                <a:sym typeface="Wingdings" panose="05000000000000000000" pitchFamily="2" charset="2"/>
+              </a:rPr>
+              <a:t> header</a:t>
+            </a:r>
+            <a:endParaRPr lang="en-US" altLang="en-US" sz="2000" dirty="0">
               <a:latin typeface="Times New Roman" panose="02020603050405020304" pitchFamily="18" charset="0"/>
               <a:cs typeface="Times New Roman" panose="02020603050405020304" pitchFamily="18" charset="0"/>
             </a:endParaRPr>
@@ -40951,34 +41559,111 @@
               <a:buAutoNum type="arabicPeriod"/>
             </a:pPr>
             <a:r>
-              <a:rPr lang="en-US" altLang="en-US" b="1" dirty="0">
+              <a:rPr lang="en-US" altLang="en-US" sz="2000" b="1" dirty="0">
+                <a:latin typeface="Times New Roman" panose="02020603050405020304" pitchFamily="18" charset="0"/>
+                <a:cs typeface="Times New Roman" panose="02020603050405020304" pitchFamily="18" charset="0"/>
+              </a:rPr>
+              <a:t>if</a:t>
+            </a:r>
+            <a:r>
+              <a:rPr lang="en-US" altLang="en-US" sz="2000" dirty="0">
+                <a:latin typeface="Times New Roman" panose="02020603050405020304" pitchFamily="18" charset="0"/>
+                <a:cs typeface="Times New Roman" panose="02020603050405020304" pitchFamily="18" charset="0"/>
+              </a:rPr>
+              <a:t> </a:t>
+            </a:r>
+            <a:r>
+              <a:rPr lang="en-US" altLang="en-US" sz="2000" dirty="0" err="1">
+                <a:latin typeface="Times New Roman" panose="02020603050405020304" pitchFamily="18" charset="0"/>
+                <a:cs typeface="Times New Roman" panose="02020603050405020304" pitchFamily="18" charset="0"/>
+              </a:rPr>
+              <a:t>ptr</a:t>
+            </a:r>
+            <a:r>
+              <a:rPr lang="en-US" altLang="en-US" sz="2000" dirty="0">
+                <a:latin typeface="Times New Roman" panose="02020603050405020304" pitchFamily="18" charset="0"/>
+                <a:cs typeface="Times New Roman" panose="02020603050405020304" pitchFamily="18" charset="0"/>
+              </a:rPr>
+              <a:t> = NULL </a:t>
+            </a:r>
+            <a:r>
+              <a:rPr lang="en-US" altLang="en-US" sz="2000" b="1" dirty="0">
+                <a:latin typeface="Times New Roman" panose="02020603050405020304" pitchFamily="18" charset="0"/>
+                <a:cs typeface="Times New Roman" panose="02020603050405020304" pitchFamily="18" charset="0"/>
+              </a:rPr>
+              <a:t>then</a:t>
+            </a:r>
+          </a:p>
+          <a:p>
+            <a:pPr marL="914400" lvl="1" indent="-457200" algn="just" fontAlgn="base">
+              <a:spcAft>
+                <a:spcPct val="0"/>
+              </a:spcAft>
+              <a:buFont typeface="+mj-lt"/>
+              <a:buAutoNum type="alphaLcPeriod"/>
+            </a:pPr>
+            <a:r>
+              <a:rPr lang="en-US" altLang="en-US" sz="2000" dirty="0">
+                <a:latin typeface="Times New Roman" panose="02020603050405020304" pitchFamily="18" charset="0"/>
+                <a:cs typeface="Times New Roman" panose="02020603050405020304" pitchFamily="18" charset="0"/>
+                <a:sym typeface="Wingdings" panose="05000000000000000000" pitchFamily="2" charset="2"/>
+              </a:rPr>
+              <a:t>Print “List Empty”</a:t>
+            </a:r>
+          </a:p>
+          <a:p>
+            <a:pPr marL="914400" lvl="1" indent="-457200" algn="just" fontAlgn="base">
+              <a:spcAft>
+                <a:spcPct val="0"/>
+              </a:spcAft>
+              <a:buFont typeface="+mj-lt"/>
+              <a:buAutoNum type="alphaLcPeriod"/>
+            </a:pPr>
+            <a:r>
+              <a:rPr lang="en-US" altLang="en-US" sz="2000" dirty="0">
+                <a:latin typeface="Times New Roman" panose="02020603050405020304" pitchFamily="18" charset="0"/>
+                <a:cs typeface="Times New Roman" panose="02020603050405020304" pitchFamily="18" charset="0"/>
+                <a:sym typeface="Wingdings" panose="05000000000000000000" pitchFamily="2" charset="2"/>
+              </a:rPr>
+              <a:t>Exit</a:t>
+            </a:r>
+          </a:p>
+          <a:p>
+            <a:pPr marL="514350" indent="-457200" algn="just" fontAlgn="base">
+              <a:spcAft>
+                <a:spcPct val="0"/>
+              </a:spcAft>
+              <a:buAutoNum type="arabicPeriod"/>
+            </a:pPr>
+            <a:r>
+              <a:rPr lang="en-US" altLang="en-US" sz="2000" b="1" dirty="0">
                 <a:latin typeface="Times New Roman" panose="02020603050405020304" pitchFamily="18" charset="0"/>
                 <a:cs typeface="Times New Roman" panose="02020603050405020304" pitchFamily="18" charset="0"/>
               </a:rPr>
               <a:t>while </a:t>
             </a:r>
             <a:r>
-              <a:rPr lang="en-US" altLang="en-US" dirty="0" err="1">
-                <a:latin typeface="Times New Roman" panose="02020603050405020304" pitchFamily="18" charset="0"/>
-                <a:cs typeface="Times New Roman" panose="02020603050405020304" pitchFamily="18" charset="0"/>
-              </a:rPr>
-              <a:t>ptr.next</a:t>
-            </a:r>
-            <a:r>
-              <a:rPr lang="en-US" altLang="en-US" dirty="0">
-                <a:latin typeface="Times New Roman" panose="02020603050405020304" pitchFamily="18" charset="0"/>
-                <a:cs typeface="Times New Roman" panose="02020603050405020304" pitchFamily="18" charset="0"/>
-              </a:rPr>
-              <a:t> ≠ NULL </a:t>
-            </a:r>
-            <a:r>
-              <a:rPr lang="en-US" altLang="en-US" b="1" dirty="0">
+              <a:rPr lang="en-US" altLang="en-US" sz="2000" dirty="0" err="1">
+                <a:latin typeface="Times New Roman" panose="02020603050405020304" pitchFamily="18" charset="0"/>
+                <a:cs typeface="Times New Roman" panose="02020603050405020304" pitchFamily="18" charset="0"/>
+              </a:rPr>
+              <a:t>ptr.data</a:t>
+            </a:r>
+            <a:r>
+              <a:rPr lang="en-US" altLang="en-US" sz="2000" dirty="0">
+                <a:latin typeface="Times New Roman" panose="02020603050405020304" pitchFamily="18" charset="0"/>
+                <a:cs typeface="Times New Roman" panose="02020603050405020304" pitchFamily="18" charset="0"/>
+              </a:rPr>
+              <a:t> ≠ Key </a:t>
+            </a:r>
+            <a:r>
+              <a:rPr lang="en-US" altLang="en-US" sz="2000" b="1" dirty="0">
                 <a:latin typeface="Times New Roman" panose="02020603050405020304" pitchFamily="18" charset="0"/>
                 <a:cs typeface="Times New Roman" panose="02020603050405020304" pitchFamily="18" charset="0"/>
               </a:rPr>
               <a:t>do</a:t>
             </a:r>
-            <a:endParaRPr lang="en-US" altLang="en-US" dirty="0">
+            <a:endParaRPr lang="en-US" altLang="en-US" sz="2000" dirty="0">
               <a:latin typeface="Times New Roman" panose="02020603050405020304" pitchFamily="18" charset="0"/>
               <a:cs typeface="Times New Roman" panose="02020603050405020304" pitchFamily="18" charset="0"/>
             </a:endParaRPr>
@@ -40992,21 +41677,21 @@
               <a:buAutoNum type="alphaLcPeriod"/>
             </a:pPr>
             <a:r>
-              <a:rPr lang="en-US" altLang="en-US" sz="2400" dirty="0" err="1">
+              <a:rPr lang="en-US" altLang="en-US" sz="2000" dirty="0" err="1">
                 <a:latin typeface="Times New Roman" panose="02020603050405020304" pitchFamily="18" charset="0"/>
                 <a:cs typeface="Times New Roman" panose="02020603050405020304" pitchFamily="18" charset="0"/>
               </a:rPr>
               <a:t>ptr</a:t>
             </a:r>
             <a:r>
-              <a:rPr lang="en-US" altLang="en-US" sz="2400" dirty="0">
+              <a:rPr lang="en-US" altLang="en-US" sz="2000" dirty="0">
                 <a:latin typeface="Times New Roman" panose="02020603050405020304" pitchFamily="18" charset="0"/>
                 <a:cs typeface="Times New Roman" panose="02020603050405020304" pitchFamily="18" charset="0"/>
               </a:rPr>
               <a:t> </a:t>
             </a:r>
             <a:r>
-              <a:rPr lang="en-US" altLang="en-US" sz="2400" dirty="0">
+              <a:rPr lang="en-US" altLang="en-US" sz="2000" dirty="0">
                 <a:latin typeface="Times New Roman" panose="02020603050405020304" pitchFamily="18" charset="0"/>
                 <a:cs typeface="Times New Roman" panose="02020603050405020304" pitchFamily="18" charset="0"/>
                 <a:sym typeface="Wingdings" panose="05000000000000000000" pitchFamily="2" charset="2"/>
@@ -41014,14 +41699,14 @@
               <a:t> </a:t>
             </a:r>
             <a:r>
-              <a:rPr lang="en-US" altLang="en-US" sz="2400" dirty="0" err="1">
+              <a:rPr lang="en-US" altLang="en-US" sz="2000" dirty="0" err="1">
                 <a:latin typeface="Times New Roman" panose="02020603050405020304" pitchFamily="18" charset="0"/>
                 <a:cs typeface="Times New Roman" panose="02020603050405020304" pitchFamily="18" charset="0"/>
                 <a:sym typeface="Wingdings" panose="05000000000000000000" pitchFamily="2" charset="2"/>
               </a:rPr>
               <a:t>ptr.next</a:t>
             </a:r>
-            <a:endParaRPr lang="en-US" altLang="en-US" dirty="0">
+            <a:endParaRPr lang="en-US" altLang="en-US" sz="2000" dirty="0">
               <a:latin typeface="Times New Roman" panose="02020603050405020304" pitchFamily="18" charset="0"/>
               <a:cs typeface="Times New Roman" panose="02020603050405020304" pitchFamily="18" charset="0"/>
               <a:sym typeface="Wingdings" panose="05000000000000000000" pitchFamily="2" charset="2"/>
@@ -41035,13 +41720,18 @@
               <a:buAutoNum type="arabicPeriod"/>
             </a:pPr>
             <a:r>
-              <a:rPr lang="en-US" altLang="en-US" dirty="0">
-                <a:latin typeface="Times New Roman" panose="02020603050405020304" pitchFamily="18" charset="0"/>
-                <a:cs typeface="Times New Roman" panose="02020603050405020304" pitchFamily="18" charset="0"/>
-                <a:sym typeface="Wingdings" panose="05000000000000000000" pitchFamily="2" charset="2"/>
-              </a:rPr>
-              <a:t>ptr.nextheader2</a:t>
-            </a:r>
+              <a:rPr lang="en-US" altLang="en-US" sz="2000" dirty="0" err="1">
+                <a:latin typeface="Times New Roman" panose="02020603050405020304" pitchFamily="18" charset="0"/>
+                <a:cs typeface="Times New Roman" panose="02020603050405020304" pitchFamily="18" charset="0"/>
+                <a:sym typeface="Wingdings" panose="05000000000000000000" pitchFamily="2" charset="2"/>
+              </a:rPr>
+              <a:t>retvalptr.data</a:t>
+            </a:r>
+            <a:endParaRPr lang="en-US" altLang="en-US" sz="2000" dirty="0">
+              <a:latin typeface="Times New Roman" panose="02020603050405020304" pitchFamily="18" charset="0"/>
+              <a:cs typeface="Times New Roman" panose="02020603050405020304" pitchFamily="18" charset="0"/>
+              <a:sym typeface="Wingdings" panose="05000000000000000000" pitchFamily="2" charset="2"/>
+            </a:endParaRPr>
           </a:p>
           <a:p>
             <a:pPr marL="514350" indent="-457200" algn="just" fontAlgn="base">
@@ -41051,29 +41741,42 @@
               <a:buAutoNum type="arabicPeriod"/>
             </a:pPr>
             <a:r>
-              <a:rPr lang="en-US" altLang="en-US" dirty="0">
-                <a:latin typeface="Times New Roman" panose="02020603050405020304" pitchFamily="18" charset="0"/>
-                <a:cs typeface="Times New Roman" panose="02020603050405020304" pitchFamily="18" charset="0"/>
-                <a:sym typeface="Wingdings" panose="05000000000000000000" pitchFamily="2" charset="2"/>
-              </a:rPr>
-              <a:t>header2.prevptr</a:t>
-            </a:r>
-          </a:p>
-          <a:p>
-            <a:pPr marL="514350" indent="-457200" algn="just" fontAlgn="base">
-              <a:spcAft>
-                <a:spcPct val="0"/>
-              </a:spcAft>
-              <a:buAutoNum type="arabicPeriod"/>
-            </a:pPr>
-            <a:r>
-              <a:rPr lang="en-US" altLang="en-US" dirty="0">
-                <a:latin typeface="Times New Roman" panose="02020603050405020304" pitchFamily="18" charset="0"/>
-                <a:cs typeface="Times New Roman" panose="02020603050405020304" pitchFamily="18" charset="0"/>
-                <a:sym typeface="Wingdings" panose="05000000000000000000" pitchFamily="2" charset="2"/>
-              </a:rPr>
-              <a:t>headerheader1</a:t>
-            </a:r>
+              <a:rPr lang="en-US" altLang="en-US" sz="2000" dirty="0">
+                <a:latin typeface="Times New Roman" panose="02020603050405020304" pitchFamily="18" charset="0"/>
+                <a:cs typeface="Times New Roman" panose="02020603050405020304" pitchFamily="18" charset="0"/>
+                <a:sym typeface="Wingdings" panose="05000000000000000000" pitchFamily="2" charset="2"/>
+              </a:rPr>
+              <a:t>(</a:t>
+            </a:r>
+            <a:r>
+              <a:rPr lang="en-US" altLang="en-US" sz="2000" dirty="0" err="1">
+                <a:latin typeface="Times New Roman" panose="02020603050405020304" pitchFamily="18" charset="0"/>
+                <a:cs typeface="Times New Roman" panose="02020603050405020304" pitchFamily="18" charset="0"/>
+                <a:sym typeface="Wingdings" panose="05000000000000000000" pitchFamily="2" charset="2"/>
+              </a:rPr>
+              <a:t>ptr.next</a:t>
+            </a:r>
+            <a:r>
+              <a:rPr lang="en-US" altLang="en-US" sz="2000" dirty="0">
+                <a:latin typeface="Times New Roman" panose="02020603050405020304" pitchFamily="18" charset="0"/>
+                <a:cs typeface="Times New Roman" panose="02020603050405020304" pitchFamily="18" charset="0"/>
+                <a:sym typeface="Wingdings" panose="05000000000000000000" pitchFamily="2" charset="2"/>
+              </a:rPr>
+              <a:t>).</a:t>
+            </a:r>
+            <a:r>
+              <a:rPr lang="en-US" altLang="en-US" sz="2000" dirty="0" err="1">
+                <a:latin typeface="Times New Roman" panose="02020603050405020304" pitchFamily="18" charset="0"/>
+                <a:cs typeface="Times New Roman" panose="02020603050405020304" pitchFamily="18" charset="0"/>
+                <a:sym typeface="Wingdings" panose="05000000000000000000" pitchFamily="2" charset="2"/>
+              </a:rPr>
+              <a:t>prevptr.prev</a:t>
+            </a:r>
+            <a:endParaRPr lang="en-US" altLang="en-US" sz="2000" dirty="0">
+              <a:latin typeface="Times New Roman" panose="02020603050405020304" pitchFamily="18" charset="0"/>
+              <a:cs typeface="Times New Roman" panose="02020603050405020304" pitchFamily="18" charset="0"/>
+              <a:sym typeface="Wingdings" panose="05000000000000000000" pitchFamily="2" charset="2"/>
+            </a:endParaRPr>
           </a:p>
           <a:p>
             <a:pPr marL="514350" indent="-457200" algn="just" fontAlgn="base">
@@ -41084,7 +41787,84 @@
               <a:buAutoNum type="arabicPeriod"/>
             </a:pPr>
             <a:r>
-              <a:rPr lang="en-US" altLang="en-US" b="1">
+              <a:rPr lang="en-US" altLang="en-US" sz="2000" dirty="0">
+                <a:latin typeface="Times New Roman" panose="02020603050405020304" pitchFamily="18" charset="0"/>
+                <a:cs typeface="Times New Roman" panose="02020603050405020304" pitchFamily="18" charset="0"/>
+                <a:sym typeface="Wingdings" panose="05000000000000000000" pitchFamily="2" charset="2"/>
+              </a:rPr>
+              <a:t>(</a:t>
+            </a:r>
+            <a:r>
+              <a:rPr lang="en-US" altLang="en-US" sz="2000" dirty="0" err="1">
+                <a:latin typeface="Times New Roman" panose="02020603050405020304" pitchFamily="18" charset="0"/>
+                <a:cs typeface="Times New Roman" panose="02020603050405020304" pitchFamily="18" charset="0"/>
+                <a:sym typeface="Wingdings" panose="05000000000000000000" pitchFamily="2" charset="2"/>
+              </a:rPr>
+              <a:t>ptr.prev</a:t>
+            </a:r>
+            <a:r>
+              <a:rPr lang="en-US" altLang="en-US" sz="2000" dirty="0">
+                <a:latin typeface="Times New Roman" panose="02020603050405020304" pitchFamily="18" charset="0"/>
+                <a:cs typeface="Times New Roman" panose="02020603050405020304" pitchFamily="18" charset="0"/>
+                <a:sym typeface="Wingdings" panose="05000000000000000000" pitchFamily="2" charset="2"/>
+              </a:rPr>
+              <a:t>).</a:t>
+            </a:r>
+            <a:r>
+              <a:rPr lang="en-US" altLang="en-US" sz="2000" dirty="0" err="1">
+                <a:latin typeface="Times New Roman" panose="02020603050405020304" pitchFamily="18" charset="0"/>
+                <a:cs typeface="Times New Roman" panose="02020603050405020304" pitchFamily="18" charset="0"/>
+                <a:sym typeface="Wingdings" panose="05000000000000000000" pitchFamily="2" charset="2"/>
+              </a:rPr>
+              <a:t>nextptr.next</a:t>
+            </a:r>
+            <a:endParaRPr lang="en-US" altLang="en-US" sz="2000" dirty="0">
+              <a:latin typeface="Times New Roman" panose="02020603050405020304" pitchFamily="18" charset="0"/>
+              <a:cs typeface="Times New Roman" panose="02020603050405020304" pitchFamily="18" charset="0"/>
+              <a:sym typeface="Wingdings" panose="05000000000000000000" pitchFamily="2" charset="2"/>
+            </a:endParaRPr>
+          </a:p>
+          <a:p>
+            <a:pPr marL="514350" indent="-457200" algn="just" fontAlgn="base">
+              <a:spcAft>
+                <a:spcPct val="0"/>
+              </a:spcAft>
+              <a:buAutoNum type="arabicPeriod"/>
+            </a:pPr>
+            <a:r>
+              <a:rPr lang="en-US" altLang="en-US" sz="2000" dirty="0">
+                <a:latin typeface="Times New Roman" panose="02020603050405020304" pitchFamily="18" charset="0"/>
+                <a:cs typeface="Times New Roman" panose="02020603050405020304" pitchFamily="18" charset="0"/>
+                <a:sym typeface="Wingdings" panose="05000000000000000000" pitchFamily="2" charset="2"/>
+              </a:rPr>
+              <a:t>Free(</a:t>
+            </a:r>
+            <a:r>
+              <a:rPr lang="en-US" altLang="en-US" sz="2000" dirty="0" err="1">
+                <a:latin typeface="Times New Roman" panose="02020603050405020304" pitchFamily="18" charset="0"/>
+                <a:cs typeface="Times New Roman" panose="02020603050405020304" pitchFamily="18" charset="0"/>
+                <a:sym typeface="Wingdings" panose="05000000000000000000" pitchFamily="2" charset="2"/>
+              </a:rPr>
+              <a:t>ptr</a:t>
+            </a:r>
+            <a:r>
+              <a:rPr lang="en-US" altLang="en-US" sz="2000" dirty="0">
+                <a:latin typeface="Times New Roman" panose="02020603050405020304" pitchFamily="18" charset="0"/>
+                <a:cs typeface="Times New Roman" panose="02020603050405020304" pitchFamily="18" charset="0"/>
+                <a:sym typeface="Wingdings" panose="05000000000000000000" pitchFamily="2" charset="2"/>
+              </a:rPr>
+              <a:t>)</a:t>
+            </a:r>
+          </a:p>
+          <a:p>
+            <a:pPr marL="514350" indent="-457200" algn="just" fontAlgn="base">
+              <a:spcAft>
+                <a:spcPct val="0"/>
+              </a:spcAft>
+              <a:buAutoNum type="arabicPeriod"/>
+            </a:pPr>
+            <a:r>
+              <a:rPr lang="en-US" altLang="en-US" sz="2000" b="1" dirty="0">
                 <a:latin typeface="Times New Roman" panose="02020603050405020304" pitchFamily="18" charset="0"/>
                 <a:cs typeface="Times New Roman" panose="02020603050405020304" pitchFamily="18" charset="0"/>
                 <a:sym typeface="Wingdings" panose="05000000000000000000" pitchFamily="2" charset="2"/>
@@ -41092,13 +41872,26 @@
               <a:t>return</a:t>
             </a:r>
             <a:r>
-              <a:rPr lang="en-US" altLang="en-US">
-                <a:latin typeface="Times New Roman" panose="02020603050405020304" pitchFamily="18" charset="0"/>
-                <a:cs typeface="Times New Roman" panose="02020603050405020304" pitchFamily="18" charset="0"/>
-                <a:sym typeface="Wingdings" panose="05000000000000000000" pitchFamily="2" charset="2"/>
-              </a:rPr>
-              <a:t> header</a:t>
-            </a:r>
+              <a:rPr lang="en-US" altLang="en-US" sz="2000" dirty="0">
+                <a:latin typeface="Times New Roman" panose="02020603050405020304" pitchFamily="18" charset="0"/>
+                <a:cs typeface="Times New Roman" panose="02020603050405020304" pitchFamily="18" charset="0"/>
+                <a:sym typeface="Wingdings" panose="05000000000000000000" pitchFamily="2" charset="2"/>
+              </a:rPr>
+              <a:t> </a:t>
+            </a:r>
+            <a:r>
+              <a:rPr lang="en-US" altLang="en-US" sz="2000" dirty="0" err="1">
+                <a:latin typeface="Times New Roman" panose="02020603050405020304" pitchFamily="18" charset="0"/>
+                <a:cs typeface="Times New Roman" panose="02020603050405020304" pitchFamily="18" charset="0"/>
+                <a:sym typeface="Wingdings" panose="05000000000000000000" pitchFamily="2" charset="2"/>
+              </a:rPr>
+              <a:t>retval</a:t>
+            </a:r>
+            <a:endParaRPr lang="en-US" altLang="en-US" sz="2000" dirty="0">
+              <a:latin typeface="Times New Roman" panose="02020603050405020304" pitchFamily="18" charset="0"/>
+              <a:cs typeface="Times New Roman" panose="02020603050405020304" pitchFamily="18" charset="0"/>
+              <a:sym typeface="Wingdings" panose="05000000000000000000" pitchFamily="2" charset="2"/>
+            </a:endParaRPr>
           </a:p>
         </p:txBody>
       </p:sp>
@@ -41143,7 +41936,7 @@
     </p:spTree>
     <p:extLst>
       <p:ext uri="{BB962C8B-B14F-4D97-AF65-F5344CB8AC3E}">
-        <p14:creationId xmlns:p14="http://schemas.microsoft.com/office/powerpoint/2010/main" val="2582187521"/>
+        <p14:creationId xmlns:p14="http://schemas.microsoft.com/office/powerpoint/2010/main" val="2986274329"/>
       </p:ext>
     </p:extLst>
   </p:cSld>
@@ -41154,6 +41947,773 @@
 </file>
 
 <file path=ppt/slides/slide74.xml><?xml version="1.0" encoding="utf-8"?>
+<p:sld xmlns:a="http://schemas.openxmlformats.org/drawingml/2006/main" xmlns:r="http://schemas.openxmlformats.org/officeDocument/2006/relationships" xmlns:p="http://schemas.openxmlformats.org/presentationml/2006/main">
+  <p:cSld>
+    <p:spTree>
+      <p:nvGrpSpPr>
+        <p:cNvPr id="1" name="">
+          <a:extLst>
+            <a:ext uri="{FF2B5EF4-FFF2-40B4-BE49-F238E27FC236}">
+              <a16:creationId xmlns:a16="http://schemas.microsoft.com/office/drawing/2014/main" id="{FF6E7ECC-FDE6-CA17-3E95-453E52AF506E}"/>
+            </a:ext>
+          </a:extLst>
+        </p:cNvPr>
+        <p:cNvGrpSpPr/>
+        <p:nvPr/>
+      </p:nvGrpSpPr>
+      <p:grpSpPr>
+        <a:xfrm>
+          <a:off x="0" y="0"/>
+          <a:ext cx="0" cy="0"/>
+          <a:chOff x="0" y="0"/>
+          <a:chExt cx="0" cy="0"/>
+        </a:xfrm>
+      </p:grpSpPr>
+      <p:sp>
+        <p:nvSpPr>
+          <p:cNvPr id="17410" name="Content Placeholder 2">
+            <a:extLst>
+              <a:ext uri="{FF2B5EF4-FFF2-40B4-BE49-F238E27FC236}">
+                <a16:creationId xmlns:a16="http://schemas.microsoft.com/office/drawing/2014/main" id="{24580D8C-8315-E27A-02ED-AC82ED8D974A}"/>
+              </a:ext>
+            </a:extLst>
+          </p:cNvPr>
+          <p:cNvSpPr>
+            <a:spLocks noGrp="1"/>
+          </p:cNvSpPr>
+          <p:nvPr>
+            <p:ph idx="1"/>
+          </p:nvPr>
+        </p:nvSpPr>
+        <p:spPr>
+          <a:xfrm>
+            <a:off x="304800" y="1493838"/>
+            <a:ext cx="8229600" cy="4525962"/>
+          </a:xfrm>
+        </p:spPr>
+        <p:txBody>
+          <a:bodyPr/>
+          <a:lstStyle/>
+          <a:p>
+            <a:pPr marL="57150" indent="0" algn="just" fontAlgn="base">
+              <a:spcAft>
+                <a:spcPct val="0"/>
+              </a:spcAft>
+            </a:pPr>
+            <a:r>
+              <a:rPr lang="en-US" altLang="en-US" sz="2000" dirty="0" err="1">
+                <a:latin typeface="Times New Roman" panose="02020603050405020304" pitchFamily="18" charset="0"/>
+                <a:cs typeface="Times New Roman" panose="02020603050405020304" pitchFamily="18" charset="0"/>
+              </a:rPr>
+              <a:t>deleteatany</a:t>
+            </a:r>
+            <a:r>
+              <a:rPr lang="en-US" altLang="en-US" sz="2000" dirty="0">
+                <a:latin typeface="Times New Roman" panose="02020603050405020304" pitchFamily="18" charset="0"/>
+                <a:cs typeface="Times New Roman" panose="02020603050405020304" pitchFamily="18" charset="0"/>
+              </a:rPr>
+              <a:t>(key): Delete object at the key position of the linked list.</a:t>
+            </a:r>
+          </a:p>
+          <a:p>
+            <a:pPr marL="514350" indent="-457200" algn="just" fontAlgn="base">
+              <a:spcAft>
+                <a:spcPct val="0"/>
+              </a:spcAft>
+              <a:buAutoNum type="arabicPeriod"/>
+            </a:pPr>
+            <a:r>
+              <a:rPr lang="en-US" altLang="en-US" sz="1200" dirty="0" err="1">
+                <a:latin typeface="Times New Roman" panose="02020603050405020304" pitchFamily="18" charset="0"/>
+                <a:cs typeface="Times New Roman" panose="02020603050405020304" pitchFamily="18" charset="0"/>
+              </a:rPr>
+              <a:t>ptr</a:t>
+            </a:r>
+            <a:r>
+              <a:rPr lang="en-US" altLang="en-US" sz="1200" dirty="0">
+                <a:latin typeface="Times New Roman" panose="02020603050405020304" pitchFamily="18" charset="0"/>
+                <a:cs typeface="Times New Roman" panose="02020603050405020304" pitchFamily="18" charset="0"/>
+              </a:rPr>
+              <a:t> </a:t>
+            </a:r>
+            <a:r>
+              <a:rPr lang="en-US" altLang="en-US" sz="1200" dirty="0">
+                <a:latin typeface="Times New Roman" panose="02020603050405020304" pitchFamily="18" charset="0"/>
+                <a:cs typeface="Times New Roman" panose="02020603050405020304" pitchFamily="18" charset="0"/>
+                <a:sym typeface="Wingdings" panose="05000000000000000000" pitchFamily="2" charset="2"/>
+              </a:rPr>
+              <a:t> header</a:t>
+            </a:r>
+            <a:endParaRPr lang="en-US" altLang="en-US" sz="1200" dirty="0">
+              <a:latin typeface="Times New Roman" panose="02020603050405020304" pitchFamily="18" charset="0"/>
+              <a:cs typeface="Times New Roman" panose="02020603050405020304" pitchFamily="18" charset="0"/>
+            </a:endParaRPr>
+          </a:p>
+          <a:p>
+            <a:pPr marL="514350" indent="-457200" algn="just" fontAlgn="base">
+              <a:spcAft>
+                <a:spcPct val="0"/>
+              </a:spcAft>
+              <a:buAutoNum type="arabicPeriod"/>
+            </a:pPr>
+            <a:r>
+              <a:rPr lang="en-US" altLang="en-US" sz="1200" b="1" dirty="0">
+                <a:latin typeface="Times New Roman" panose="02020603050405020304" pitchFamily="18" charset="0"/>
+                <a:cs typeface="Times New Roman" panose="02020603050405020304" pitchFamily="18" charset="0"/>
+              </a:rPr>
+              <a:t>if</a:t>
+            </a:r>
+            <a:r>
+              <a:rPr lang="en-US" altLang="en-US" sz="1200" dirty="0">
+                <a:latin typeface="Times New Roman" panose="02020603050405020304" pitchFamily="18" charset="0"/>
+                <a:cs typeface="Times New Roman" panose="02020603050405020304" pitchFamily="18" charset="0"/>
+              </a:rPr>
+              <a:t> </a:t>
+            </a:r>
+            <a:r>
+              <a:rPr lang="en-US" altLang="en-US" sz="1200" dirty="0" err="1">
+                <a:latin typeface="Times New Roman" panose="02020603050405020304" pitchFamily="18" charset="0"/>
+                <a:cs typeface="Times New Roman" panose="02020603050405020304" pitchFamily="18" charset="0"/>
+              </a:rPr>
+              <a:t>ptr</a:t>
+            </a:r>
+            <a:r>
+              <a:rPr lang="en-US" altLang="en-US" sz="1200" dirty="0">
+                <a:latin typeface="Times New Roman" panose="02020603050405020304" pitchFamily="18" charset="0"/>
+                <a:cs typeface="Times New Roman" panose="02020603050405020304" pitchFamily="18" charset="0"/>
+              </a:rPr>
+              <a:t> = NULL </a:t>
+            </a:r>
+            <a:r>
+              <a:rPr lang="en-US" altLang="en-US" sz="1200" b="1" dirty="0">
+                <a:latin typeface="Times New Roman" panose="02020603050405020304" pitchFamily="18" charset="0"/>
+                <a:cs typeface="Times New Roman" panose="02020603050405020304" pitchFamily="18" charset="0"/>
+              </a:rPr>
+              <a:t>then</a:t>
+            </a:r>
+          </a:p>
+          <a:p>
+            <a:pPr marL="914400" lvl="1" indent="-457200" algn="just" fontAlgn="base">
+              <a:spcAft>
+                <a:spcPct val="0"/>
+              </a:spcAft>
+              <a:buFont typeface="+mj-lt"/>
+              <a:buAutoNum type="alphaLcPeriod"/>
+            </a:pPr>
+            <a:r>
+              <a:rPr lang="en-US" altLang="en-US" sz="1200" dirty="0">
+                <a:latin typeface="Times New Roman" panose="02020603050405020304" pitchFamily="18" charset="0"/>
+                <a:cs typeface="Times New Roman" panose="02020603050405020304" pitchFamily="18" charset="0"/>
+                <a:sym typeface="Wingdings" panose="05000000000000000000" pitchFamily="2" charset="2"/>
+              </a:rPr>
+              <a:t>Print “List Empty”</a:t>
+            </a:r>
+          </a:p>
+          <a:p>
+            <a:pPr marL="914400" lvl="1" indent="-457200" algn="just" fontAlgn="base">
+              <a:spcAft>
+                <a:spcPct val="0"/>
+              </a:spcAft>
+              <a:buFont typeface="+mj-lt"/>
+              <a:buAutoNum type="alphaLcPeriod"/>
+            </a:pPr>
+            <a:r>
+              <a:rPr lang="en-US" altLang="en-US" sz="1200" dirty="0">
+                <a:latin typeface="Times New Roman" panose="02020603050405020304" pitchFamily="18" charset="0"/>
+                <a:cs typeface="Times New Roman" panose="02020603050405020304" pitchFamily="18" charset="0"/>
+                <a:sym typeface="Wingdings" panose="05000000000000000000" pitchFamily="2" charset="2"/>
+              </a:rPr>
+              <a:t>Exit</a:t>
+            </a:r>
+          </a:p>
+          <a:p>
+            <a:pPr marL="514350" indent="-457200" algn="just" fontAlgn="base">
+              <a:spcAft>
+                <a:spcPct val="0"/>
+              </a:spcAft>
+              <a:buAutoNum type="arabicPeriod"/>
+            </a:pPr>
+            <a:r>
+              <a:rPr lang="en-US" altLang="en-US" sz="1200" b="1" dirty="0">
+                <a:latin typeface="Times New Roman" panose="02020603050405020304" pitchFamily="18" charset="0"/>
+                <a:cs typeface="Times New Roman" panose="02020603050405020304" pitchFamily="18" charset="0"/>
+              </a:rPr>
+              <a:t>if</a:t>
+            </a:r>
+            <a:r>
+              <a:rPr lang="en-US" altLang="en-US" sz="1200" dirty="0">
+                <a:latin typeface="Times New Roman" panose="02020603050405020304" pitchFamily="18" charset="0"/>
+                <a:cs typeface="Times New Roman" panose="02020603050405020304" pitchFamily="18" charset="0"/>
+              </a:rPr>
+              <a:t> </a:t>
+            </a:r>
+            <a:r>
+              <a:rPr lang="en-US" altLang="en-US" sz="1200" dirty="0" err="1">
+                <a:latin typeface="Times New Roman" panose="02020603050405020304" pitchFamily="18" charset="0"/>
+                <a:cs typeface="Times New Roman" panose="02020603050405020304" pitchFamily="18" charset="0"/>
+              </a:rPr>
+              <a:t>ptr.data</a:t>
+            </a:r>
+            <a:r>
+              <a:rPr lang="en-US" altLang="en-US" sz="1200" dirty="0">
+                <a:latin typeface="Times New Roman" panose="02020603050405020304" pitchFamily="18" charset="0"/>
+                <a:cs typeface="Times New Roman" panose="02020603050405020304" pitchFamily="18" charset="0"/>
+              </a:rPr>
+              <a:t> = key </a:t>
+            </a:r>
+            <a:r>
+              <a:rPr lang="en-US" altLang="en-US" sz="1200" b="1" dirty="0">
+                <a:latin typeface="Times New Roman" panose="02020603050405020304" pitchFamily="18" charset="0"/>
+                <a:cs typeface="Times New Roman" panose="02020603050405020304" pitchFamily="18" charset="0"/>
+              </a:rPr>
+              <a:t>then</a:t>
+            </a:r>
+          </a:p>
+          <a:p>
+            <a:pPr marL="914400" lvl="1" indent="-457200" algn="just" fontAlgn="base">
+              <a:spcAft>
+                <a:spcPct val="0"/>
+              </a:spcAft>
+              <a:buFont typeface="+mj-lt"/>
+              <a:buAutoNum type="alphaLcPeriod"/>
+            </a:pPr>
+            <a:r>
+              <a:rPr lang="en-US" altLang="en-US" sz="1200" dirty="0" err="1">
+                <a:latin typeface="Times New Roman" panose="02020603050405020304" pitchFamily="18" charset="0"/>
+                <a:cs typeface="Times New Roman" panose="02020603050405020304" pitchFamily="18" charset="0"/>
+                <a:sym typeface="Wingdings" panose="05000000000000000000" pitchFamily="2" charset="2"/>
+              </a:rPr>
+              <a:t>retval</a:t>
+            </a:r>
+            <a:r>
+              <a:rPr lang="en-US" altLang="en-US" sz="1200" dirty="0">
+                <a:latin typeface="Times New Roman" panose="02020603050405020304" pitchFamily="18" charset="0"/>
+                <a:cs typeface="Times New Roman" panose="02020603050405020304" pitchFamily="18" charset="0"/>
+                <a:sym typeface="Wingdings" panose="05000000000000000000" pitchFamily="2" charset="2"/>
+              </a:rPr>
+              <a:t>  </a:t>
+            </a:r>
+            <a:r>
+              <a:rPr lang="en-US" altLang="en-US" sz="1200" dirty="0" err="1">
+                <a:latin typeface="Times New Roman" panose="02020603050405020304" pitchFamily="18" charset="0"/>
+                <a:cs typeface="Times New Roman" panose="02020603050405020304" pitchFamily="18" charset="0"/>
+                <a:sym typeface="Wingdings" panose="05000000000000000000" pitchFamily="2" charset="2"/>
+              </a:rPr>
+              <a:t>ptr.data</a:t>
+            </a:r>
+            <a:endParaRPr lang="en-US" altLang="en-US" sz="1200" dirty="0">
+              <a:latin typeface="Times New Roman" panose="02020603050405020304" pitchFamily="18" charset="0"/>
+              <a:cs typeface="Times New Roman" panose="02020603050405020304" pitchFamily="18" charset="0"/>
+              <a:sym typeface="Wingdings" panose="05000000000000000000" pitchFamily="2" charset="2"/>
+            </a:endParaRPr>
+          </a:p>
+          <a:p>
+            <a:pPr marL="914400" lvl="1" indent="-457200" algn="just" fontAlgn="base">
+              <a:spcAft>
+                <a:spcPct val="0"/>
+              </a:spcAft>
+              <a:buFont typeface="+mj-lt"/>
+              <a:buAutoNum type="alphaLcPeriod"/>
+            </a:pPr>
+            <a:r>
+              <a:rPr lang="en-US" altLang="en-US" sz="1200" dirty="0">
+                <a:latin typeface="Times New Roman" panose="02020603050405020304" pitchFamily="18" charset="0"/>
+                <a:cs typeface="Times New Roman" panose="02020603050405020304" pitchFamily="18" charset="0"/>
+                <a:sym typeface="Wingdings" panose="05000000000000000000" pitchFamily="2" charset="2"/>
+              </a:rPr>
+              <a:t>header  </a:t>
+            </a:r>
+            <a:r>
+              <a:rPr lang="en-US" altLang="en-US" sz="1200" dirty="0" err="1">
+                <a:latin typeface="Times New Roman" panose="02020603050405020304" pitchFamily="18" charset="0"/>
+                <a:cs typeface="Times New Roman" panose="02020603050405020304" pitchFamily="18" charset="0"/>
+                <a:sym typeface="Wingdings" panose="05000000000000000000" pitchFamily="2" charset="2"/>
+              </a:rPr>
+              <a:t>ptr.next</a:t>
+            </a:r>
+            <a:endParaRPr lang="en-US" altLang="en-US" sz="1200" dirty="0">
+              <a:latin typeface="Times New Roman" panose="02020603050405020304" pitchFamily="18" charset="0"/>
+              <a:cs typeface="Times New Roman" panose="02020603050405020304" pitchFamily="18" charset="0"/>
+              <a:sym typeface="Wingdings" panose="05000000000000000000" pitchFamily="2" charset="2"/>
+            </a:endParaRPr>
+          </a:p>
+          <a:p>
+            <a:pPr marL="914400" lvl="1" indent="-457200" algn="just" fontAlgn="base">
+              <a:spcAft>
+                <a:spcPct val="0"/>
+              </a:spcAft>
+              <a:buFont typeface="+mj-lt"/>
+              <a:buAutoNum type="alphaLcPeriod"/>
+            </a:pPr>
+            <a:r>
+              <a:rPr lang="en-US" altLang="en-US" sz="1200" dirty="0">
+                <a:latin typeface="Times New Roman" panose="02020603050405020304" pitchFamily="18" charset="0"/>
+                <a:cs typeface="Times New Roman" panose="02020603050405020304" pitchFamily="18" charset="0"/>
+                <a:sym typeface="Wingdings" panose="05000000000000000000" pitchFamily="2" charset="2"/>
+              </a:rPr>
+              <a:t>Free(</a:t>
+            </a:r>
+            <a:r>
+              <a:rPr lang="en-US" altLang="en-US" sz="1200" dirty="0" err="1">
+                <a:latin typeface="Times New Roman" panose="02020603050405020304" pitchFamily="18" charset="0"/>
+                <a:cs typeface="Times New Roman" panose="02020603050405020304" pitchFamily="18" charset="0"/>
+                <a:sym typeface="Wingdings" panose="05000000000000000000" pitchFamily="2" charset="2"/>
+              </a:rPr>
+              <a:t>ptr</a:t>
+            </a:r>
+            <a:r>
+              <a:rPr lang="en-US" altLang="en-US" sz="1200" dirty="0">
+                <a:latin typeface="Times New Roman" panose="02020603050405020304" pitchFamily="18" charset="0"/>
+                <a:cs typeface="Times New Roman" panose="02020603050405020304" pitchFamily="18" charset="0"/>
+                <a:sym typeface="Wingdings" panose="05000000000000000000" pitchFamily="2" charset="2"/>
+              </a:rPr>
+              <a:t>)</a:t>
+            </a:r>
+          </a:p>
+          <a:p>
+            <a:pPr marL="914400" lvl="1" indent="-457200" algn="just" fontAlgn="base">
+              <a:spcAft>
+                <a:spcPct val="0"/>
+              </a:spcAft>
+              <a:buFont typeface="+mj-lt"/>
+              <a:buAutoNum type="alphaLcPeriod"/>
+            </a:pPr>
+            <a:r>
+              <a:rPr lang="en-US" altLang="en-US" sz="1200" b="1" dirty="0">
+                <a:latin typeface="Times New Roman" panose="02020603050405020304" pitchFamily="18" charset="0"/>
+                <a:cs typeface="Times New Roman" panose="02020603050405020304" pitchFamily="18" charset="0"/>
+                <a:sym typeface="Wingdings" panose="05000000000000000000" pitchFamily="2" charset="2"/>
+              </a:rPr>
+              <a:t>Return</a:t>
+            </a:r>
+            <a:r>
+              <a:rPr lang="en-US" altLang="en-US" sz="1200" dirty="0">
+                <a:latin typeface="Times New Roman" panose="02020603050405020304" pitchFamily="18" charset="0"/>
+                <a:cs typeface="Times New Roman" panose="02020603050405020304" pitchFamily="18" charset="0"/>
+                <a:sym typeface="Wingdings" panose="05000000000000000000" pitchFamily="2" charset="2"/>
+              </a:rPr>
+              <a:t> </a:t>
+            </a:r>
+            <a:r>
+              <a:rPr lang="en-US" altLang="en-US" sz="1200" dirty="0" err="1">
+                <a:latin typeface="Times New Roman" panose="02020603050405020304" pitchFamily="18" charset="0"/>
+                <a:cs typeface="Times New Roman" panose="02020603050405020304" pitchFamily="18" charset="0"/>
+                <a:sym typeface="Wingdings" panose="05000000000000000000" pitchFamily="2" charset="2"/>
+              </a:rPr>
+              <a:t>retval</a:t>
+            </a:r>
+            <a:endParaRPr lang="en-US" altLang="en-US" sz="1200" b="1" dirty="0">
+              <a:latin typeface="Times New Roman" panose="02020603050405020304" pitchFamily="18" charset="0"/>
+              <a:cs typeface="Times New Roman" panose="02020603050405020304" pitchFamily="18" charset="0"/>
+            </a:endParaRPr>
+          </a:p>
+          <a:p>
+            <a:pPr marL="514350" indent="-457200" algn="just" fontAlgn="base">
+              <a:spcAft>
+                <a:spcPct val="0"/>
+              </a:spcAft>
+              <a:buAutoNum type="arabicPeriod"/>
+            </a:pPr>
+            <a:r>
+              <a:rPr lang="en-US" altLang="en-US" sz="1200" b="1" dirty="0">
+                <a:latin typeface="Times New Roman" panose="02020603050405020304" pitchFamily="18" charset="0"/>
+                <a:cs typeface="Times New Roman" panose="02020603050405020304" pitchFamily="18" charset="0"/>
+              </a:rPr>
+              <a:t>while </a:t>
+            </a:r>
+            <a:r>
+              <a:rPr lang="en-US" altLang="en-US" sz="1200" dirty="0" err="1">
+                <a:latin typeface="Times New Roman" panose="02020603050405020304" pitchFamily="18" charset="0"/>
+                <a:cs typeface="Times New Roman" panose="02020603050405020304" pitchFamily="18" charset="0"/>
+              </a:rPr>
+              <a:t>ptr</a:t>
+            </a:r>
+            <a:r>
+              <a:rPr lang="en-US" altLang="en-US" sz="1200" dirty="0">
+                <a:latin typeface="Times New Roman" panose="02020603050405020304" pitchFamily="18" charset="0"/>
+                <a:cs typeface="Times New Roman" panose="02020603050405020304" pitchFamily="18" charset="0"/>
+              </a:rPr>
+              <a:t> ≠ NULL </a:t>
+            </a:r>
+            <a:r>
+              <a:rPr lang="en-US" altLang="en-US" sz="1200" b="1" dirty="0">
+                <a:latin typeface="Times New Roman" panose="02020603050405020304" pitchFamily="18" charset="0"/>
+                <a:cs typeface="Times New Roman" panose="02020603050405020304" pitchFamily="18" charset="0"/>
+              </a:rPr>
+              <a:t>do</a:t>
+            </a:r>
+            <a:endParaRPr lang="en-US" altLang="en-US" sz="1200" dirty="0">
+              <a:latin typeface="Times New Roman" panose="02020603050405020304" pitchFamily="18" charset="0"/>
+              <a:cs typeface="Times New Roman" panose="02020603050405020304" pitchFamily="18" charset="0"/>
+            </a:endParaRPr>
+          </a:p>
+          <a:p>
+            <a:pPr marL="914400" lvl="1" indent="-457200" algn="just" fontAlgn="base">
+              <a:spcAft>
+                <a:spcPct val="0"/>
+              </a:spcAft>
+              <a:buFont typeface="+mj-lt"/>
+              <a:buAutoNum type="alphaLcPeriod"/>
+            </a:pPr>
+            <a:r>
+              <a:rPr lang="en-US" altLang="en-US" sz="1200" b="1" dirty="0">
+                <a:latin typeface="Times New Roman" panose="02020603050405020304" pitchFamily="18" charset="0"/>
+                <a:cs typeface="Times New Roman" panose="02020603050405020304" pitchFamily="18" charset="0"/>
+              </a:rPr>
+              <a:t>if</a:t>
+            </a:r>
+            <a:r>
+              <a:rPr lang="en-US" altLang="en-US" sz="1200" dirty="0">
+                <a:latin typeface="Times New Roman" panose="02020603050405020304" pitchFamily="18" charset="0"/>
+                <a:cs typeface="Times New Roman" panose="02020603050405020304" pitchFamily="18" charset="0"/>
+              </a:rPr>
+              <a:t> </a:t>
+            </a:r>
+            <a:r>
+              <a:rPr lang="en-US" altLang="en-US" sz="1200" dirty="0" err="1">
+                <a:latin typeface="Times New Roman" panose="02020603050405020304" pitchFamily="18" charset="0"/>
+                <a:cs typeface="Times New Roman" panose="02020603050405020304" pitchFamily="18" charset="0"/>
+              </a:rPr>
+              <a:t>ptr.data</a:t>
+            </a:r>
+            <a:r>
+              <a:rPr lang="en-US" altLang="en-US" sz="1200" dirty="0">
+                <a:latin typeface="Times New Roman" panose="02020603050405020304" pitchFamily="18" charset="0"/>
+                <a:cs typeface="Times New Roman" panose="02020603050405020304" pitchFamily="18" charset="0"/>
+              </a:rPr>
+              <a:t> = key </a:t>
+            </a:r>
+            <a:r>
+              <a:rPr lang="en-US" altLang="en-US" sz="1200" b="1" dirty="0">
+                <a:latin typeface="Times New Roman" panose="02020603050405020304" pitchFamily="18" charset="0"/>
+                <a:cs typeface="Times New Roman" panose="02020603050405020304" pitchFamily="18" charset="0"/>
+              </a:rPr>
+              <a:t>then</a:t>
+            </a:r>
+          </a:p>
+          <a:p>
+            <a:pPr marL="1371600" lvl="2" indent="-514350" algn="just">
+              <a:buFont typeface="+mj-lt"/>
+              <a:buAutoNum type="romanLcPeriod"/>
+            </a:pPr>
+            <a:r>
+              <a:rPr lang="en-US" altLang="en-US" sz="1200" dirty="0" err="1">
+                <a:latin typeface="Times New Roman" panose="02020603050405020304" pitchFamily="18" charset="0"/>
+                <a:cs typeface="Times New Roman" panose="02020603050405020304" pitchFamily="18" charset="0"/>
+              </a:rPr>
+              <a:t>retval</a:t>
+            </a:r>
+            <a:r>
+              <a:rPr lang="en-US" altLang="en-US" sz="1200" dirty="0">
+                <a:latin typeface="Times New Roman" panose="02020603050405020304" pitchFamily="18" charset="0"/>
+                <a:cs typeface="Times New Roman" panose="02020603050405020304" pitchFamily="18" charset="0"/>
+              </a:rPr>
+              <a:t> </a:t>
+            </a:r>
+            <a:r>
+              <a:rPr lang="en-US" altLang="en-US" sz="1200" dirty="0">
+                <a:latin typeface="Times New Roman" panose="02020603050405020304" pitchFamily="18" charset="0"/>
+                <a:cs typeface="Times New Roman" panose="02020603050405020304" pitchFamily="18" charset="0"/>
+                <a:sym typeface="Wingdings" panose="05000000000000000000" pitchFamily="2" charset="2"/>
+              </a:rPr>
+              <a:t> </a:t>
+            </a:r>
+            <a:r>
+              <a:rPr lang="en-US" altLang="en-US" sz="1200" dirty="0" err="1">
+                <a:latin typeface="Times New Roman" panose="02020603050405020304" pitchFamily="18" charset="0"/>
+                <a:cs typeface="Times New Roman" panose="02020603050405020304" pitchFamily="18" charset="0"/>
+                <a:sym typeface="Wingdings" panose="05000000000000000000" pitchFamily="2" charset="2"/>
+              </a:rPr>
+              <a:t>ptr.data</a:t>
+            </a:r>
+            <a:endParaRPr lang="en-US" altLang="en-US" sz="1200" dirty="0">
+              <a:latin typeface="Times New Roman" panose="02020603050405020304" pitchFamily="18" charset="0"/>
+              <a:cs typeface="Times New Roman" panose="02020603050405020304" pitchFamily="18" charset="0"/>
+            </a:endParaRPr>
+          </a:p>
+          <a:p>
+            <a:pPr marL="1371600" lvl="2" indent="-514350" algn="just">
+              <a:buFont typeface="+mj-lt"/>
+              <a:buAutoNum type="romanLcPeriod"/>
+            </a:pPr>
+            <a:r>
+              <a:rPr lang="en-US" altLang="en-US" sz="1200" dirty="0">
+                <a:latin typeface="Times New Roman" panose="02020603050405020304" pitchFamily="18" charset="0"/>
+                <a:cs typeface="Times New Roman" panose="02020603050405020304" pitchFamily="18" charset="0"/>
+              </a:rPr>
+              <a:t>ptr1 </a:t>
+            </a:r>
+            <a:r>
+              <a:rPr lang="en-US" altLang="en-US" sz="1200" dirty="0">
+                <a:latin typeface="Times New Roman" panose="02020603050405020304" pitchFamily="18" charset="0"/>
+                <a:cs typeface="Times New Roman" panose="02020603050405020304" pitchFamily="18" charset="0"/>
+                <a:sym typeface="Wingdings" panose="05000000000000000000" pitchFamily="2" charset="2"/>
+              </a:rPr>
+              <a:t> </a:t>
+            </a:r>
+            <a:r>
+              <a:rPr lang="en-US" altLang="en-US" sz="1200" dirty="0" err="1">
+                <a:latin typeface="Times New Roman" panose="02020603050405020304" pitchFamily="18" charset="0"/>
+                <a:cs typeface="Times New Roman" panose="02020603050405020304" pitchFamily="18" charset="0"/>
+                <a:sym typeface="Wingdings" panose="05000000000000000000" pitchFamily="2" charset="2"/>
+              </a:rPr>
+              <a:t>ptr.prev</a:t>
+            </a:r>
+            <a:endParaRPr lang="en-US" altLang="en-US" sz="1200" dirty="0">
+              <a:latin typeface="Times New Roman" panose="02020603050405020304" pitchFamily="18" charset="0"/>
+              <a:cs typeface="Times New Roman" panose="02020603050405020304" pitchFamily="18" charset="0"/>
+              <a:sym typeface="Wingdings" panose="05000000000000000000" pitchFamily="2" charset="2"/>
+            </a:endParaRPr>
+          </a:p>
+          <a:p>
+            <a:pPr marL="1371600" lvl="2" indent="-514350" algn="just">
+              <a:buFont typeface="+mj-lt"/>
+              <a:buAutoNum type="romanLcPeriod"/>
+            </a:pPr>
+            <a:r>
+              <a:rPr lang="en-US" altLang="en-US" sz="1200" dirty="0">
+                <a:latin typeface="Times New Roman" panose="02020603050405020304" pitchFamily="18" charset="0"/>
+                <a:cs typeface="Times New Roman" panose="02020603050405020304" pitchFamily="18" charset="0"/>
+                <a:sym typeface="Wingdings" panose="05000000000000000000" pitchFamily="2" charset="2"/>
+              </a:rPr>
+              <a:t>ptr2  </a:t>
+            </a:r>
+            <a:r>
+              <a:rPr lang="en-US" altLang="en-US" sz="1200" dirty="0" err="1">
+                <a:latin typeface="Times New Roman" panose="02020603050405020304" pitchFamily="18" charset="0"/>
+                <a:cs typeface="Times New Roman" panose="02020603050405020304" pitchFamily="18" charset="0"/>
+                <a:sym typeface="Wingdings" panose="05000000000000000000" pitchFamily="2" charset="2"/>
+              </a:rPr>
+              <a:t>ptr.next</a:t>
+            </a:r>
+            <a:endParaRPr lang="en-US" altLang="en-US" sz="1200" dirty="0">
+              <a:latin typeface="Times New Roman" panose="02020603050405020304" pitchFamily="18" charset="0"/>
+              <a:cs typeface="Times New Roman" panose="02020603050405020304" pitchFamily="18" charset="0"/>
+              <a:sym typeface="Wingdings" panose="05000000000000000000" pitchFamily="2" charset="2"/>
+            </a:endParaRPr>
+          </a:p>
+          <a:p>
+            <a:pPr marL="1371600" lvl="2" indent="-514350" algn="just">
+              <a:buFont typeface="+mj-lt"/>
+              <a:buAutoNum type="romanLcPeriod"/>
+            </a:pPr>
+            <a:r>
+              <a:rPr lang="en-US" altLang="en-US" sz="1200" dirty="0">
+                <a:latin typeface="Times New Roman" panose="02020603050405020304" pitchFamily="18" charset="0"/>
+                <a:cs typeface="Times New Roman" panose="02020603050405020304" pitchFamily="18" charset="0"/>
+                <a:sym typeface="Wingdings" panose="05000000000000000000" pitchFamily="2" charset="2"/>
+              </a:rPr>
+              <a:t>ptr1.next  ptr2</a:t>
+            </a:r>
+          </a:p>
+          <a:p>
+            <a:pPr marL="1371600" lvl="2" indent="-514350" algn="just">
+              <a:buFont typeface="+mj-lt"/>
+              <a:buAutoNum type="romanLcPeriod"/>
+            </a:pPr>
+            <a:r>
+              <a:rPr lang="en-US" altLang="en-US" sz="1200" dirty="0">
+                <a:latin typeface="Times New Roman" panose="02020603050405020304" pitchFamily="18" charset="0"/>
+                <a:cs typeface="Times New Roman" panose="02020603050405020304" pitchFamily="18" charset="0"/>
+                <a:sym typeface="Wingdings" panose="05000000000000000000" pitchFamily="2" charset="2"/>
+              </a:rPr>
+              <a:t>ptr2.prev  ptr1</a:t>
+            </a:r>
+            <a:endParaRPr lang="en-US" altLang="en-US" sz="1200" dirty="0">
+              <a:latin typeface="Times New Roman" panose="02020603050405020304" pitchFamily="18" charset="0"/>
+              <a:cs typeface="Times New Roman" panose="02020603050405020304" pitchFamily="18" charset="0"/>
+            </a:endParaRPr>
+          </a:p>
+          <a:p>
+            <a:pPr marL="1371600" lvl="2" indent="-514350" algn="just">
+              <a:buFont typeface="+mj-lt"/>
+              <a:buAutoNum type="romanLcPeriod"/>
+            </a:pPr>
+            <a:r>
+              <a:rPr lang="en-US" altLang="en-US" sz="1200" dirty="0">
+                <a:latin typeface="Times New Roman" panose="02020603050405020304" pitchFamily="18" charset="0"/>
+                <a:cs typeface="Times New Roman" panose="02020603050405020304" pitchFamily="18" charset="0"/>
+              </a:rPr>
+              <a:t>Free(</a:t>
+            </a:r>
+            <a:r>
+              <a:rPr lang="en-US" altLang="en-US" sz="1200" dirty="0" err="1">
+                <a:latin typeface="Times New Roman" panose="02020603050405020304" pitchFamily="18" charset="0"/>
+                <a:cs typeface="Times New Roman" panose="02020603050405020304" pitchFamily="18" charset="0"/>
+              </a:rPr>
+              <a:t>ptr</a:t>
+            </a:r>
+            <a:r>
+              <a:rPr lang="en-US" altLang="en-US" sz="1200" dirty="0">
+                <a:latin typeface="Times New Roman" panose="02020603050405020304" pitchFamily="18" charset="0"/>
+                <a:cs typeface="Times New Roman" panose="02020603050405020304" pitchFamily="18" charset="0"/>
+              </a:rPr>
+              <a:t>)</a:t>
+            </a:r>
+          </a:p>
+          <a:p>
+            <a:pPr marL="1371600" lvl="2" indent="-514350" algn="just">
+              <a:buFont typeface="+mj-lt"/>
+              <a:buAutoNum type="romanLcPeriod"/>
+            </a:pPr>
+            <a:r>
+              <a:rPr lang="en-US" altLang="en-US" sz="1200" b="1" dirty="0">
+                <a:latin typeface="Times New Roman" panose="02020603050405020304" pitchFamily="18" charset="0"/>
+                <a:cs typeface="Times New Roman" panose="02020603050405020304" pitchFamily="18" charset="0"/>
+              </a:rPr>
+              <a:t>Return</a:t>
+            </a:r>
+            <a:r>
+              <a:rPr lang="en-US" altLang="en-US" sz="1200" dirty="0">
+                <a:latin typeface="Times New Roman" panose="02020603050405020304" pitchFamily="18" charset="0"/>
+                <a:cs typeface="Times New Roman" panose="02020603050405020304" pitchFamily="18" charset="0"/>
+              </a:rPr>
+              <a:t> </a:t>
+            </a:r>
+            <a:r>
+              <a:rPr lang="en-US" altLang="en-US" sz="1200" dirty="0" err="1">
+                <a:latin typeface="Times New Roman" panose="02020603050405020304" pitchFamily="18" charset="0"/>
+                <a:cs typeface="Times New Roman" panose="02020603050405020304" pitchFamily="18" charset="0"/>
+              </a:rPr>
+              <a:t>retval</a:t>
+            </a:r>
+            <a:endParaRPr lang="en-US" altLang="en-US" sz="1200" dirty="0">
+              <a:latin typeface="Times New Roman" panose="02020603050405020304" pitchFamily="18" charset="0"/>
+              <a:cs typeface="Times New Roman" panose="02020603050405020304" pitchFamily="18" charset="0"/>
+            </a:endParaRPr>
+          </a:p>
+          <a:p>
+            <a:pPr marL="914400" lvl="1" indent="-457200" algn="just" fontAlgn="base">
+              <a:spcAft>
+                <a:spcPct val="0"/>
+              </a:spcAft>
+              <a:buFont typeface="+mj-lt"/>
+              <a:buAutoNum type="alphaLcPeriod"/>
+            </a:pPr>
+            <a:r>
+              <a:rPr lang="en-US" altLang="en-US" sz="1200" dirty="0" err="1">
+                <a:latin typeface="Times New Roman" panose="02020603050405020304" pitchFamily="18" charset="0"/>
+                <a:cs typeface="Times New Roman" panose="02020603050405020304" pitchFamily="18" charset="0"/>
+                <a:sym typeface="Wingdings" panose="05000000000000000000" pitchFamily="2" charset="2"/>
+              </a:rPr>
+              <a:t>ptr</a:t>
+            </a:r>
+            <a:r>
+              <a:rPr lang="en-US" altLang="en-US" sz="1200" dirty="0">
+                <a:latin typeface="Times New Roman" panose="02020603050405020304" pitchFamily="18" charset="0"/>
+                <a:cs typeface="Times New Roman" panose="02020603050405020304" pitchFamily="18" charset="0"/>
+                <a:sym typeface="Wingdings" panose="05000000000000000000" pitchFamily="2" charset="2"/>
+              </a:rPr>
+              <a:t>  </a:t>
+            </a:r>
+            <a:r>
+              <a:rPr lang="en-US" altLang="en-US" sz="1200" dirty="0" err="1">
+                <a:latin typeface="Times New Roman" panose="02020603050405020304" pitchFamily="18" charset="0"/>
+                <a:cs typeface="Times New Roman" panose="02020603050405020304" pitchFamily="18" charset="0"/>
+                <a:sym typeface="Wingdings" panose="05000000000000000000" pitchFamily="2" charset="2"/>
+              </a:rPr>
+              <a:t>ptr.next</a:t>
+            </a:r>
+            <a:endParaRPr lang="en-US" altLang="en-US" sz="1200" dirty="0">
+              <a:latin typeface="Times New Roman" panose="02020603050405020304" pitchFamily="18" charset="0"/>
+              <a:cs typeface="Times New Roman" panose="02020603050405020304" pitchFamily="18" charset="0"/>
+              <a:sym typeface="Wingdings" panose="05000000000000000000" pitchFamily="2" charset="2"/>
+            </a:endParaRPr>
+          </a:p>
+          <a:p>
+            <a:pPr marL="514350" indent="-457200" algn="just" fontAlgn="base">
+              <a:spcAft>
+                <a:spcPct val="0"/>
+              </a:spcAft>
+              <a:buAutoNum type="arabicPeriod"/>
+            </a:pPr>
+            <a:r>
+              <a:rPr lang="en-US" altLang="en-US" sz="1200" dirty="0">
+                <a:latin typeface="Times New Roman" panose="02020603050405020304" pitchFamily="18" charset="0"/>
+                <a:cs typeface="Times New Roman" panose="02020603050405020304" pitchFamily="18" charset="0"/>
+                <a:sym typeface="Wingdings" panose="05000000000000000000" pitchFamily="2" charset="2"/>
+              </a:rPr>
+              <a:t>Print “Data not found”</a:t>
+            </a:r>
+          </a:p>
+          <a:p>
+            <a:pPr marL="514350" indent="-457200" algn="just" fontAlgn="base">
+              <a:spcAft>
+                <a:spcPct val="0"/>
+              </a:spcAft>
+              <a:buAutoNum type="arabicPeriod"/>
+            </a:pPr>
+            <a:r>
+              <a:rPr lang="en-US" altLang="en-US" sz="1200" b="1" dirty="0">
+                <a:latin typeface="Times New Roman" panose="02020603050405020304" pitchFamily="18" charset="0"/>
+                <a:cs typeface="Times New Roman" panose="02020603050405020304" pitchFamily="18" charset="0"/>
+                <a:sym typeface="Wingdings" panose="05000000000000000000" pitchFamily="2" charset="2"/>
+              </a:rPr>
+              <a:t>Return</a:t>
+            </a:r>
+            <a:r>
+              <a:rPr lang="en-US" altLang="en-US" sz="1200" dirty="0">
+                <a:latin typeface="Times New Roman" panose="02020603050405020304" pitchFamily="18" charset="0"/>
+                <a:cs typeface="Times New Roman" panose="02020603050405020304" pitchFamily="18" charset="0"/>
+                <a:sym typeface="Wingdings" panose="05000000000000000000" pitchFamily="2" charset="2"/>
+              </a:rPr>
+              <a:t> NULL</a:t>
+            </a:r>
+          </a:p>
+        </p:txBody>
+      </p:sp>
+      <p:sp>
+        <p:nvSpPr>
+          <p:cNvPr id="4" name="Content Placeholder 3">
+            <a:extLst>
+              <a:ext uri="{FF2B5EF4-FFF2-40B4-BE49-F238E27FC236}">
+                <a16:creationId xmlns:a16="http://schemas.microsoft.com/office/drawing/2014/main" id="{93A58EDE-7899-D9AA-C15E-00CEBA9F3B5A}"/>
+              </a:ext>
+            </a:extLst>
+          </p:cNvPr>
+          <p:cNvSpPr>
+            <a:spLocks noGrp="1"/>
+          </p:cNvSpPr>
+          <p:nvPr>
+            <p:ph sz="quarter" idx="10"/>
+          </p:nvPr>
+        </p:nvSpPr>
+        <p:spPr/>
+        <p:txBody>
+          <a:bodyPr rtlCol="0"/>
+          <a:lstStyle/>
+          <a:p>
+            <a:pPr eaLnBrk="1" fontAlgn="auto" hangingPunct="1">
+              <a:spcAft>
+                <a:spcPts val="0"/>
+              </a:spcAft>
+              <a:defRPr/>
+            </a:pPr>
+            <a:r>
+              <a:rPr lang="en-US" dirty="0">
+                <a:latin typeface="Times New Roman" panose="02020603050405020304" pitchFamily="18" charset="0"/>
+                <a:cs typeface="Times New Roman" panose="02020603050405020304" pitchFamily="18" charset="0"/>
+              </a:rPr>
+              <a:t>Doubly Linked List</a:t>
+            </a:r>
+            <a:endParaRPr lang="en-US" dirty="0"/>
+          </a:p>
+        </p:txBody>
+      </p:sp>
+    </p:spTree>
+    <p:extLst>
+      <p:ext uri="{BB962C8B-B14F-4D97-AF65-F5344CB8AC3E}">
+        <p14:creationId xmlns:p14="http://schemas.microsoft.com/office/powerpoint/2010/main" val="653420331"/>
+      </p:ext>
+    </p:extLst>
+  </p:cSld>
+  <p:clrMapOvr>
+    <a:masterClrMapping/>
+  </p:clrMapOvr>
+</p:sld>
+</file>
+
+<file path=ppt/slides/slide75.xml><?xml version="1.0" encoding="utf-8"?>
 <p:sld xmlns:a="http://schemas.openxmlformats.org/drawingml/2006/main" xmlns:r="http://schemas.openxmlformats.org/officeDocument/2006/relationships" xmlns:p="http://schemas.openxmlformats.org/presentationml/2006/main">
   <p:cSld>
     <p:spTree>
@@ -41206,7 +42766,7 @@
                 <a:latin typeface="Times New Roman" panose="02020603050405020304" pitchFamily="18" charset="0"/>
                 <a:cs typeface="Times New Roman" panose="02020603050405020304" pitchFamily="18" charset="0"/>
               </a:rPr>
-              <a:t>search(key): search whether key is in linked list or not</a:t>
+              <a:t>merge(header1,header2,header): Attach linked list2 behind linked list 1</a:t>
             </a:r>
           </a:p>
           <a:p>
@@ -41236,7 +42796,7 @@
                 <a:cs typeface="Times New Roman" panose="02020603050405020304" pitchFamily="18" charset="0"/>
                 <a:sym typeface="Wingdings" panose="05000000000000000000" pitchFamily="2" charset="2"/>
               </a:rPr>
-              <a:t> header</a:t>
+              <a:t> header1</a:t>
             </a:r>
             <a:endParaRPr lang="en-US" altLang="en-US" dirty="0">
               <a:latin typeface="Times New Roman" panose="02020603050405020304" pitchFamily="18" charset="0"/>
@@ -41292,18 +42852,11 @@
               <a:buAutoNum type="alphaLcPeriod"/>
             </a:pPr>
             <a:r>
-              <a:rPr lang="en-US" altLang="en-US" sz="2400" b="1" dirty="0">
-                <a:latin typeface="Times New Roman" panose="02020603050405020304" pitchFamily="18" charset="0"/>
-                <a:cs typeface="Times New Roman" panose="02020603050405020304" pitchFamily="18" charset="0"/>
-              </a:rPr>
-              <a:t>if </a:t>
-            </a:r>
-            <a:r>
               <a:rPr lang="en-US" altLang="en-US" sz="2400" dirty="0" err="1">
                 <a:latin typeface="Times New Roman" panose="02020603050405020304" pitchFamily="18" charset="0"/>
                 <a:cs typeface="Times New Roman" panose="02020603050405020304" pitchFamily="18" charset="0"/>
               </a:rPr>
-              <a:t>ptr.data</a:t>
+              <a:t>ptr</a:t>
             </a:r>
             <a:r>
               <a:rPr lang="en-US" altLang="en-US" sz="2400" dirty="0">
@@ -41318,40 +42871,7 @@
                 <a:cs typeface="Times New Roman" panose="02020603050405020304" pitchFamily="18" charset="0"/>
                 <a:sym typeface="Wingdings" panose="05000000000000000000" pitchFamily="2" charset="2"/>
               </a:rPr>
-              <a:t>= key </a:t>
-            </a:r>
-            <a:r>
-              <a:rPr lang="en-US" altLang="en-US" sz="2400" b="1" dirty="0">
-                <a:latin typeface="Times New Roman" panose="02020603050405020304" pitchFamily="18" charset="0"/>
-                <a:cs typeface="Times New Roman" panose="02020603050405020304" pitchFamily="18" charset="0"/>
-                <a:sym typeface="Wingdings" panose="05000000000000000000" pitchFamily="2" charset="2"/>
-              </a:rPr>
-              <a:t>then</a:t>
-            </a:r>
-          </a:p>
-          <a:p>
-            <a:pPr marL="914400" lvl="1" indent="-457200" algn="just" fontAlgn="base">
-              <a:spcAft>
-                <a:spcPct val="0"/>
-              </a:spcAft>
-              <a:buFont typeface="+mj-lt"/>
-              <a:buAutoNum type="alphaLcPeriod"/>
-            </a:pPr>
-            <a:r>
-              <a:rPr lang="en-US" altLang="en-US" sz="2400" b="1" dirty="0">
-                <a:latin typeface="Times New Roman" panose="02020603050405020304" pitchFamily="18" charset="0"/>
-                <a:cs typeface="Times New Roman" panose="02020603050405020304" pitchFamily="18" charset="0"/>
-                <a:sym typeface="Wingdings" panose="05000000000000000000" pitchFamily="2" charset="2"/>
-              </a:rPr>
-              <a:t>return</a:t>
-            </a:r>
-            <a:r>
-              <a:rPr lang="en-US" altLang="en-US" sz="2400" dirty="0">
-                <a:latin typeface="Times New Roman" panose="02020603050405020304" pitchFamily="18" charset="0"/>
-                <a:cs typeface="Times New Roman" panose="02020603050405020304" pitchFamily="18" charset="0"/>
-                <a:sym typeface="Wingdings" panose="05000000000000000000" pitchFamily="2" charset="2"/>
-              </a:rPr>
-              <a:t> </a:t>
+              <a:t> </a:t>
             </a:r>
             <a:r>
               <a:rPr lang="en-US" altLang="en-US" sz="2400" dirty="0" err="1">
@@ -41359,7 +42879,7 @@
                 <a:cs typeface="Times New Roman" panose="02020603050405020304" pitchFamily="18" charset="0"/>
                 <a:sym typeface="Wingdings" panose="05000000000000000000" pitchFamily="2" charset="2"/>
               </a:rPr>
-              <a:t>ptr</a:t>
+              <a:t>ptr.next</a:t>
             </a:r>
             <a:endParaRPr lang="en-US" altLang="en-US" dirty="0">
               <a:latin typeface="Times New Roman" panose="02020603050405020304" pitchFamily="18" charset="0"/>
@@ -41375,6 +42895,55 @@
               <a:buAutoNum type="arabicPeriod"/>
             </a:pPr>
             <a:r>
+              <a:rPr lang="en-US" altLang="en-US" dirty="0">
+                <a:latin typeface="Times New Roman" panose="02020603050405020304" pitchFamily="18" charset="0"/>
+                <a:cs typeface="Times New Roman" panose="02020603050405020304" pitchFamily="18" charset="0"/>
+                <a:sym typeface="Wingdings" panose="05000000000000000000" pitchFamily="2" charset="2"/>
+              </a:rPr>
+              <a:t>ptr.nextheader2</a:t>
+            </a:r>
+          </a:p>
+          <a:p>
+            <a:pPr marL="514350" indent="-457200" algn="just" fontAlgn="base">
+              <a:spcAft>
+                <a:spcPct val="0"/>
+              </a:spcAft>
+              <a:buAutoNum type="arabicPeriod"/>
+            </a:pPr>
+            <a:r>
+              <a:rPr lang="en-US" altLang="en-US" dirty="0">
+                <a:latin typeface="Times New Roman" panose="02020603050405020304" pitchFamily="18" charset="0"/>
+                <a:cs typeface="Times New Roman" panose="02020603050405020304" pitchFamily="18" charset="0"/>
+                <a:sym typeface="Wingdings" panose="05000000000000000000" pitchFamily="2" charset="2"/>
+              </a:rPr>
+              <a:t>header2.prevptr</a:t>
+            </a:r>
+          </a:p>
+          <a:p>
+            <a:pPr marL="514350" indent="-457200" algn="just" fontAlgn="base">
+              <a:spcAft>
+                <a:spcPct val="0"/>
+              </a:spcAft>
+              <a:buAutoNum type="arabicPeriod"/>
+            </a:pPr>
+            <a:r>
+              <a:rPr lang="en-US" altLang="en-US" dirty="0">
+                <a:latin typeface="Times New Roman" panose="02020603050405020304" pitchFamily="18" charset="0"/>
+                <a:cs typeface="Times New Roman" panose="02020603050405020304" pitchFamily="18" charset="0"/>
+                <a:sym typeface="Wingdings" panose="05000000000000000000" pitchFamily="2" charset="2"/>
+              </a:rPr>
+              <a:t>headerheader1</a:t>
+            </a:r>
+          </a:p>
+          <a:p>
+            <a:pPr marL="514350" indent="-457200" algn="just" fontAlgn="base">
+              <a:spcAft>
+                <a:spcPct val="0"/>
+              </a:spcAft>
+              <a:buFont typeface="Arial" pitchFamily="34" charset="0"/>
+              <a:buAutoNum type="arabicPeriod"/>
+            </a:pPr>
+            <a:r>
               <a:rPr lang="en-US" altLang="en-US" b="1">
                 <a:latin typeface="Times New Roman" panose="02020603050405020304" pitchFamily="18" charset="0"/>
                 <a:cs typeface="Times New Roman" panose="02020603050405020304" pitchFamily="18" charset="0"/>
@@ -41388,24 +42957,8 @@
                 <a:cs typeface="Times New Roman" panose="02020603050405020304" pitchFamily="18" charset="0"/>
                 <a:sym typeface="Wingdings" panose="05000000000000000000" pitchFamily="2" charset="2"/>
               </a:rPr>
-              <a:t> NULL</a:t>
-            </a:r>
-            <a:endParaRPr lang="en-US" altLang="en-US" dirty="0">
-              <a:latin typeface="Times New Roman" panose="02020603050405020304" pitchFamily="18" charset="0"/>
-              <a:cs typeface="Times New Roman" panose="02020603050405020304" pitchFamily="18" charset="0"/>
-              <a:sym typeface="Wingdings" panose="05000000000000000000" pitchFamily="2" charset="2"/>
-            </a:endParaRPr>
-          </a:p>
-          <a:p>
-            <a:pPr marL="57150" indent="0" algn="just" fontAlgn="base">
-              <a:spcAft>
-                <a:spcPct val="0"/>
-              </a:spcAft>
-            </a:pPr>
-            <a:endParaRPr lang="en-US" altLang="en-US" dirty="0">
-              <a:latin typeface="Times New Roman" panose="02020603050405020304" pitchFamily="18" charset="0"/>
-              <a:cs typeface="Times New Roman" panose="02020603050405020304" pitchFamily="18" charset="0"/>
-            </a:endParaRPr>
+              <a:t> header</a:t>
+            </a:r>
           </a:p>
         </p:txBody>
       </p:sp>
@@ -41450,6 +43003,313 @@
     </p:spTree>
     <p:extLst>
       <p:ext uri="{BB962C8B-B14F-4D97-AF65-F5344CB8AC3E}">
+        <p14:creationId xmlns:p14="http://schemas.microsoft.com/office/powerpoint/2010/main" val="2582187521"/>
+      </p:ext>
+    </p:extLst>
+  </p:cSld>
+  <p:clrMapOvr>
+    <a:masterClrMapping/>
+  </p:clrMapOvr>
+</p:sld>
+</file>
+
+<file path=ppt/slides/slide76.xml><?xml version="1.0" encoding="utf-8"?>
+<p:sld xmlns:a="http://schemas.openxmlformats.org/drawingml/2006/main" xmlns:r="http://schemas.openxmlformats.org/officeDocument/2006/relationships" xmlns:p="http://schemas.openxmlformats.org/presentationml/2006/main">
+  <p:cSld>
+    <p:spTree>
+      <p:nvGrpSpPr>
+        <p:cNvPr id="1" name=""/>
+        <p:cNvGrpSpPr/>
+        <p:nvPr/>
+      </p:nvGrpSpPr>
+      <p:grpSpPr>
+        <a:xfrm>
+          <a:off x="0" y="0"/>
+          <a:ext cx="0" cy="0"/>
+          <a:chOff x="0" y="0"/>
+          <a:chExt cx="0" cy="0"/>
+        </a:xfrm>
+      </p:grpSpPr>
+      <p:sp>
+        <p:nvSpPr>
+          <p:cNvPr id="17410" name="Content Placeholder 2">
+            <a:extLst>
+              <a:ext uri="{FF2B5EF4-FFF2-40B4-BE49-F238E27FC236}">
+                <a16:creationId xmlns:a16="http://schemas.microsoft.com/office/drawing/2014/main" id="{BEF8A033-9BEB-425D-8BD4-26A7E2ED7B49}"/>
+              </a:ext>
+            </a:extLst>
+          </p:cNvPr>
+          <p:cNvSpPr>
+            <a:spLocks noGrp="1"/>
+          </p:cNvSpPr>
+          <p:nvPr>
+            <p:ph idx="1"/>
+          </p:nvPr>
+        </p:nvSpPr>
+        <p:spPr>
+          <a:xfrm>
+            <a:off x="304800" y="1493838"/>
+            <a:ext cx="8229600" cy="4525962"/>
+          </a:xfrm>
+        </p:spPr>
+        <p:txBody>
+          <a:bodyPr/>
+          <a:lstStyle/>
+          <a:p>
+            <a:pPr marL="57150" indent="0" algn="just" fontAlgn="base">
+              <a:spcAft>
+                <a:spcPct val="0"/>
+              </a:spcAft>
+            </a:pPr>
+            <a:r>
+              <a:rPr lang="en-US" altLang="en-US" dirty="0">
+                <a:latin typeface="Times New Roman" panose="02020603050405020304" pitchFamily="18" charset="0"/>
+                <a:cs typeface="Times New Roman" panose="02020603050405020304" pitchFamily="18" charset="0"/>
+              </a:rPr>
+              <a:t>search(key): search whether key is in linked list or not</a:t>
+            </a:r>
+          </a:p>
+          <a:p>
+            <a:pPr marL="514350" indent="-457200" algn="just" fontAlgn="base">
+              <a:spcAft>
+                <a:spcPct val="0"/>
+              </a:spcAft>
+              <a:buAutoNum type="arabicPeriod"/>
+            </a:pPr>
+            <a:r>
+              <a:rPr lang="en-US" altLang="en-US" dirty="0" err="1">
+                <a:latin typeface="Times New Roman" panose="02020603050405020304" pitchFamily="18" charset="0"/>
+                <a:cs typeface="Times New Roman" panose="02020603050405020304" pitchFamily="18" charset="0"/>
+              </a:rPr>
+              <a:t>ptr</a:t>
+            </a:r>
+            <a:r>
+              <a:rPr lang="en-US" altLang="en-US" dirty="0">
+                <a:latin typeface="Times New Roman" panose="02020603050405020304" pitchFamily="18" charset="0"/>
+                <a:cs typeface="Times New Roman" panose="02020603050405020304" pitchFamily="18" charset="0"/>
+              </a:rPr>
+              <a:t> </a:t>
+            </a:r>
+            <a:r>
+              <a:rPr lang="en-US" altLang="en-US" dirty="0">
+                <a:latin typeface="Times New Roman" panose="02020603050405020304" pitchFamily="18" charset="0"/>
+                <a:cs typeface="Times New Roman" panose="02020603050405020304" pitchFamily="18" charset="0"/>
+                <a:sym typeface="Wingdings" panose="05000000000000000000" pitchFamily="2" charset="2"/>
+              </a:rPr>
+              <a:t> header</a:t>
+            </a:r>
+            <a:endParaRPr lang="en-US" altLang="en-US" dirty="0">
+              <a:latin typeface="Times New Roman" panose="02020603050405020304" pitchFamily="18" charset="0"/>
+              <a:cs typeface="Times New Roman" panose="02020603050405020304" pitchFamily="18" charset="0"/>
+            </a:endParaRPr>
+          </a:p>
+          <a:p>
+            <a:pPr marL="514350" indent="-457200" algn="just" fontAlgn="base">
+              <a:spcAft>
+                <a:spcPct val="0"/>
+              </a:spcAft>
+              <a:buAutoNum type="arabicPeriod"/>
+            </a:pPr>
+            <a:r>
+              <a:rPr lang="en-US" altLang="en-US" b="1" dirty="0">
+                <a:latin typeface="Times New Roman" panose="02020603050405020304" pitchFamily="18" charset="0"/>
+                <a:cs typeface="Times New Roman" panose="02020603050405020304" pitchFamily="18" charset="0"/>
+              </a:rPr>
+              <a:t>while </a:t>
+            </a:r>
+            <a:r>
+              <a:rPr lang="en-US" altLang="en-US" dirty="0" err="1">
+                <a:latin typeface="Times New Roman" panose="02020603050405020304" pitchFamily="18" charset="0"/>
+                <a:cs typeface="Times New Roman" panose="02020603050405020304" pitchFamily="18" charset="0"/>
+              </a:rPr>
+              <a:t>ptr.next</a:t>
+            </a:r>
+            <a:r>
+              <a:rPr lang="en-US" altLang="en-US" dirty="0">
+                <a:latin typeface="Times New Roman" panose="02020603050405020304" pitchFamily="18" charset="0"/>
+                <a:cs typeface="Times New Roman" panose="02020603050405020304" pitchFamily="18" charset="0"/>
+              </a:rPr>
+              <a:t> ≠ NULL </a:t>
+            </a:r>
+            <a:r>
+              <a:rPr lang="en-US" altLang="en-US" b="1" dirty="0">
+                <a:latin typeface="Times New Roman" panose="02020603050405020304" pitchFamily="18" charset="0"/>
+                <a:cs typeface="Times New Roman" panose="02020603050405020304" pitchFamily="18" charset="0"/>
+              </a:rPr>
+              <a:t>do</a:t>
+            </a:r>
+            <a:endParaRPr lang="en-US" altLang="en-US" dirty="0">
+              <a:latin typeface="Times New Roman" panose="02020603050405020304" pitchFamily="18" charset="0"/>
+              <a:cs typeface="Times New Roman" panose="02020603050405020304" pitchFamily="18" charset="0"/>
+            </a:endParaRPr>
+          </a:p>
+          <a:p>
+            <a:pPr marL="914400" lvl="1" indent="-457200" algn="just" fontAlgn="base">
+              <a:spcAft>
+                <a:spcPct val="0"/>
+              </a:spcAft>
+              <a:buFont typeface="+mj-lt"/>
+              <a:buAutoNum type="alphaLcPeriod"/>
+            </a:pPr>
+            <a:r>
+              <a:rPr lang="en-US" altLang="en-US" sz="2400" b="1" dirty="0">
+                <a:latin typeface="Times New Roman" panose="02020603050405020304" pitchFamily="18" charset="0"/>
+                <a:cs typeface="Times New Roman" panose="02020603050405020304" pitchFamily="18" charset="0"/>
+              </a:rPr>
+              <a:t>if </a:t>
+            </a:r>
+            <a:r>
+              <a:rPr lang="en-US" altLang="en-US" sz="2400" dirty="0" err="1">
+                <a:latin typeface="Times New Roman" panose="02020603050405020304" pitchFamily="18" charset="0"/>
+                <a:cs typeface="Times New Roman" panose="02020603050405020304" pitchFamily="18" charset="0"/>
+              </a:rPr>
+              <a:t>ptr.data</a:t>
+            </a:r>
+            <a:r>
+              <a:rPr lang="en-US" altLang="en-US" sz="2400" dirty="0">
+                <a:latin typeface="Times New Roman" panose="02020603050405020304" pitchFamily="18" charset="0"/>
+                <a:cs typeface="Times New Roman" panose="02020603050405020304" pitchFamily="18" charset="0"/>
+              </a:rPr>
+              <a:t> </a:t>
+            </a:r>
+            <a:r>
+              <a:rPr lang="en-US" altLang="en-US" sz="2400" dirty="0">
+                <a:latin typeface="Times New Roman" panose="02020603050405020304" pitchFamily="18" charset="0"/>
+                <a:cs typeface="Times New Roman" panose="02020603050405020304" pitchFamily="18" charset="0"/>
+                <a:sym typeface="Wingdings" panose="05000000000000000000" pitchFamily="2" charset="2"/>
+              </a:rPr>
+              <a:t>= key </a:t>
+            </a:r>
+            <a:r>
+              <a:rPr lang="en-US" altLang="en-US" sz="2400" b="1" dirty="0">
+                <a:latin typeface="Times New Roman" panose="02020603050405020304" pitchFamily="18" charset="0"/>
+                <a:cs typeface="Times New Roman" panose="02020603050405020304" pitchFamily="18" charset="0"/>
+                <a:sym typeface="Wingdings" panose="05000000000000000000" pitchFamily="2" charset="2"/>
+              </a:rPr>
+              <a:t>then</a:t>
+            </a:r>
+          </a:p>
+          <a:p>
+            <a:pPr marL="914400" lvl="1" indent="-457200" algn="just" fontAlgn="base">
+              <a:spcAft>
+                <a:spcPct val="0"/>
+              </a:spcAft>
+              <a:buFont typeface="+mj-lt"/>
+              <a:buAutoNum type="alphaLcPeriod"/>
+            </a:pPr>
+            <a:r>
+              <a:rPr lang="en-US" altLang="en-US" sz="2400" b="1" dirty="0">
+                <a:latin typeface="Times New Roman" panose="02020603050405020304" pitchFamily="18" charset="0"/>
+                <a:cs typeface="Times New Roman" panose="02020603050405020304" pitchFamily="18" charset="0"/>
+                <a:sym typeface="Wingdings" panose="05000000000000000000" pitchFamily="2" charset="2"/>
+              </a:rPr>
+              <a:t>return</a:t>
+            </a:r>
+            <a:r>
+              <a:rPr lang="en-US" altLang="en-US" sz="2400" dirty="0">
+                <a:latin typeface="Times New Roman" panose="02020603050405020304" pitchFamily="18" charset="0"/>
+                <a:cs typeface="Times New Roman" panose="02020603050405020304" pitchFamily="18" charset="0"/>
+                <a:sym typeface="Wingdings" panose="05000000000000000000" pitchFamily="2" charset="2"/>
+              </a:rPr>
+              <a:t> </a:t>
+            </a:r>
+            <a:r>
+              <a:rPr lang="en-US" altLang="en-US" sz="2400" dirty="0" err="1">
+                <a:latin typeface="Times New Roman" panose="02020603050405020304" pitchFamily="18" charset="0"/>
+                <a:cs typeface="Times New Roman" panose="02020603050405020304" pitchFamily="18" charset="0"/>
+                <a:sym typeface="Wingdings" panose="05000000000000000000" pitchFamily="2" charset="2"/>
+              </a:rPr>
+              <a:t>ptr</a:t>
+            </a:r>
+            <a:endParaRPr lang="en-US" altLang="en-US" dirty="0">
+              <a:latin typeface="Times New Roman" panose="02020603050405020304" pitchFamily="18" charset="0"/>
+              <a:cs typeface="Times New Roman" panose="02020603050405020304" pitchFamily="18" charset="0"/>
+              <a:sym typeface="Wingdings" panose="05000000000000000000" pitchFamily="2" charset="2"/>
+            </a:endParaRPr>
+          </a:p>
+          <a:p>
+            <a:pPr marL="514350" indent="-457200" algn="just" fontAlgn="base">
+              <a:spcAft>
+                <a:spcPct val="0"/>
+              </a:spcAft>
+              <a:buAutoNum type="arabicPeriod"/>
+            </a:pPr>
+            <a:r>
+              <a:rPr lang="en-US" altLang="en-US" b="1">
+                <a:latin typeface="Times New Roman" panose="02020603050405020304" pitchFamily="18" charset="0"/>
+                <a:cs typeface="Times New Roman" panose="02020603050405020304" pitchFamily="18" charset="0"/>
+                <a:sym typeface="Wingdings" panose="05000000000000000000" pitchFamily="2" charset="2"/>
+              </a:rPr>
+              <a:t>return</a:t>
+            </a:r>
+            <a:r>
+              <a:rPr lang="en-US" altLang="en-US">
+                <a:latin typeface="Times New Roman" panose="02020603050405020304" pitchFamily="18" charset="0"/>
+                <a:cs typeface="Times New Roman" panose="02020603050405020304" pitchFamily="18" charset="0"/>
+                <a:sym typeface="Wingdings" panose="05000000000000000000" pitchFamily="2" charset="2"/>
+              </a:rPr>
+              <a:t> NULL</a:t>
+            </a:r>
+            <a:endParaRPr lang="en-US" altLang="en-US" dirty="0">
+              <a:latin typeface="Times New Roman" panose="02020603050405020304" pitchFamily="18" charset="0"/>
+              <a:cs typeface="Times New Roman" panose="02020603050405020304" pitchFamily="18" charset="0"/>
+              <a:sym typeface="Wingdings" panose="05000000000000000000" pitchFamily="2" charset="2"/>
+            </a:endParaRPr>
+          </a:p>
+          <a:p>
+            <a:pPr marL="57150" indent="0" algn="just" fontAlgn="base">
+              <a:spcAft>
+                <a:spcPct val="0"/>
+              </a:spcAft>
+            </a:pPr>
+            <a:endParaRPr lang="en-US" altLang="en-US" dirty="0">
+              <a:latin typeface="Times New Roman" panose="02020603050405020304" pitchFamily="18" charset="0"/>
+              <a:cs typeface="Times New Roman" panose="02020603050405020304" pitchFamily="18" charset="0"/>
+            </a:endParaRPr>
+          </a:p>
+        </p:txBody>
+      </p:sp>
+      <p:sp>
+        <p:nvSpPr>
+          <p:cNvPr id="4" name="Content Placeholder 3">
+            <a:extLst>
+              <a:ext uri="{FF2B5EF4-FFF2-40B4-BE49-F238E27FC236}">
+                <a16:creationId xmlns:a16="http://schemas.microsoft.com/office/drawing/2014/main" id="{34B17C67-4D7A-4EF2-AC38-E8D5F700E17C}"/>
+              </a:ext>
+            </a:extLst>
+          </p:cNvPr>
+          <p:cNvSpPr>
+            <a:spLocks noGrp="1"/>
+          </p:cNvSpPr>
+          <p:nvPr>
+            <p:ph sz="quarter" idx="10"/>
+          </p:nvPr>
+        </p:nvSpPr>
+        <p:spPr/>
+        <p:txBody>
+          <a:bodyPr rtlCol="0"/>
+          <a:lstStyle/>
+          <a:p>
+            <a:pPr eaLnBrk="1" fontAlgn="auto" hangingPunct="1">
+              <a:spcAft>
+                <a:spcPts val="0"/>
+              </a:spcAft>
+              <a:defRPr/>
+            </a:pPr>
+            <a:r>
+              <a:rPr lang="en-US" dirty="0">
+                <a:latin typeface="Times New Roman" panose="02020603050405020304" pitchFamily="18" charset="0"/>
+                <a:cs typeface="Times New Roman" panose="02020603050405020304" pitchFamily="18" charset="0"/>
+              </a:rPr>
+              <a:t>Doubly Linked List</a:t>
+            </a:r>
+            <a:endParaRPr lang="en-US" dirty="0"/>
+          </a:p>
+        </p:txBody>
+      </p:sp>
+    </p:spTree>
+    <p:extLst>
+      <p:ext uri="{BB962C8B-B14F-4D97-AF65-F5344CB8AC3E}">
         <p14:creationId xmlns:p14="http://schemas.microsoft.com/office/powerpoint/2010/main" val="22104958"/>
       </p:ext>
     </p:extLst>
@@ -41460,7 +43320,7 @@
 </p:sld>
 </file>
 
-<file path=ppt/slides/slide75.xml><?xml version="1.0" encoding="utf-8"?>
+<file path=ppt/slides/slide77.xml><?xml version="1.0" encoding="utf-8"?>
 <p:sld xmlns:a="http://schemas.openxmlformats.org/drawingml/2006/main" xmlns:r="http://schemas.openxmlformats.org/officeDocument/2006/relationships" xmlns:p="http://schemas.openxmlformats.org/presentationml/2006/main" show="0">
   <p:cSld>
     <p:spTree>
@@ -41610,7 +43470,7 @@
 </p:sld>
 </file>
 
-<file path=ppt/slides/slide76.xml><?xml version="1.0" encoding="utf-8"?>
+<file path=ppt/slides/slide78.xml><?xml version="1.0" encoding="utf-8"?>
 <p:sld xmlns:a="http://schemas.openxmlformats.org/drawingml/2006/main" xmlns:r="http://schemas.openxmlformats.org/officeDocument/2006/relationships" xmlns:p="http://schemas.openxmlformats.org/presentationml/2006/main">
   <p:cSld>
     <p:spTree>
@@ -41762,7 +43622,7 @@
 </p:sld>
 </file>
 
-<file path=ppt/slides/slide77.xml><?xml version="1.0" encoding="utf-8"?>
+<file path=ppt/slides/slide79.xml><?xml version="1.0" encoding="utf-8"?>
 <p:sld xmlns:a="http://schemas.openxmlformats.org/drawingml/2006/main" xmlns:r="http://schemas.openxmlformats.org/officeDocument/2006/relationships" xmlns:p="http://schemas.openxmlformats.org/presentationml/2006/main">
   <p:cSld>
     <p:spTree>
@@ -41817,65 +43677,6 @@
     <p:extLst>
       <p:ext uri="{BB962C8B-B14F-4D97-AF65-F5344CB8AC3E}">
         <p14:creationId xmlns:p14="http://schemas.microsoft.com/office/powerpoint/2010/main" val="2826839624"/>
-      </p:ext>
-    </p:extLst>
-  </p:cSld>
-  <p:clrMapOvr>
-    <a:masterClrMapping/>
-  </p:clrMapOvr>
-</p:sld>
-</file>
-
-<file path=ppt/slides/slide78.xml><?xml version="1.0" encoding="utf-8"?>
-<p:sld xmlns:a="http://schemas.openxmlformats.org/drawingml/2006/main" xmlns:r="http://schemas.openxmlformats.org/officeDocument/2006/relationships" xmlns:p="http://schemas.openxmlformats.org/presentationml/2006/main">
-  <p:cSld>
-    <p:spTree>
-      <p:nvGrpSpPr>
-        <p:cNvPr id="1" name=""/>
-        <p:cNvGrpSpPr/>
-        <p:nvPr/>
-      </p:nvGrpSpPr>
-      <p:grpSpPr>
-        <a:xfrm>
-          <a:off x="0" y="0"/>
-          <a:ext cx="0" cy="0"/>
-          <a:chOff x="0" y="0"/>
-          <a:chExt cx="0" cy="0"/>
-        </a:xfrm>
-      </p:grpSpPr>
-      <p:sp>
-        <p:nvSpPr>
-          <p:cNvPr id="3" name="Title 2">
-            <a:extLst>
-              <a:ext uri="{FF2B5EF4-FFF2-40B4-BE49-F238E27FC236}">
-                <a16:creationId xmlns:a16="http://schemas.microsoft.com/office/drawing/2014/main" id="{F0AAC9D8-0F15-4B42-A136-5E260B3A6309}"/>
-              </a:ext>
-            </a:extLst>
-          </p:cNvPr>
-          <p:cNvSpPr>
-            <a:spLocks noGrp="1"/>
-          </p:cNvSpPr>
-          <p:nvPr>
-            <p:ph type="title"/>
-          </p:nvPr>
-        </p:nvSpPr>
-        <p:spPr/>
-        <p:txBody>
-          <a:bodyPr/>
-          <a:lstStyle/>
-          <a:p>
-            <a:r>
-              <a:rPr lang="en-US" dirty="0"/>
-              <a:t>Thank you!!</a:t>
-            </a:r>
-            <a:endParaRPr lang="en-IN" dirty="0"/>
-          </a:p>
-        </p:txBody>
-      </p:sp>
-    </p:spTree>
-    <p:extLst>
-      <p:ext uri="{BB962C8B-B14F-4D97-AF65-F5344CB8AC3E}">
-        <p14:creationId xmlns:p14="http://schemas.microsoft.com/office/powerpoint/2010/main" val="2480200808"/>
       </p:ext>
     </p:extLst>
   </p:cSld>
@@ -42343,6 +44144,65 @@
     <p:extLst>
       <p:ext uri="{BB962C8B-B14F-4D97-AF65-F5344CB8AC3E}">
         <p14:creationId xmlns:p14="http://schemas.microsoft.com/office/powerpoint/2010/main" val="3122687334"/>
+      </p:ext>
+    </p:extLst>
+  </p:cSld>
+  <p:clrMapOvr>
+    <a:masterClrMapping/>
+  </p:clrMapOvr>
+</p:sld>
+</file>
+
+<file path=ppt/slides/slide80.xml><?xml version="1.0" encoding="utf-8"?>
+<p:sld xmlns:a="http://schemas.openxmlformats.org/drawingml/2006/main" xmlns:r="http://schemas.openxmlformats.org/officeDocument/2006/relationships" xmlns:p="http://schemas.openxmlformats.org/presentationml/2006/main">
+  <p:cSld>
+    <p:spTree>
+      <p:nvGrpSpPr>
+        <p:cNvPr id="1" name=""/>
+        <p:cNvGrpSpPr/>
+        <p:nvPr/>
+      </p:nvGrpSpPr>
+      <p:grpSpPr>
+        <a:xfrm>
+          <a:off x="0" y="0"/>
+          <a:ext cx="0" cy="0"/>
+          <a:chOff x="0" y="0"/>
+          <a:chExt cx="0" cy="0"/>
+        </a:xfrm>
+      </p:grpSpPr>
+      <p:sp>
+        <p:nvSpPr>
+          <p:cNvPr id="3" name="Title 2">
+            <a:extLst>
+              <a:ext uri="{FF2B5EF4-FFF2-40B4-BE49-F238E27FC236}">
+                <a16:creationId xmlns:a16="http://schemas.microsoft.com/office/drawing/2014/main" id="{F0AAC9D8-0F15-4B42-A136-5E260B3A6309}"/>
+              </a:ext>
+            </a:extLst>
+          </p:cNvPr>
+          <p:cNvSpPr>
+            <a:spLocks noGrp="1"/>
+          </p:cNvSpPr>
+          <p:nvPr>
+            <p:ph type="title"/>
+          </p:nvPr>
+        </p:nvSpPr>
+        <p:spPr/>
+        <p:txBody>
+          <a:bodyPr/>
+          <a:lstStyle/>
+          <a:p>
+            <a:r>
+              <a:rPr lang="en-US" dirty="0"/>
+              <a:t>Thank you!!</a:t>
+            </a:r>
+            <a:endParaRPr lang="en-IN" dirty="0"/>
+          </a:p>
+        </p:txBody>
+      </p:sp>
+    </p:spTree>
+    <p:extLst>
+      <p:ext uri="{BB962C8B-B14F-4D97-AF65-F5344CB8AC3E}">
+        <p14:creationId xmlns:p14="http://schemas.microsoft.com/office/powerpoint/2010/main" val="2480200808"/>
       </p:ext>
     </p:extLst>
   </p:cSld>
